--- a/Presentació/Darkest Valley.pptx
+++ b/Presentació/Darkest Valley.pptx
@@ -7,12 +7,13 @@
   <p:sldIdLst>
     <p:sldId id="256" r:id="rId2"/>
     <p:sldId id="258" r:id="rId3"/>
-    <p:sldId id="259" r:id="rId4"/>
-    <p:sldId id="261" r:id="rId5"/>
-    <p:sldId id="260" r:id="rId6"/>
+    <p:sldId id="260" r:id="rId4"/>
+    <p:sldId id="259" r:id="rId5"/>
+    <p:sldId id="261" r:id="rId6"/>
     <p:sldId id="262" r:id="rId7"/>
-    <p:sldId id="263" r:id="rId8"/>
-    <p:sldId id="264" r:id="rId9"/>
+    <p:sldId id="265" r:id="rId8"/>
+    <p:sldId id="263" r:id="rId9"/>
+    <p:sldId id="264" r:id="rId10"/>
   </p:sldIdLst>
   <p:sldSz cx="12192000" cy="6858000"/>
   <p:notesSz cx="6858000" cy="9144000"/>
@@ -4601,6 +4602,753 @@
 </dgm:colorsDef>
 </file>
 
+<file path=ppt/diagrams/colors7.xml><?xml version="1.0" encoding="utf-8"?>
+<dgm:colorsDef xmlns:dgm="http://schemas.openxmlformats.org/drawingml/2006/diagram" xmlns:a="http://schemas.openxmlformats.org/drawingml/2006/main" uniqueId="urn:microsoft.com/office/officeart/2005/8/colors/accent1_2">
+  <dgm:title val=""/>
+  <dgm:desc val=""/>
+  <dgm:catLst>
+    <dgm:cat type="accent1" pri="11200"/>
+  </dgm:catLst>
+  <dgm:styleLbl name="node0">
+    <dgm:fillClrLst meth="repeat">
+      <a:schemeClr val="accent1"/>
+    </dgm:fillClrLst>
+    <dgm:linClrLst meth="repeat">
+      <a:schemeClr val="lt1"/>
+    </dgm:linClrLst>
+    <dgm:effectClrLst/>
+    <dgm:txLinClrLst/>
+    <dgm:txFillClrLst/>
+    <dgm:txEffectClrLst/>
+  </dgm:styleLbl>
+  <dgm:styleLbl name="alignNode1">
+    <dgm:fillClrLst meth="repeat">
+      <a:schemeClr val="accent1"/>
+    </dgm:fillClrLst>
+    <dgm:linClrLst meth="repeat">
+      <a:schemeClr val="accent1"/>
+    </dgm:linClrLst>
+    <dgm:effectClrLst/>
+    <dgm:txLinClrLst/>
+    <dgm:txFillClrLst/>
+    <dgm:txEffectClrLst/>
+  </dgm:styleLbl>
+  <dgm:styleLbl name="node1">
+    <dgm:fillClrLst meth="repeat">
+      <a:schemeClr val="accent1"/>
+    </dgm:fillClrLst>
+    <dgm:linClrLst meth="repeat">
+      <a:schemeClr val="lt1"/>
+    </dgm:linClrLst>
+    <dgm:effectClrLst/>
+    <dgm:txLinClrLst/>
+    <dgm:txFillClrLst/>
+    <dgm:txEffectClrLst/>
+  </dgm:styleLbl>
+  <dgm:styleLbl name="lnNode1">
+    <dgm:fillClrLst meth="repeat">
+      <a:schemeClr val="accent1"/>
+    </dgm:fillClrLst>
+    <dgm:linClrLst meth="repeat">
+      <a:schemeClr val="lt1"/>
+    </dgm:linClrLst>
+    <dgm:effectClrLst/>
+    <dgm:txLinClrLst/>
+    <dgm:txFillClrLst/>
+    <dgm:txEffectClrLst/>
+  </dgm:styleLbl>
+  <dgm:styleLbl name="vennNode1">
+    <dgm:fillClrLst meth="repeat">
+      <a:schemeClr val="accent1">
+        <a:alpha val="50000"/>
+      </a:schemeClr>
+    </dgm:fillClrLst>
+    <dgm:linClrLst meth="repeat">
+      <a:schemeClr val="lt1"/>
+    </dgm:linClrLst>
+    <dgm:effectClrLst/>
+    <dgm:txLinClrLst/>
+    <dgm:txFillClrLst/>
+    <dgm:txEffectClrLst/>
+  </dgm:styleLbl>
+  <dgm:styleLbl name="node2">
+    <dgm:fillClrLst meth="repeat">
+      <a:schemeClr val="accent1"/>
+    </dgm:fillClrLst>
+    <dgm:linClrLst meth="repeat">
+      <a:schemeClr val="lt1"/>
+    </dgm:linClrLst>
+    <dgm:effectClrLst/>
+    <dgm:txLinClrLst/>
+    <dgm:txFillClrLst/>
+    <dgm:txEffectClrLst/>
+  </dgm:styleLbl>
+  <dgm:styleLbl name="node3">
+    <dgm:fillClrLst meth="repeat">
+      <a:schemeClr val="accent1"/>
+    </dgm:fillClrLst>
+    <dgm:linClrLst meth="repeat">
+      <a:schemeClr val="lt1"/>
+    </dgm:linClrLst>
+    <dgm:effectClrLst/>
+    <dgm:txLinClrLst/>
+    <dgm:txFillClrLst/>
+    <dgm:txEffectClrLst/>
+  </dgm:styleLbl>
+  <dgm:styleLbl name="node4">
+    <dgm:fillClrLst meth="repeat">
+      <a:schemeClr val="accent1"/>
+    </dgm:fillClrLst>
+    <dgm:linClrLst meth="repeat">
+      <a:schemeClr val="lt1"/>
+    </dgm:linClrLst>
+    <dgm:effectClrLst/>
+    <dgm:txLinClrLst/>
+    <dgm:txFillClrLst/>
+    <dgm:txEffectClrLst/>
+  </dgm:styleLbl>
+  <dgm:styleLbl name="fgImgPlace1">
+    <dgm:fillClrLst meth="repeat">
+      <a:schemeClr val="accent1">
+        <a:tint val="50000"/>
+      </a:schemeClr>
+    </dgm:fillClrLst>
+    <dgm:linClrLst meth="repeat">
+      <a:schemeClr val="lt1"/>
+    </dgm:linClrLst>
+    <dgm:effectClrLst/>
+    <dgm:txLinClrLst/>
+    <dgm:txFillClrLst meth="repeat">
+      <a:schemeClr val="lt1"/>
+    </dgm:txFillClrLst>
+    <dgm:txEffectClrLst/>
+  </dgm:styleLbl>
+  <dgm:styleLbl name="alignImgPlace1">
+    <dgm:fillClrLst meth="repeat">
+      <a:schemeClr val="accent1">
+        <a:tint val="50000"/>
+      </a:schemeClr>
+    </dgm:fillClrLst>
+    <dgm:linClrLst meth="repeat">
+      <a:schemeClr val="lt1"/>
+    </dgm:linClrLst>
+    <dgm:effectClrLst/>
+    <dgm:txLinClrLst/>
+    <dgm:txFillClrLst meth="repeat">
+      <a:schemeClr val="lt1"/>
+    </dgm:txFillClrLst>
+    <dgm:txEffectClrLst/>
+  </dgm:styleLbl>
+  <dgm:styleLbl name="bgImgPlace1">
+    <dgm:fillClrLst meth="repeat">
+      <a:schemeClr val="accent1">
+        <a:tint val="50000"/>
+      </a:schemeClr>
+    </dgm:fillClrLst>
+    <dgm:linClrLst meth="repeat">
+      <a:schemeClr val="lt1"/>
+    </dgm:linClrLst>
+    <dgm:effectClrLst/>
+    <dgm:txLinClrLst/>
+    <dgm:txFillClrLst meth="repeat">
+      <a:schemeClr val="lt1"/>
+    </dgm:txFillClrLst>
+    <dgm:txEffectClrLst/>
+  </dgm:styleLbl>
+  <dgm:styleLbl name="sibTrans2D1">
+    <dgm:fillClrLst meth="repeat">
+      <a:schemeClr val="accent1">
+        <a:tint val="60000"/>
+      </a:schemeClr>
+    </dgm:fillClrLst>
+    <dgm:linClrLst meth="repeat">
+      <a:schemeClr val="accent1">
+        <a:tint val="60000"/>
+      </a:schemeClr>
+    </dgm:linClrLst>
+    <dgm:effectClrLst/>
+    <dgm:txLinClrLst/>
+    <dgm:txFillClrLst/>
+    <dgm:txEffectClrLst/>
+  </dgm:styleLbl>
+  <dgm:styleLbl name="fgSibTrans2D1">
+    <dgm:fillClrLst meth="repeat">
+      <a:schemeClr val="accent1">
+        <a:tint val="60000"/>
+      </a:schemeClr>
+    </dgm:fillClrLst>
+    <dgm:linClrLst meth="repeat">
+      <a:schemeClr val="accent1">
+        <a:tint val="60000"/>
+      </a:schemeClr>
+    </dgm:linClrLst>
+    <dgm:effectClrLst/>
+    <dgm:txLinClrLst/>
+    <dgm:txFillClrLst/>
+    <dgm:txEffectClrLst/>
+  </dgm:styleLbl>
+  <dgm:styleLbl name="bgSibTrans2D1">
+    <dgm:fillClrLst meth="repeat">
+      <a:schemeClr val="accent1">
+        <a:tint val="60000"/>
+      </a:schemeClr>
+    </dgm:fillClrLst>
+    <dgm:linClrLst meth="repeat">
+      <a:schemeClr val="accent1">
+        <a:tint val="60000"/>
+      </a:schemeClr>
+    </dgm:linClrLst>
+    <dgm:effectClrLst/>
+    <dgm:txLinClrLst/>
+    <dgm:txFillClrLst/>
+    <dgm:txEffectClrLst/>
+  </dgm:styleLbl>
+  <dgm:styleLbl name="sibTrans1D1">
+    <dgm:fillClrLst meth="repeat">
+      <a:schemeClr val="accent1"/>
+    </dgm:fillClrLst>
+    <dgm:linClrLst meth="repeat">
+      <a:schemeClr val="accent1"/>
+    </dgm:linClrLst>
+    <dgm:effectClrLst/>
+    <dgm:txLinClrLst/>
+    <dgm:txFillClrLst meth="repeat">
+      <a:schemeClr val="tx1"/>
+    </dgm:txFillClrLst>
+    <dgm:txEffectClrLst/>
+  </dgm:styleLbl>
+  <dgm:styleLbl name="callout">
+    <dgm:fillClrLst meth="repeat">
+      <a:schemeClr val="accent1"/>
+    </dgm:fillClrLst>
+    <dgm:linClrLst meth="repeat">
+      <a:schemeClr val="accent1">
+        <a:tint val="50000"/>
+      </a:schemeClr>
+    </dgm:linClrLst>
+    <dgm:effectClrLst/>
+    <dgm:txLinClrLst/>
+    <dgm:txFillClrLst meth="repeat">
+      <a:schemeClr val="tx1"/>
+    </dgm:txFillClrLst>
+    <dgm:txEffectClrLst/>
+  </dgm:styleLbl>
+  <dgm:styleLbl name="asst0">
+    <dgm:fillClrLst meth="repeat">
+      <a:schemeClr val="accent1"/>
+    </dgm:fillClrLst>
+    <dgm:linClrLst meth="repeat">
+      <a:schemeClr val="lt1"/>
+    </dgm:linClrLst>
+    <dgm:effectClrLst/>
+    <dgm:txLinClrLst/>
+    <dgm:txFillClrLst/>
+    <dgm:txEffectClrLst/>
+  </dgm:styleLbl>
+  <dgm:styleLbl name="asst1">
+    <dgm:fillClrLst meth="repeat">
+      <a:schemeClr val="accent1"/>
+    </dgm:fillClrLst>
+    <dgm:linClrLst meth="repeat">
+      <a:schemeClr val="lt1"/>
+    </dgm:linClrLst>
+    <dgm:effectClrLst/>
+    <dgm:txLinClrLst/>
+    <dgm:txFillClrLst/>
+    <dgm:txEffectClrLst/>
+  </dgm:styleLbl>
+  <dgm:styleLbl name="asst2">
+    <dgm:fillClrLst meth="repeat">
+      <a:schemeClr val="accent1"/>
+    </dgm:fillClrLst>
+    <dgm:linClrLst meth="repeat">
+      <a:schemeClr val="lt1"/>
+    </dgm:linClrLst>
+    <dgm:effectClrLst/>
+    <dgm:txLinClrLst/>
+    <dgm:txFillClrLst/>
+    <dgm:txEffectClrLst/>
+  </dgm:styleLbl>
+  <dgm:styleLbl name="asst3">
+    <dgm:fillClrLst meth="repeat">
+      <a:schemeClr val="accent1"/>
+    </dgm:fillClrLst>
+    <dgm:linClrLst meth="repeat">
+      <a:schemeClr val="lt1"/>
+    </dgm:linClrLst>
+    <dgm:effectClrLst/>
+    <dgm:txLinClrLst/>
+    <dgm:txFillClrLst/>
+    <dgm:txEffectClrLst/>
+  </dgm:styleLbl>
+  <dgm:styleLbl name="asst4">
+    <dgm:fillClrLst meth="repeat">
+      <a:schemeClr val="accent1"/>
+    </dgm:fillClrLst>
+    <dgm:linClrLst meth="repeat">
+      <a:schemeClr val="lt1"/>
+    </dgm:linClrLst>
+    <dgm:effectClrLst/>
+    <dgm:txLinClrLst/>
+    <dgm:txFillClrLst/>
+    <dgm:txEffectClrLst/>
+  </dgm:styleLbl>
+  <dgm:styleLbl name="parChTrans2D1">
+    <dgm:fillClrLst meth="repeat">
+      <a:schemeClr val="accent1">
+        <a:tint val="60000"/>
+      </a:schemeClr>
+    </dgm:fillClrLst>
+    <dgm:linClrLst meth="repeat">
+      <a:schemeClr val="accent1">
+        <a:tint val="60000"/>
+      </a:schemeClr>
+    </dgm:linClrLst>
+    <dgm:effectClrLst/>
+    <dgm:txLinClrLst/>
+    <dgm:txFillClrLst meth="repeat">
+      <a:schemeClr val="lt1"/>
+    </dgm:txFillClrLst>
+    <dgm:txEffectClrLst/>
+  </dgm:styleLbl>
+  <dgm:styleLbl name="parChTrans2D2">
+    <dgm:fillClrLst meth="repeat">
+      <a:schemeClr val="accent1"/>
+    </dgm:fillClrLst>
+    <dgm:linClrLst meth="repeat">
+      <a:schemeClr val="accent1"/>
+    </dgm:linClrLst>
+    <dgm:effectClrLst/>
+    <dgm:txLinClrLst/>
+    <dgm:txFillClrLst meth="repeat">
+      <a:schemeClr val="lt1"/>
+    </dgm:txFillClrLst>
+    <dgm:txEffectClrLst/>
+  </dgm:styleLbl>
+  <dgm:styleLbl name="parChTrans2D3">
+    <dgm:fillClrLst meth="repeat">
+      <a:schemeClr val="accent1"/>
+    </dgm:fillClrLst>
+    <dgm:linClrLst meth="repeat">
+      <a:schemeClr val="accent1"/>
+    </dgm:linClrLst>
+    <dgm:effectClrLst/>
+    <dgm:txLinClrLst/>
+    <dgm:txFillClrLst meth="repeat">
+      <a:schemeClr val="lt1"/>
+    </dgm:txFillClrLst>
+    <dgm:txEffectClrLst/>
+  </dgm:styleLbl>
+  <dgm:styleLbl name="parChTrans2D4">
+    <dgm:fillClrLst meth="repeat">
+      <a:schemeClr val="accent1"/>
+    </dgm:fillClrLst>
+    <dgm:linClrLst meth="repeat">
+      <a:schemeClr val="accent1"/>
+    </dgm:linClrLst>
+    <dgm:effectClrLst/>
+    <dgm:txLinClrLst/>
+    <dgm:txFillClrLst meth="repeat">
+      <a:schemeClr val="lt1"/>
+    </dgm:txFillClrLst>
+    <dgm:txEffectClrLst/>
+  </dgm:styleLbl>
+  <dgm:styleLbl name="parChTrans1D1">
+    <dgm:fillClrLst meth="repeat">
+      <a:schemeClr val="accent1"/>
+    </dgm:fillClrLst>
+    <dgm:linClrLst meth="repeat">
+      <a:schemeClr val="accent1">
+        <a:shade val="60000"/>
+      </a:schemeClr>
+    </dgm:linClrLst>
+    <dgm:effectClrLst/>
+    <dgm:txLinClrLst/>
+    <dgm:txFillClrLst meth="repeat">
+      <a:schemeClr val="tx1"/>
+    </dgm:txFillClrLst>
+    <dgm:txEffectClrLst/>
+  </dgm:styleLbl>
+  <dgm:styleLbl name="parChTrans1D2">
+    <dgm:fillClrLst meth="repeat">
+      <a:schemeClr val="accent1"/>
+    </dgm:fillClrLst>
+    <dgm:linClrLst meth="repeat">
+      <a:schemeClr val="accent1">
+        <a:shade val="60000"/>
+      </a:schemeClr>
+    </dgm:linClrLst>
+    <dgm:effectClrLst/>
+    <dgm:txLinClrLst/>
+    <dgm:txFillClrLst meth="repeat">
+      <a:schemeClr val="tx1"/>
+    </dgm:txFillClrLst>
+    <dgm:txEffectClrLst/>
+  </dgm:styleLbl>
+  <dgm:styleLbl name="parChTrans1D3">
+    <dgm:fillClrLst meth="repeat">
+      <a:schemeClr val="accent1"/>
+    </dgm:fillClrLst>
+    <dgm:linClrLst meth="repeat">
+      <a:schemeClr val="accent1">
+        <a:shade val="80000"/>
+      </a:schemeClr>
+    </dgm:linClrLst>
+    <dgm:effectClrLst/>
+    <dgm:txLinClrLst/>
+    <dgm:txFillClrLst meth="repeat">
+      <a:schemeClr val="tx1"/>
+    </dgm:txFillClrLst>
+    <dgm:txEffectClrLst/>
+  </dgm:styleLbl>
+  <dgm:styleLbl name="parChTrans1D4">
+    <dgm:fillClrLst meth="repeat">
+      <a:schemeClr val="accent1"/>
+    </dgm:fillClrLst>
+    <dgm:linClrLst meth="repeat">
+      <a:schemeClr val="accent1">
+        <a:shade val="80000"/>
+      </a:schemeClr>
+    </dgm:linClrLst>
+    <dgm:effectClrLst/>
+    <dgm:txLinClrLst/>
+    <dgm:txFillClrLst meth="repeat">
+      <a:schemeClr val="tx1"/>
+    </dgm:txFillClrLst>
+    <dgm:txEffectClrLst/>
+  </dgm:styleLbl>
+  <dgm:styleLbl name="fgAcc1">
+    <dgm:fillClrLst meth="repeat">
+      <a:schemeClr val="lt1">
+        <a:alpha val="90000"/>
+      </a:schemeClr>
+    </dgm:fillClrLst>
+    <dgm:linClrLst meth="repeat">
+      <a:schemeClr val="accent1"/>
+    </dgm:linClrLst>
+    <dgm:effectClrLst/>
+    <dgm:txLinClrLst/>
+    <dgm:txFillClrLst meth="repeat">
+      <a:schemeClr val="dk1"/>
+    </dgm:txFillClrLst>
+    <dgm:txEffectClrLst/>
+  </dgm:styleLbl>
+  <dgm:styleLbl name="conFgAcc1">
+    <dgm:fillClrLst meth="repeat">
+      <a:schemeClr val="lt1">
+        <a:alpha val="90000"/>
+      </a:schemeClr>
+    </dgm:fillClrLst>
+    <dgm:linClrLst meth="repeat">
+      <a:schemeClr val="accent1"/>
+    </dgm:linClrLst>
+    <dgm:effectClrLst/>
+    <dgm:txLinClrLst/>
+    <dgm:txFillClrLst meth="repeat">
+      <a:schemeClr val="dk1"/>
+    </dgm:txFillClrLst>
+    <dgm:txEffectClrLst/>
+  </dgm:styleLbl>
+  <dgm:styleLbl name="alignAcc1">
+    <dgm:fillClrLst meth="repeat">
+      <a:schemeClr val="lt1">
+        <a:alpha val="90000"/>
+      </a:schemeClr>
+    </dgm:fillClrLst>
+    <dgm:linClrLst meth="repeat">
+      <a:schemeClr val="accent1"/>
+    </dgm:linClrLst>
+    <dgm:effectClrLst/>
+    <dgm:txLinClrLst/>
+    <dgm:txFillClrLst meth="repeat">
+      <a:schemeClr val="dk1"/>
+    </dgm:txFillClrLst>
+    <dgm:txEffectClrLst/>
+  </dgm:styleLbl>
+  <dgm:styleLbl name="trAlignAcc1">
+    <dgm:fillClrLst meth="repeat">
+      <a:schemeClr val="lt1">
+        <a:alpha val="40000"/>
+      </a:schemeClr>
+    </dgm:fillClrLst>
+    <dgm:linClrLst meth="repeat">
+      <a:schemeClr val="accent1"/>
+    </dgm:linClrLst>
+    <dgm:effectClrLst/>
+    <dgm:txLinClrLst/>
+    <dgm:txFillClrLst meth="repeat">
+      <a:schemeClr val="dk1"/>
+    </dgm:txFillClrLst>
+    <dgm:txEffectClrLst/>
+  </dgm:styleLbl>
+  <dgm:styleLbl name="bgAcc1">
+    <dgm:fillClrLst meth="repeat">
+      <a:schemeClr val="lt1">
+        <a:alpha val="90000"/>
+      </a:schemeClr>
+    </dgm:fillClrLst>
+    <dgm:linClrLst meth="repeat">
+      <a:schemeClr val="accent1"/>
+    </dgm:linClrLst>
+    <dgm:effectClrLst/>
+    <dgm:txLinClrLst/>
+    <dgm:txFillClrLst meth="repeat">
+      <a:schemeClr val="dk1"/>
+    </dgm:txFillClrLst>
+    <dgm:txEffectClrLst/>
+  </dgm:styleLbl>
+  <dgm:styleLbl name="solidFgAcc1">
+    <dgm:fillClrLst meth="repeat">
+      <a:schemeClr val="lt1"/>
+    </dgm:fillClrLst>
+    <dgm:linClrLst meth="repeat">
+      <a:schemeClr val="accent1"/>
+    </dgm:linClrLst>
+    <dgm:effectClrLst/>
+    <dgm:txLinClrLst/>
+    <dgm:txFillClrLst meth="repeat">
+      <a:schemeClr val="dk1"/>
+    </dgm:txFillClrLst>
+    <dgm:txEffectClrLst/>
+  </dgm:styleLbl>
+  <dgm:styleLbl name="solidAlignAcc1">
+    <dgm:fillClrLst meth="repeat">
+      <a:schemeClr val="lt1"/>
+    </dgm:fillClrLst>
+    <dgm:linClrLst meth="repeat">
+      <a:schemeClr val="accent1"/>
+    </dgm:linClrLst>
+    <dgm:effectClrLst/>
+    <dgm:txLinClrLst/>
+    <dgm:txFillClrLst meth="repeat">
+      <a:schemeClr val="dk1"/>
+    </dgm:txFillClrLst>
+    <dgm:txEffectClrLst/>
+  </dgm:styleLbl>
+  <dgm:styleLbl name="solidBgAcc1">
+    <dgm:fillClrLst meth="repeat">
+      <a:schemeClr val="lt1"/>
+    </dgm:fillClrLst>
+    <dgm:linClrLst meth="repeat">
+      <a:schemeClr val="accent1"/>
+    </dgm:linClrLst>
+    <dgm:effectClrLst/>
+    <dgm:txLinClrLst/>
+    <dgm:txFillClrLst meth="repeat">
+      <a:schemeClr val="dk1"/>
+    </dgm:txFillClrLst>
+    <dgm:txEffectClrLst/>
+  </dgm:styleLbl>
+  <dgm:styleLbl name="fgAccFollowNode1">
+    <dgm:fillClrLst meth="repeat">
+      <a:schemeClr val="accent1">
+        <a:alpha val="90000"/>
+        <a:tint val="40000"/>
+      </a:schemeClr>
+    </dgm:fillClrLst>
+    <dgm:linClrLst meth="repeat">
+      <a:schemeClr val="accent1">
+        <a:alpha val="90000"/>
+        <a:tint val="40000"/>
+      </a:schemeClr>
+    </dgm:linClrLst>
+    <dgm:effectClrLst/>
+    <dgm:txLinClrLst/>
+    <dgm:txFillClrLst meth="repeat">
+      <a:schemeClr val="dk1"/>
+    </dgm:txFillClrLst>
+    <dgm:txEffectClrLst/>
+  </dgm:styleLbl>
+  <dgm:styleLbl name="alignAccFollowNode1">
+    <dgm:fillClrLst meth="repeat">
+      <a:schemeClr val="accent1">
+        <a:alpha val="90000"/>
+        <a:tint val="40000"/>
+      </a:schemeClr>
+    </dgm:fillClrLst>
+    <dgm:linClrLst meth="repeat">
+      <a:schemeClr val="accent1">
+        <a:alpha val="90000"/>
+        <a:tint val="40000"/>
+      </a:schemeClr>
+    </dgm:linClrLst>
+    <dgm:effectClrLst/>
+    <dgm:txLinClrLst/>
+    <dgm:txFillClrLst meth="repeat">
+      <a:schemeClr val="dk1"/>
+    </dgm:txFillClrLst>
+    <dgm:txEffectClrLst/>
+  </dgm:styleLbl>
+  <dgm:styleLbl name="bgAccFollowNode1">
+    <dgm:fillClrLst meth="repeat">
+      <a:schemeClr val="accent1">
+        <a:alpha val="90000"/>
+        <a:tint val="40000"/>
+      </a:schemeClr>
+    </dgm:fillClrLst>
+    <dgm:linClrLst meth="repeat">
+      <a:schemeClr val="accent1">
+        <a:alpha val="90000"/>
+        <a:tint val="40000"/>
+      </a:schemeClr>
+    </dgm:linClrLst>
+    <dgm:effectClrLst/>
+    <dgm:txLinClrLst/>
+    <dgm:txFillClrLst meth="repeat">
+      <a:schemeClr val="dk1"/>
+    </dgm:txFillClrLst>
+    <dgm:txEffectClrLst/>
+  </dgm:styleLbl>
+  <dgm:styleLbl name="fgAcc0">
+    <dgm:fillClrLst meth="repeat">
+      <a:schemeClr val="lt1">
+        <a:alpha val="90000"/>
+      </a:schemeClr>
+    </dgm:fillClrLst>
+    <dgm:linClrLst meth="repeat">
+      <a:schemeClr val="accent1"/>
+    </dgm:linClrLst>
+    <dgm:effectClrLst/>
+    <dgm:txLinClrLst/>
+    <dgm:txFillClrLst meth="repeat">
+      <a:schemeClr val="dk1"/>
+    </dgm:txFillClrLst>
+    <dgm:txEffectClrLst/>
+  </dgm:styleLbl>
+  <dgm:styleLbl name="fgAcc2">
+    <dgm:fillClrLst meth="repeat">
+      <a:schemeClr val="lt1">
+        <a:alpha val="90000"/>
+      </a:schemeClr>
+    </dgm:fillClrLst>
+    <dgm:linClrLst meth="repeat">
+      <a:schemeClr val="accent1"/>
+    </dgm:linClrLst>
+    <dgm:effectClrLst/>
+    <dgm:txLinClrLst/>
+    <dgm:txFillClrLst meth="repeat">
+      <a:schemeClr val="dk1"/>
+    </dgm:txFillClrLst>
+    <dgm:txEffectClrLst/>
+  </dgm:styleLbl>
+  <dgm:styleLbl name="fgAcc3">
+    <dgm:fillClrLst meth="repeat">
+      <a:schemeClr val="lt1">
+        <a:alpha val="90000"/>
+      </a:schemeClr>
+    </dgm:fillClrLst>
+    <dgm:linClrLst meth="repeat">
+      <a:schemeClr val="accent1"/>
+    </dgm:linClrLst>
+    <dgm:effectClrLst/>
+    <dgm:txLinClrLst/>
+    <dgm:txFillClrLst meth="repeat">
+      <a:schemeClr val="dk1"/>
+    </dgm:txFillClrLst>
+    <dgm:txEffectClrLst/>
+  </dgm:styleLbl>
+  <dgm:styleLbl name="fgAcc4">
+    <dgm:fillClrLst meth="repeat">
+      <a:schemeClr val="lt1">
+        <a:alpha val="90000"/>
+      </a:schemeClr>
+    </dgm:fillClrLst>
+    <dgm:linClrLst meth="repeat">
+      <a:schemeClr val="accent1"/>
+    </dgm:linClrLst>
+    <dgm:effectClrLst/>
+    <dgm:txLinClrLst/>
+    <dgm:txFillClrLst meth="repeat">
+      <a:schemeClr val="dk1"/>
+    </dgm:txFillClrLst>
+    <dgm:txEffectClrLst/>
+  </dgm:styleLbl>
+  <dgm:styleLbl name="bgShp">
+    <dgm:fillClrLst meth="repeat">
+      <a:schemeClr val="accent1">
+        <a:tint val="40000"/>
+      </a:schemeClr>
+    </dgm:fillClrLst>
+    <dgm:linClrLst meth="repeat">
+      <a:schemeClr val="accent1"/>
+    </dgm:linClrLst>
+    <dgm:effectClrLst/>
+    <dgm:txLinClrLst/>
+    <dgm:txFillClrLst meth="repeat">
+      <a:schemeClr val="dk1"/>
+    </dgm:txFillClrLst>
+    <dgm:txEffectClrLst/>
+  </dgm:styleLbl>
+  <dgm:styleLbl name="dkBgShp">
+    <dgm:fillClrLst meth="repeat">
+      <a:schemeClr val="accent1">
+        <a:shade val="80000"/>
+      </a:schemeClr>
+    </dgm:fillClrLst>
+    <dgm:linClrLst meth="repeat">
+      <a:schemeClr val="accent1"/>
+    </dgm:linClrLst>
+    <dgm:effectClrLst/>
+    <dgm:txLinClrLst/>
+    <dgm:txFillClrLst meth="repeat">
+      <a:schemeClr val="lt1"/>
+    </dgm:txFillClrLst>
+    <dgm:txEffectClrLst/>
+  </dgm:styleLbl>
+  <dgm:styleLbl name="trBgShp">
+    <dgm:fillClrLst meth="repeat">
+      <a:schemeClr val="accent1">
+        <a:tint val="50000"/>
+        <a:alpha val="40000"/>
+      </a:schemeClr>
+    </dgm:fillClrLst>
+    <dgm:linClrLst meth="repeat">
+      <a:schemeClr val="accent1"/>
+    </dgm:linClrLst>
+    <dgm:effectClrLst/>
+    <dgm:txLinClrLst/>
+    <dgm:txFillClrLst meth="repeat">
+      <a:schemeClr val="lt1"/>
+    </dgm:txFillClrLst>
+    <dgm:txEffectClrLst/>
+  </dgm:styleLbl>
+  <dgm:styleLbl name="fgShp">
+    <dgm:fillClrLst meth="repeat">
+      <a:schemeClr val="accent1">
+        <a:tint val="60000"/>
+      </a:schemeClr>
+    </dgm:fillClrLst>
+    <dgm:linClrLst meth="repeat">
+      <a:schemeClr val="lt1"/>
+    </dgm:linClrLst>
+    <dgm:effectClrLst/>
+    <dgm:txLinClrLst/>
+    <dgm:txFillClrLst meth="repeat">
+      <a:schemeClr val="dk1"/>
+    </dgm:txFillClrLst>
+    <dgm:txEffectClrLst/>
+  </dgm:styleLbl>
+  <dgm:styleLbl name="revTx">
+    <dgm:fillClrLst meth="repeat">
+      <a:schemeClr val="lt1">
+        <a:alpha val="0"/>
+      </a:schemeClr>
+    </dgm:fillClrLst>
+    <dgm:linClrLst meth="repeat">
+      <a:schemeClr val="dk1">
+        <a:alpha val="0"/>
+      </a:schemeClr>
+    </dgm:linClrLst>
+    <dgm:effectClrLst/>
+    <dgm:txLinClrLst/>
+    <dgm:txFillClrLst meth="repeat">
+      <a:schemeClr val="tx1"/>
+    </dgm:txFillClrLst>
+    <dgm:txEffectClrLst/>
+  </dgm:styleLbl>
+</dgm:colorsDef>
+</file>
+
 <file path=ppt/diagrams/data1.xml><?xml version="1.0" encoding="utf-8"?>
 <dgm:dataModel xmlns:dgm="http://schemas.openxmlformats.org/drawingml/2006/diagram" xmlns:a="http://schemas.openxmlformats.org/drawingml/2006/main">
   <dgm:ptLst>
@@ -4661,7 +5409,7 @@
         <a:p>
           <a:r>
             <a:rPr lang="es-ES" dirty="0" err="1" smtClean="0"/>
-            <a:t>Abastle</a:t>
+            <a:t>Abastable</a:t>
           </a:r>
           <a:endParaRPr lang="es-ES" dirty="0" smtClean="0"/>
         </a:p>
@@ -4768,13 +5516,13 @@
     </dgm:pt>
   </dgm:ptLst>
   <dgm:cxnLst>
+    <dgm:cxn modelId="{C7201B73-AA0A-4044-BA80-17A4E6A9A177}" type="presOf" srcId="{F004622A-8D01-48ED-AA16-F0949B0EEC6F}" destId="{8656C208-42CB-4F6B-9EA4-135D4457BC3C}" srcOrd="0" destOrd="0" presId="urn:microsoft.com/office/officeart/2005/8/layout/venn1"/>
     <dgm:cxn modelId="{FB1D1C71-CFBC-4859-87E2-3F3208BF92B3}" type="presOf" srcId="{8C0C11B0-DA2A-4642-98B1-75220D026834}" destId="{F070D3F8-542C-4B16-8F86-125C97FC476A}" srcOrd="0" destOrd="0" presId="urn:microsoft.com/office/officeart/2005/8/layout/venn1"/>
     <dgm:cxn modelId="{4489D559-DE5C-443E-8D5E-7E33AE0BE5D2}" srcId="{8C0C11B0-DA2A-4642-98B1-75220D026834}" destId="{0CDA503A-3D59-4C8F-AFD9-DDB9832EB64B}" srcOrd="0" destOrd="0" parTransId="{F226E670-B41A-4EEE-9B25-C9591BE93A70}" sibTransId="{8FB2667B-3787-42B4-9FFB-36F4AE40E127}"/>
-    <dgm:cxn modelId="{3E23CAFD-C899-4C66-B6F9-5B739BD745A2}" type="presOf" srcId="{F004622A-8D01-48ED-AA16-F0949B0EEC6F}" destId="{DCA9C10F-9403-47B8-97E4-E1AF564B6C86}" srcOrd="1" destOrd="0" presId="urn:microsoft.com/office/officeart/2005/8/layout/venn1"/>
-    <dgm:cxn modelId="{C7201B73-AA0A-4044-BA80-17A4E6A9A177}" type="presOf" srcId="{F004622A-8D01-48ED-AA16-F0949B0EEC6F}" destId="{8656C208-42CB-4F6B-9EA4-135D4457BC3C}" srcOrd="0" destOrd="0" presId="urn:microsoft.com/office/officeart/2005/8/layout/venn1"/>
-    <dgm:cxn modelId="{EADEA1C1-3497-4AF1-B614-6A6066F0BA5D}" type="presOf" srcId="{0CDA503A-3D59-4C8F-AFD9-DDB9832EB64B}" destId="{665B161A-224A-4DF7-A70B-00D2B53F46EE}" srcOrd="1" destOrd="0" presId="urn:microsoft.com/office/officeart/2005/8/layout/venn1"/>
     <dgm:cxn modelId="{1EFD0F98-41EB-49A1-B4FB-FF49B10BC1FB}" srcId="{8C0C11B0-DA2A-4642-98B1-75220D026834}" destId="{F004622A-8D01-48ED-AA16-F0949B0EEC6F}" srcOrd="1" destOrd="0" parTransId="{A2BF5724-22CE-4ACC-8285-193D22F8EA84}" sibTransId="{1A0A8295-170D-4594-B3A5-FE724C397FD1}"/>
     <dgm:cxn modelId="{2E96C62E-6079-4725-AFB9-778D3C3952C0}" type="presOf" srcId="{0CDA503A-3D59-4C8F-AFD9-DDB9832EB64B}" destId="{216FBF16-D9CD-4C4B-8C8C-3D2E72919E9E}" srcOrd="0" destOrd="0" presId="urn:microsoft.com/office/officeart/2005/8/layout/venn1"/>
+    <dgm:cxn modelId="{EADEA1C1-3497-4AF1-B614-6A6066F0BA5D}" type="presOf" srcId="{0CDA503A-3D59-4C8F-AFD9-DDB9832EB64B}" destId="{665B161A-224A-4DF7-A70B-00D2B53F46EE}" srcOrd="1" destOrd="0" presId="urn:microsoft.com/office/officeart/2005/8/layout/venn1"/>
+    <dgm:cxn modelId="{3E23CAFD-C899-4C66-B6F9-5B739BD745A2}" type="presOf" srcId="{F004622A-8D01-48ED-AA16-F0949B0EEC6F}" destId="{DCA9C10F-9403-47B8-97E4-E1AF564B6C86}" srcOrd="1" destOrd="0" presId="urn:microsoft.com/office/officeart/2005/8/layout/venn1"/>
     <dgm:cxn modelId="{B715A0DF-37D8-4BE0-AB0A-1E4F92F92E24}" type="presParOf" srcId="{F070D3F8-542C-4B16-8F86-125C97FC476A}" destId="{216FBF16-D9CD-4C4B-8C8C-3D2E72919E9E}" srcOrd="0" destOrd="0" presId="urn:microsoft.com/office/officeart/2005/8/layout/venn1"/>
     <dgm:cxn modelId="{96052536-1437-457F-BDDC-D78120A1E66D}" type="presParOf" srcId="{F070D3F8-542C-4B16-8F86-125C97FC476A}" destId="{665B161A-224A-4DF7-A70B-00D2B53F46EE}" srcOrd="1" destOrd="0" presId="urn:microsoft.com/office/officeart/2005/8/layout/venn1"/>
     <dgm:cxn modelId="{888AACF6-FDB2-48BE-84D7-0F92621E6CDF}" type="presParOf" srcId="{F070D3F8-542C-4B16-8F86-125C97FC476A}" destId="{8656C208-42CB-4F6B-9EA4-135D4457BC3C}" srcOrd="2" destOrd="0" presId="urn:microsoft.com/office/officeart/2005/8/layout/venn1"/>
@@ -4791,6 +5539,443 @@
 </file>
 
 <file path=ppt/diagrams/data2.xml><?xml version="1.0" encoding="utf-8"?>
+<dgm:dataModel xmlns:dgm="http://schemas.openxmlformats.org/drawingml/2006/diagram" xmlns:a="http://schemas.openxmlformats.org/drawingml/2006/main">
+  <dgm:ptLst>
+    <dgm:pt modelId="{1B6BA574-DCD5-4EEB-AE01-8C44C1D6B1D1}" type="doc">
+      <dgm:prSet loTypeId="urn:microsoft.com/office/officeart/2005/8/layout/default" loCatId="list" qsTypeId="urn:microsoft.com/office/officeart/2005/8/quickstyle/simple1" qsCatId="simple" csTypeId="urn:microsoft.com/office/officeart/2005/8/colors/accent1_2" csCatId="accent1" phldr="1"/>
+      <dgm:spPr/>
+      <dgm:t>
+        <a:bodyPr/>
+        <a:lstStyle/>
+        <a:p>
+          <a:endParaRPr lang="es-ES"/>
+        </a:p>
+      </dgm:t>
+    </dgm:pt>
+    <dgm:pt modelId="{4E115F17-59BA-416C-8783-2C4E3BE6E0DB}">
+      <dgm:prSet phldrT="[Texto]"/>
+      <dgm:spPr/>
+      <dgm:t>
+        <a:bodyPr/>
+        <a:lstStyle/>
+        <a:p>
+          <a:r>
+            <a:rPr lang="es-ES" dirty="0" smtClean="0"/>
+            <a:t>Agile</a:t>
+          </a:r>
+        </a:p>
+        <a:p>
+          <a:r>
+            <a:rPr lang="es-ES" dirty="0" smtClean="0"/>
+            <a:t>TRELLO</a:t>
+          </a:r>
+          <a:endParaRPr lang="es-ES" dirty="0"/>
+        </a:p>
+      </dgm:t>
+    </dgm:pt>
+    <dgm:pt modelId="{28EC5814-09B9-4FF9-BF0C-267423E401E6}" type="parTrans" cxnId="{96396EB2-B100-4E27-9286-BF14AD141E68}">
+      <dgm:prSet/>
+      <dgm:spPr/>
+      <dgm:t>
+        <a:bodyPr/>
+        <a:lstStyle/>
+        <a:p>
+          <a:endParaRPr lang="es-ES"/>
+        </a:p>
+      </dgm:t>
+    </dgm:pt>
+    <dgm:pt modelId="{0AD3DDC1-5005-4D44-B58D-65686AA6EF8F}" type="sibTrans" cxnId="{96396EB2-B100-4E27-9286-BF14AD141E68}">
+      <dgm:prSet/>
+      <dgm:spPr/>
+      <dgm:t>
+        <a:bodyPr/>
+        <a:lstStyle/>
+        <a:p>
+          <a:endParaRPr lang="es-ES"/>
+        </a:p>
+      </dgm:t>
+    </dgm:pt>
+    <dgm:pt modelId="{53EF71C3-934F-451E-932C-0448E2A67373}">
+      <dgm:prSet phldrT="[Texto]"/>
+      <dgm:spPr/>
+      <dgm:t>
+        <a:bodyPr/>
+        <a:lstStyle/>
+        <a:p>
+          <a:r>
+            <a:rPr lang="es-ES" dirty="0" err="1" smtClean="0"/>
+            <a:t>Milestones</a:t>
+          </a:r>
+          <a:endParaRPr lang="es-ES" dirty="0" smtClean="0"/>
+        </a:p>
+        <a:p>
+          <a:r>
+            <a:rPr lang="es-ES" dirty="0" smtClean="0"/>
+            <a:t>PACS=VERSIONS </a:t>
+          </a:r>
+          <a:endParaRPr lang="es-ES" dirty="0"/>
+        </a:p>
+      </dgm:t>
+    </dgm:pt>
+    <dgm:pt modelId="{8A4B5ADB-F619-4EB5-ACD5-685D7ED92528}" type="parTrans" cxnId="{E17645F2-A9E6-4E17-9018-38C7768F9C5D}">
+      <dgm:prSet/>
+      <dgm:spPr/>
+      <dgm:t>
+        <a:bodyPr/>
+        <a:lstStyle/>
+        <a:p>
+          <a:endParaRPr lang="es-ES"/>
+        </a:p>
+      </dgm:t>
+    </dgm:pt>
+    <dgm:pt modelId="{C0CAB454-D21E-4BE9-82E6-5C7C91B9DB11}" type="sibTrans" cxnId="{E17645F2-A9E6-4E17-9018-38C7768F9C5D}">
+      <dgm:prSet/>
+      <dgm:spPr/>
+      <dgm:t>
+        <a:bodyPr/>
+        <a:lstStyle/>
+        <a:p>
+          <a:endParaRPr lang="es-ES"/>
+        </a:p>
+      </dgm:t>
+    </dgm:pt>
+    <dgm:pt modelId="{67882EF8-551B-4A3A-8954-605789A34100}">
+      <dgm:prSet phldrT="[Texto]"/>
+      <dgm:spPr/>
+      <dgm:t>
+        <a:bodyPr/>
+        <a:lstStyle/>
+        <a:p>
+          <a:r>
+            <a:rPr lang="es-ES" dirty="0" err="1" smtClean="0"/>
+            <a:t>Git</a:t>
+          </a:r>
+          <a:endParaRPr lang="es-ES" dirty="0" smtClean="0"/>
+        </a:p>
+        <a:p>
+          <a:r>
+            <a:rPr lang="es-ES" dirty="0" err="1" smtClean="0"/>
+            <a:t>repository</a:t>
+          </a:r>
+          <a:endParaRPr lang="es-ES" dirty="0"/>
+        </a:p>
+      </dgm:t>
+    </dgm:pt>
+    <dgm:pt modelId="{322FE61C-E7A3-4D2A-8176-A93557C3C59E}" type="parTrans" cxnId="{0E3D2007-749C-4518-B766-1F820973D0DC}">
+      <dgm:prSet/>
+      <dgm:spPr/>
+      <dgm:t>
+        <a:bodyPr/>
+        <a:lstStyle/>
+        <a:p>
+          <a:endParaRPr lang="es-ES"/>
+        </a:p>
+      </dgm:t>
+    </dgm:pt>
+    <dgm:pt modelId="{50F3EC24-45D0-41AA-8519-F182CC780FC9}" type="sibTrans" cxnId="{0E3D2007-749C-4518-B766-1F820973D0DC}">
+      <dgm:prSet/>
+      <dgm:spPr/>
+      <dgm:t>
+        <a:bodyPr/>
+        <a:lstStyle/>
+        <a:p>
+          <a:endParaRPr lang="es-ES"/>
+        </a:p>
+      </dgm:t>
+    </dgm:pt>
+    <dgm:pt modelId="{68D7A75C-BA11-4DD8-95A2-5065A0A1E214}" type="pres">
+      <dgm:prSet presAssocID="{1B6BA574-DCD5-4EEB-AE01-8C44C1D6B1D1}" presName="diagram" presStyleCnt="0">
+        <dgm:presLayoutVars>
+          <dgm:dir/>
+          <dgm:resizeHandles val="exact"/>
+        </dgm:presLayoutVars>
+      </dgm:prSet>
+      <dgm:spPr/>
+      <dgm:t>
+        <a:bodyPr/>
+        <a:lstStyle/>
+        <a:p>
+          <a:endParaRPr lang="es-ES"/>
+        </a:p>
+      </dgm:t>
+    </dgm:pt>
+    <dgm:pt modelId="{DD9AF080-FD48-452F-8083-E39E6642554A}" type="pres">
+      <dgm:prSet presAssocID="{4E115F17-59BA-416C-8783-2C4E3BE6E0DB}" presName="node" presStyleLbl="node1" presStyleIdx="0" presStyleCnt="3">
+        <dgm:presLayoutVars>
+          <dgm:bulletEnabled val="1"/>
+        </dgm:presLayoutVars>
+      </dgm:prSet>
+      <dgm:spPr/>
+      <dgm:t>
+        <a:bodyPr/>
+        <a:lstStyle/>
+        <a:p>
+          <a:endParaRPr lang="es-ES"/>
+        </a:p>
+      </dgm:t>
+    </dgm:pt>
+    <dgm:pt modelId="{7FC79617-E671-4A53-9500-FD48E76C6992}" type="pres">
+      <dgm:prSet presAssocID="{0AD3DDC1-5005-4D44-B58D-65686AA6EF8F}" presName="sibTrans" presStyleCnt="0"/>
+      <dgm:spPr/>
+    </dgm:pt>
+    <dgm:pt modelId="{D1484BC2-0AB1-4D6C-BB54-CAE169C69951}" type="pres">
+      <dgm:prSet presAssocID="{53EF71C3-934F-451E-932C-0448E2A67373}" presName="node" presStyleLbl="node1" presStyleIdx="1" presStyleCnt="3">
+        <dgm:presLayoutVars>
+          <dgm:bulletEnabled val="1"/>
+        </dgm:presLayoutVars>
+      </dgm:prSet>
+      <dgm:spPr/>
+      <dgm:t>
+        <a:bodyPr/>
+        <a:lstStyle/>
+        <a:p>
+          <a:endParaRPr lang="es-ES"/>
+        </a:p>
+      </dgm:t>
+    </dgm:pt>
+    <dgm:pt modelId="{F289B04D-B23F-4AD8-99CF-2297453AB266}" type="pres">
+      <dgm:prSet presAssocID="{C0CAB454-D21E-4BE9-82E6-5C7C91B9DB11}" presName="sibTrans" presStyleCnt="0"/>
+      <dgm:spPr/>
+    </dgm:pt>
+    <dgm:pt modelId="{4846D52A-ABC5-4ADB-8B98-5245C2E7EEA3}" type="pres">
+      <dgm:prSet presAssocID="{67882EF8-551B-4A3A-8954-605789A34100}" presName="node" presStyleLbl="node1" presStyleIdx="2" presStyleCnt="3">
+        <dgm:presLayoutVars>
+          <dgm:bulletEnabled val="1"/>
+        </dgm:presLayoutVars>
+      </dgm:prSet>
+      <dgm:spPr/>
+      <dgm:t>
+        <a:bodyPr/>
+        <a:lstStyle/>
+        <a:p>
+          <a:endParaRPr lang="es-ES"/>
+        </a:p>
+      </dgm:t>
+    </dgm:pt>
+  </dgm:ptLst>
+  <dgm:cxnLst>
+    <dgm:cxn modelId="{06C39BE2-791C-4524-B24A-F7F9A15AA738}" type="presOf" srcId="{67882EF8-551B-4A3A-8954-605789A34100}" destId="{4846D52A-ABC5-4ADB-8B98-5245C2E7EEA3}" srcOrd="0" destOrd="0" presId="urn:microsoft.com/office/officeart/2005/8/layout/default"/>
+    <dgm:cxn modelId="{7C8AED15-F6D5-4BE0-8464-F2E6B48C30B5}" type="presOf" srcId="{53EF71C3-934F-451E-932C-0448E2A67373}" destId="{D1484BC2-0AB1-4D6C-BB54-CAE169C69951}" srcOrd="0" destOrd="0" presId="urn:microsoft.com/office/officeart/2005/8/layout/default"/>
+    <dgm:cxn modelId="{E17645F2-A9E6-4E17-9018-38C7768F9C5D}" srcId="{1B6BA574-DCD5-4EEB-AE01-8C44C1D6B1D1}" destId="{53EF71C3-934F-451E-932C-0448E2A67373}" srcOrd="1" destOrd="0" parTransId="{8A4B5ADB-F619-4EB5-ACD5-685D7ED92528}" sibTransId="{C0CAB454-D21E-4BE9-82E6-5C7C91B9DB11}"/>
+    <dgm:cxn modelId="{959F6869-CF76-4390-953F-C6410E7CF336}" type="presOf" srcId="{4E115F17-59BA-416C-8783-2C4E3BE6E0DB}" destId="{DD9AF080-FD48-452F-8083-E39E6642554A}" srcOrd="0" destOrd="0" presId="urn:microsoft.com/office/officeart/2005/8/layout/default"/>
+    <dgm:cxn modelId="{91E5FF5C-0AD9-4FD3-8841-26CCDBF75651}" type="presOf" srcId="{1B6BA574-DCD5-4EEB-AE01-8C44C1D6B1D1}" destId="{68D7A75C-BA11-4DD8-95A2-5065A0A1E214}" srcOrd="0" destOrd="0" presId="urn:microsoft.com/office/officeart/2005/8/layout/default"/>
+    <dgm:cxn modelId="{96396EB2-B100-4E27-9286-BF14AD141E68}" srcId="{1B6BA574-DCD5-4EEB-AE01-8C44C1D6B1D1}" destId="{4E115F17-59BA-416C-8783-2C4E3BE6E0DB}" srcOrd="0" destOrd="0" parTransId="{28EC5814-09B9-4FF9-BF0C-267423E401E6}" sibTransId="{0AD3DDC1-5005-4D44-B58D-65686AA6EF8F}"/>
+    <dgm:cxn modelId="{0E3D2007-749C-4518-B766-1F820973D0DC}" srcId="{1B6BA574-DCD5-4EEB-AE01-8C44C1D6B1D1}" destId="{67882EF8-551B-4A3A-8954-605789A34100}" srcOrd="2" destOrd="0" parTransId="{322FE61C-E7A3-4D2A-8176-A93557C3C59E}" sibTransId="{50F3EC24-45D0-41AA-8519-F182CC780FC9}"/>
+    <dgm:cxn modelId="{06638B47-583E-44A1-8A27-2F4DC75EB2C7}" type="presParOf" srcId="{68D7A75C-BA11-4DD8-95A2-5065A0A1E214}" destId="{DD9AF080-FD48-452F-8083-E39E6642554A}" srcOrd="0" destOrd="0" presId="urn:microsoft.com/office/officeart/2005/8/layout/default"/>
+    <dgm:cxn modelId="{D63FF504-5511-4288-B2E3-109E6ABFAA58}" type="presParOf" srcId="{68D7A75C-BA11-4DD8-95A2-5065A0A1E214}" destId="{7FC79617-E671-4A53-9500-FD48E76C6992}" srcOrd="1" destOrd="0" presId="urn:microsoft.com/office/officeart/2005/8/layout/default"/>
+    <dgm:cxn modelId="{5AEA6A2D-0AD8-46E5-9DD6-32401FE24556}" type="presParOf" srcId="{68D7A75C-BA11-4DD8-95A2-5065A0A1E214}" destId="{D1484BC2-0AB1-4D6C-BB54-CAE169C69951}" srcOrd="2" destOrd="0" presId="urn:microsoft.com/office/officeart/2005/8/layout/default"/>
+    <dgm:cxn modelId="{F9272F42-AD4A-4A79-A0BD-C17046ABD8CA}" type="presParOf" srcId="{68D7A75C-BA11-4DD8-95A2-5065A0A1E214}" destId="{F289B04D-B23F-4AD8-99CF-2297453AB266}" srcOrd="3" destOrd="0" presId="urn:microsoft.com/office/officeart/2005/8/layout/default"/>
+    <dgm:cxn modelId="{2E8A9B80-D73D-47C1-9B4D-1331635B08FF}" type="presParOf" srcId="{68D7A75C-BA11-4DD8-95A2-5065A0A1E214}" destId="{4846D52A-ABC5-4ADB-8B98-5245C2E7EEA3}" srcOrd="4" destOrd="0" presId="urn:microsoft.com/office/officeart/2005/8/layout/default"/>
+  </dgm:cxnLst>
+  <dgm:bg/>
+  <dgm:whole/>
+  <dgm:extLst>
+    <a:ext uri="http://schemas.microsoft.com/office/drawing/2008/diagram">
+      <dsp:dataModelExt xmlns:dsp="http://schemas.microsoft.com/office/drawing/2008/diagram" relId="rId6" minVer="http://schemas.openxmlformats.org/drawingml/2006/diagram"/>
+    </a:ext>
+  </dgm:extLst>
+</dgm:dataModel>
+</file>
+
+<file path=ppt/diagrams/data3.xml><?xml version="1.0" encoding="utf-8"?>
+<dgm:dataModel xmlns:dgm="http://schemas.openxmlformats.org/drawingml/2006/diagram" xmlns:a="http://schemas.openxmlformats.org/drawingml/2006/main">
+  <dgm:ptLst>
+    <dgm:pt modelId="{140319FC-0832-482B-A9B1-504E0813EC52}" type="doc">
+      <dgm:prSet loTypeId="urn:microsoft.com/office/officeart/2005/8/layout/default" loCatId="list" qsTypeId="urn:microsoft.com/office/officeart/2005/8/quickstyle/simple1" qsCatId="simple" csTypeId="urn:microsoft.com/office/officeart/2005/8/colors/accent1_2" csCatId="accent1" phldr="1"/>
+      <dgm:spPr/>
+      <dgm:t>
+        <a:bodyPr/>
+        <a:lstStyle/>
+        <a:p>
+          <a:endParaRPr lang="es-ES"/>
+        </a:p>
+      </dgm:t>
+    </dgm:pt>
+    <dgm:pt modelId="{AFCFFD86-6D6C-4699-B349-8EAB1F2202B7}">
+      <dgm:prSet phldrT="[Texto]"/>
+      <dgm:spPr/>
+      <dgm:t>
+        <a:bodyPr/>
+        <a:lstStyle/>
+        <a:p>
+          <a:r>
+            <a:rPr lang="es-ES" dirty="0" err="1" smtClean="0"/>
+            <a:t>Exploració</a:t>
+          </a:r>
+          <a:endParaRPr lang="es-ES" dirty="0"/>
+        </a:p>
+      </dgm:t>
+    </dgm:pt>
+    <dgm:pt modelId="{E125666E-A337-474F-9680-AE2020E56D70}" type="parTrans" cxnId="{6B519F4B-4D8E-46E1-BE27-009018311DB5}">
+      <dgm:prSet/>
+      <dgm:spPr/>
+      <dgm:t>
+        <a:bodyPr/>
+        <a:lstStyle/>
+        <a:p>
+          <a:endParaRPr lang="es-ES"/>
+        </a:p>
+      </dgm:t>
+    </dgm:pt>
+    <dgm:pt modelId="{23720B7B-76FC-48EC-B95C-9E33B5580424}" type="sibTrans" cxnId="{6B519F4B-4D8E-46E1-BE27-009018311DB5}">
+      <dgm:prSet/>
+      <dgm:spPr/>
+      <dgm:t>
+        <a:bodyPr/>
+        <a:lstStyle/>
+        <a:p>
+          <a:endParaRPr lang="es-ES"/>
+        </a:p>
+      </dgm:t>
+    </dgm:pt>
+    <dgm:pt modelId="{C67F00E1-7F1D-4D72-9E4D-57073047888C}">
+      <dgm:prSet phldrT="[Texto]"/>
+      <dgm:spPr/>
+      <dgm:t>
+        <a:bodyPr/>
+        <a:lstStyle/>
+        <a:p>
+          <a:r>
+            <a:rPr lang="es-ES" dirty="0" err="1" smtClean="0"/>
+            <a:t>Combat</a:t>
+          </a:r>
+          <a:endParaRPr lang="es-ES" dirty="0"/>
+        </a:p>
+      </dgm:t>
+    </dgm:pt>
+    <dgm:pt modelId="{783EE7F2-7E47-4E7F-8D7E-E218D6584943}" type="parTrans" cxnId="{0B0E94F4-88CC-4A82-934D-E922B6E5455F}">
+      <dgm:prSet/>
+      <dgm:spPr/>
+      <dgm:t>
+        <a:bodyPr/>
+        <a:lstStyle/>
+        <a:p>
+          <a:endParaRPr lang="es-ES"/>
+        </a:p>
+      </dgm:t>
+    </dgm:pt>
+    <dgm:pt modelId="{D9B53DE2-62AE-49F4-B145-636E07A04D98}" type="sibTrans" cxnId="{0B0E94F4-88CC-4A82-934D-E922B6E5455F}">
+      <dgm:prSet/>
+      <dgm:spPr/>
+      <dgm:t>
+        <a:bodyPr/>
+        <a:lstStyle/>
+        <a:p>
+          <a:endParaRPr lang="es-ES"/>
+        </a:p>
+      </dgm:t>
+    </dgm:pt>
+    <dgm:pt modelId="{E4F33280-FFCC-4B0F-A534-5339730B31A6}">
+      <dgm:prSet phldrT="[Texto]"/>
+      <dgm:spPr/>
+      <dgm:t>
+        <a:bodyPr/>
+        <a:lstStyle/>
+        <a:p>
+          <a:r>
+            <a:rPr lang="es-ES" dirty="0" err="1" smtClean="0"/>
+            <a:t>Progressió</a:t>
+          </a:r>
+          <a:endParaRPr lang="es-ES" dirty="0"/>
+        </a:p>
+      </dgm:t>
+    </dgm:pt>
+    <dgm:pt modelId="{3358BF7D-28FC-47C8-925D-AFF1FA94DBDC}" type="parTrans" cxnId="{616BD9D9-A116-4C12-8937-4E8CF2151FEB}">
+      <dgm:prSet/>
+      <dgm:spPr/>
+      <dgm:t>
+        <a:bodyPr/>
+        <a:lstStyle/>
+        <a:p>
+          <a:endParaRPr lang="es-ES"/>
+        </a:p>
+      </dgm:t>
+    </dgm:pt>
+    <dgm:pt modelId="{64AA69AD-B90B-4DA7-9258-06071EB05F8A}" type="sibTrans" cxnId="{616BD9D9-A116-4C12-8937-4E8CF2151FEB}">
+      <dgm:prSet/>
+      <dgm:spPr/>
+      <dgm:t>
+        <a:bodyPr/>
+        <a:lstStyle/>
+        <a:p>
+          <a:endParaRPr lang="es-ES"/>
+        </a:p>
+      </dgm:t>
+    </dgm:pt>
+    <dgm:pt modelId="{E994D99D-1FCD-44DC-8297-CE6F5D0C094B}" type="pres">
+      <dgm:prSet presAssocID="{140319FC-0832-482B-A9B1-504E0813EC52}" presName="diagram" presStyleCnt="0">
+        <dgm:presLayoutVars>
+          <dgm:dir/>
+          <dgm:resizeHandles val="exact"/>
+        </dgm:presLayoutVars>
+      </dgm:prSet>
+      <dgm:spPr/>
+    </dgm:pt>
+    <dgm:pt modelId="{7DD7DC2D-F989-4758-8F09-456FC2AB0EFB}" type="pres">
+      <dgm:prSet presAssocID="{AFCFFD86-6D6C-4699-B349-8EAB1F2202B7}" presName="node" presStyleLbl="node1" presStyleIdx="0" presStyleCnt="3">
+        <dgm:presLayoutVars>
+          <dgm:bulletEnabled val="1"/>
+        </dgm:presLayoutVars>
+      </dgm:prSet>
+      <dgm:spPr/>
+    </dgm:pt>
+    <dgm:pt modelId="{31647C9B-F8C0-4FFA-8B53-FD4800CE6F41}" type="pres">
+      <dgm:prSet presAssocID="{23720B7B-76FC-48EC-B95C-9E33B5580424}" presName="sibTrans" presStyleCnt="0"/>
+      <dgm:spPr/>
+    </dgm:pt>
+    <dgm:pt modelId="{3B99F596-93D0-4872-853E-252B060DA302}" type="pres">
+      <dgm:prSet presAssocID="{C67F00E1-7F1D-4D72-9E4D-57073047888C}" presName="node" presStyleLbl="node1" presStyleIdx="1" presStyleCnt="3">
+        <dgm:presLayoutVars>
+          <dgm:bulletEnabled val="1"/>
+        </dgm:presLayoutVars>
+      </dgm:prSet>
+      <dgm:spPr/>
+    </dgm:pt>
+    <dgm:pt modelId="{68F914D9-C8F9-4D15-AF4A-5BAD4D3EDF46}" type="pres">
+      <dgm:prSet presAssocID="{D9B53DE2-62AE-49F4-B145-636E07A04D98}" presName="sibTrans" presStyleCnt="0"/>
+      <dgm:spPr/>
+    </dgm:pt>
+    <dgm:pt modelId="{CD8AA958-13BF-4273-A390-92682C347232}" type="pres">
+      <dgm:prSet presAssocID="{E4F33280-FFCC-4B0F-A534-5339730B31A6}" presName="node" presStyleLbl="node1" presStyleIdx="2" presStyleCnt="3">
+        <dgm:presLayoutVars>
+          <dgm:bulletEnabled val="1"/>
+        </dgm:presLayoutVars>
+      </dgm:prSet>
+      <dgm:spPr/>
+      <dgm:t>
+        <a:bodyPr/>
+        <a:lstStyle/>
+        <a:p>
+          <a:endParaRPr lang="es-ES"/>
+        </a:p>
+      </dgm:t>
+    </dgm:pt>
+  </dgm:ptLst>
+  <dgm:cxnLst>
+    <dgm:cxn modelId="{0B0E94F4-88CC-4A82-934D-E922B6E5455F}" srcId="{140319FC-0832-482B-A9B1-504E0813EC52}" destId="{C67F00E1-7F1D-4D72-9E4D-57073047888C}" srcOrd="1" destOrd="0" parTransId="{783EE7F2-7E47-4E7F-8D7E-E218D6584943}" sibTransId="{D9B53DE2-62AE-49F4-B145-636E07A04D98}"/>
+    <dgm:cxn modelId="{6B519F4B-4D8E-46E1-BE27-009018311DB5}" srcId="{140319FC-0832-482B-A9B1-504E0813EC52}" destId="{AFCFFD86-6D6C-4699-B349-8EAB1F2202B7}" srcOrd="0" destOrd="0" parTransId="{E125666E-A337-474F-9680-AE2020E56D70}" sibTransId="{23720B7B-76FC-48EC-B95C-9E33B5580424}"/>
+    <dgm:cxn modelId="{D22B6164-04B0-4C56-AA3E-E631A7D75521}" type="presOf" srcId="{140319FC-0832-482B-A9B1-504E0813EC52}" destId="{E994D99D-1FCD-44DC-8297-CE6F5D0C094B}" srcOrd="0" destOrd="0" presId="urn:microsoft.com/office/officeart/2005/8/layout/default"/>
+    <dgm:cxn modelId="{6BA46286-960E-4478-BB31-F23A6918FCA6}" type="presOf" srcId="{C67F00E1-7F1D-4D72-9E4D-57073047888C}" destId="{3B99F596-93D0-4872-853E-252B060DA302}" srcOrd="0" destOrd="0" presId="urn:microsoft.com/office/officeart/2005/8/layout/default"/>
+    <dgm:cxn modelId="{616BD9D9-A116-4C12-8937-4E8CF2151FEB}" srcId="{140319FC-0832-482B-A9B1-504E0813EC52}" destId="{E4F33280-FFCC-4B0F-A534-5339730B31A6}" srcOrd="2" destOrd="0" parTransId="{3358BF7D-28FC-47C8-925D-AFF1FA94DBDC}" sibTransId="{64AA69AD-B90B-4DA7-9258-06071EB05F8A}"/>
+    <dgm:cxn modelId="{74FEDBC2-881D-4DB0-8536-AEE7D6920F6B}" type="presOf" srcId="{E4F33280-FFCC-4B0F-A534-5339730B31A6}" destId="{CD8AA958-13BF-4273-A390-92682C347232}" srcOrd="0" destOrd="0" presId="urn:microsoft.com/office/officeart/2005/8/layout/default"/>
+    <dgm:cxn modelId="{AA81A643-BFBA-4B2D-B21A-AB9E94768BD6}" type="presOf" srcId="{AFCFFD86-6D6C-4699-B349-8EAB1F2202B7}" destId="{7DD7DC2D-F989-4758-8F09-456FC2AB0EFB}" srcOrd="0" destOrd="0" presId="urn:microsoft.com/office/officeart/2005/8/layout/default"/>
+    <dgm:cxn modelId="{BC426DE1-1398-4D12-A42F-E46B3EECC7E8}" type="presParOf" srcId="{E994D99D-1FCD-44DC-8297-CE6F5D0C094B}" destId="{7DD7DC2D-F989-4758-8F09-456FC2AB0EFB}" srcOrd="0" destOrd="0" presId="urn:microsoft.com/office/officeart/2005/8/layout/default"/>
+    <dgm:cxn modelId="{31F34B9B-F8CF-4F42-913B-33155CA83B44}" type="presParOf" srcId="{E994D99D-1FCD-44DC-8297-CE6F5D0C094B}" destId="{31647C9B-F8C0-4FFA-8B53-FD4800CE6F41}" srcOrd="1" destOrd="0" presId="urn:microsoft.com/office/officeart/2005/8/layout/default"/>
+    <dgm:cxn modelId="{418A5BF5-88F2-4318-ADB5-EC0C6C272015}" type="presParOf" srcId="{E994D99D-1FCD-44DC-8297-CE6F5D0C094B}" destId="{3B99F596-93D0-4872-853E-252B060DA302}" srcOrd="2" destOrd="0" presId="urn:microsoft.com/office/officeart/2005/8/layout/default"/>
+    <dgm:cxn modelId="{04078245-3D96-4E4E-9F85-DF9C7E3CCB8A}" type="presParOf" srcId="{E994D99D-1FCD-44DC-8297-CE6F5D0C094B}" destId="{68F914D9-C8F9-4D15-AF4A-5BAD4D3EDF46}" srcOrd="3" destOrd="0" presId="urn:microsoft.com/office/officeart/2005/8/layout/default"/>
+    <dgm:cxn modelId="{9799FAE2-AAB5-4182-87F5-784EDA3BB775}" type="presParOf" srcId="{E994D99D-1FCD-44DC-8297-CE6F5D0C094B}" destId="{CD8AA958-13BF-4273-A390-92682C347232}" srcOrd="4" destOrd="0" presId="urn:microsoft.com/office/officeart/2005/8/layout/default"/>
+  </dgm:cxnLst>
+  <dgm:bg/>
+  <dgm:whole/>
+  <dgm:extLst>
+    <a:ext uri="http://schemas.microsoft.com/office/drawing/2008/diagram">
+      <dsp:dataModelExt xmlns:dsp="http://schemas.microsoft.com/office/drawing/2008/diagram" relId="rId6" minVer="http://schemas.openxmlformats.org/drawingml/2006/diagram"/>
+    </a:ext>
+  </dgm:extLst>
+</dgm:dataModel>
+</file>
+
+<file path=ppt/diagrams/data4.xml><?xml version="1.0" encoding="utf-8"?>
 <dgm:dataModel xmlns:dgm="http://schemas.openxmlformats.org/drawingml/2006/diagram" xmlns:a="http://schemas.openxmlformats.org/drawingml/2006/main">
   <dgm:ptLst>
     <dgm:pt modelId="{6B9556AA-E5CD-4B1F-834F-4BC804E8F9D0}" type="doc">
@@ -5024,179 +6209,7 @@
 </dgm:dataModel>
 </file>
 
-<file path=ppt/diagrams/data3.xml><?xml version="1.0" encoding="utf-8"?>
-<dgm:dataModel xmlns:dgm="http://schemas.openxmlformats.org/drawingml/2006/diagram" xmlns:a="http://schemas.openxmlformats.org/drawingml/2006/main">
-  <dgm:ptLst>
-    <dgm:pt modelId="{1B6BA574-DCD5-4EEB-AE01-8C44C1D6B1D1}" type="doc">
-      <dgm:prSet loTypeId="urn:microsoft.com/office/officeart/2005/8/layout/default" loCatId="list" qsTypeId="urn:microsoft.com/office/officeart/2005/8/quickstyle/simple1" qsCatId="simple" csTypeId="urn:microsoft.com/office/officeart/2005/8/colors/accent1_2" csCatId="accent1" phldr="1"/>
-      <dgm:spPr/>
-      <dgm:t>
-        <a:bodyPr/>
-        <a:lstStyle/>
-        <a:p>
-          <a:endParaRPr lang="es-ES"/>
-        </a:p>
-      </dgm:t>
-    </dgm:pt>
-    <dgm:pt modelId="{4E115F17-59BA-416C-8783-2C4E3BE6E0DB}">
-      <dgm:prSet phldrT="[Texto]"/>
-      <dgm:spPr/>
-      <dgm:t>
-        <a:bodyPr/>
-        <a:lstStyle/>
-        <a:p>
-          <a:r>
-            <a:rPr lang="es-ES" dirty="0" smtClean="0"/>
-            <a:t>Agile</a:t>
-          </a:r>
-        </a:p>
-        <a:p>
-          <a:r>
-            <a:rPr lang="es-ES" dirty="0" smtClean="0"/>
-            <a:t>TRELLO</a:t>
-          </a:r>
-          <a:endParaRPr lang="es-ES" dirty="0"/>
-        </a:p>
-      </dgm:t>
-    </dgm:pt>
-    <dgm:pt modelId="{28EC5814-09B9-4FF9-BF0C-267423E401E6}" type="parTrans" cxnId="{96396EB2-B100-4E27-9286-BF14AD141E68}">
-      <dgm:prSet/>
-      <dgm:spPr/>
-      <dgm:t>
-        <a:bodyPr/>
-        <a:lstStyle/>
-        <a:p>
-          <a:endParaRPr lang="es-ES"/>
-        </a:p>
-      </dgm:t>
-    </dgm:pt>
-    <dgm:pt modelId="{0AD3DDC1-5005-4D44-B58D-65686AA6EF8F}" type="sibTrans" cxnId="{96396EB2-B100-4E27-9286-BF14AD141E68}">
-      <dgm:prSet/>
-      <dgm:spPr/>
-      <dgm:t>
-        <a:bodyPr/>
-        <a:lstStyle/>
-        <a:p>
-          <a:endParaRPr lang="es-ES"/>
-        </a:p>
-      </dgm:t>
-    </dgm:pt>
-    <dgm:pt modelId="{53EF71C3-934F-451E-932C-0448E2A67373}">
-      <dgm:prSet phldrT="[Texto]"/>
-      <dgm:spPr/>
-      <dgm:t>
-        <a:bodyPr/>
-        <a:lstStyle/>
-        <a:p>
-          <a:r>
-            <a:rPr lang="es-ES" dirty="0" err="1" smtClean="0"/>
-            <a:t>Milestones</a:t>
-          </a:r>
-          <a:endParaRPr lang="es-ES" dirty="0" smtClean="0"/>
-        </a:p>
-        <a:p>
-          <a:r>
-            <a:rPr lang="es-ES" dirty="0" smtClean="0"/>
-            <a:t>PACS=VERSIONS </a:t>
-          </a:r>
-          <a:endParaRPr lang="es-ES" dirty="0"/>
-        </a:p>
-      </dgm:t>
-    </dgm:pt>
-    <dgm:pt modelId="{8A4B5ADB-F619-4EB5-ACD5-685D7ED92528}" type="parTrans" cxnId="{E17645F2-A9E6-4E17-9018-38C7768F9C5D}">
-      <dgm:prSet/>
-      <dgm:spPr/>
-      <dgm:t>
-        <a:bodyPr/>
-        <a:lstStyle/>
-        <a:p>
-          <a:endParaRPr lang="es-ES"/>
-        </a:p>
-      </dgm:t>
-    </dgm:pt>
-    <dgm:pt modelId="{C0CAB454-D21E-4BE9-82E6-5C7C91B9DB11}" type="sibTrans" cxnId="{E17645F2-A9E6-4E17-9018-38C7768F9C5D}">
-      <dgm:prSet/>
-      <dgm:spPr/>
-      <dgm:t>
-        <a:bodyPr/>
-        <a:lstStyle/>
-        <a:p>
-          <a:endParaRPr lang="es-ES"/>
-        </a:p>
-      </dgm:t>
-    </dgm:pt>
-    <dgm:pt modelId="{68D7A75C-BA11-4DD8-95A2-5065A0A1E214}" type="pres">
-      <dgm:prSet presAssocID="{1B6BA574-DCD5-4EEB-AE01-8C44C1D6B1D1}" presName="diagram" presStyleCnt="0">
-        <dgm:presLayoutVars>
-          <dgm:dir/>
-          <dgm:resizeHandles val="exact"/>
-        </dgm:presLayoutVars>
-      </dgm:prSet>
-      <dgm:spPr/>
-      <dgm:t>
-        <a:bodyPr/>
-        <a:lstStyle/>
-        <a:p>
-          <a:endParaRPr lang="es-ES"/>
-        </a:p>
-      </dgm:t>
-    </dgm:pt>
-    <dgm:pt modelId="{DD9AF080-FD48-452F-8083-E39E6642554A}" type="pres">
-      <dgm:prSet presAssocID="{4E115F17-59BA-416C-8783-2C4E3BE6E0DB}" presName="node" presStyleLbl="node1" presStyleIdx="0" presStyleCnt="2">
-        <dgm:presLayoutVars>
-          <dgm:bulletEnabled val="1"/>
-        </dgm:presLayoutVars>
-      </dgm:prSet>
-      <dgm:spPr/>
-      <dgm:t>
-        <a:bodyPr/>
-        <a:lstStyle/>
-        <a:p>
-          <a:endParaRPr lang="es-ES"/>
-        </a:p>
-      </dgm:t>
-    </dgm:pt>
-    <dgm:pt modelId="{7FC79617-E671-4A53-9500-FD48E76C6992}" type="pres">
-      <dgm:prSet presAssocID="{0AD3DDC1-5005-4D44-B58D-65686AA6EF8F}" presName="sibTrans" presStyleCnt="0"/>
-      <dgm:spPr/>
-    </dgm:pt>
-    <dgm:pt modelId="{D1484BC2-0AB1-4D6C-BB54-CAE169C69951}" type="pres">
-      <dgm:prSet presAssocID="{53EF71C3-934F-451E-932C-0448E2A67373}" presName="node" presStyleLbl="node1" presStyleIdx="1" presStyleCnt="2">
-        <dgm:presLayoutVars>
-          <dgm:bulletEnabled val="1"/>
-        </dgm:presLayoutVars>
-      </dgm:prSet>
-      <dgm:spPr/>
-      <dgm:t>
-        <a:bodyPr/>
-        <a:lstStyle/>
-        <a:p>
-          <a:endParaRPr lang="es-ES"/>
-        </a:p>
-      </dgm:t>
-    </dgm:pt>
-  </dgm:ptLst>
-  <dgm:cxnLst>
-    <dgm:cxn modelId="{96396EB2-B100-4E27-9286-BF14AD141E68}" srcId="{1B6BA574-DCD5-4EEB-AE01-8C44C1D6B1D1}" destId="{4E115F17-59BA-416C-8783-2C4E3BE6E0DB}" srcOrd="0" destOrd="0" parTransId="{28EC5814-09B9-4FF9-BF0C-267423E401E6}" sibTransId="{0AD3DDC1-5005-4D44-B58D-65686AA6EF8F}"/>
-    <dgm:cxn modelId="{91E5FF5C-0AD9-4FD3-8841-26CCDBF75651}" type="presOf" srcId="{1B6BA574-DCD5-4EEB-AE01-8C44C1D6B1D1}" destId="{68D7A75C-BA11-4DD8-95A2-5065A0A1E214}" srcOrd="0" destOrd="0" presId="urn:microsoft.com/office/officeart/2005/8/layout/default"/>
-    <dgm:cxn modelId="{959F6869-CF76-4390-953F-C6410E7CF336}" type="presOf" srcId="{4E115F17-59BA-416C-8783-2C4E3BE6E0DB}" destId="{DD9AF080-FD48-452F-8083-E39E6642554A}" srcOrd="0" destOrd="0" presId="urn:microsoft.com/office/officeart/2005/8/layout/default"/>
-    <dgm:cxn modelId="{7C8AED15-F6D5-4BE0-8464-F2E6B48C30B5}" type="presOf" srcId="{53EF71C3-934F-451E-932C-0448E2A67373}" destId="{D1484BC2-0AB1-4D6C-BB54-CAE169C69951}" srcOrd="0" destOrd="0" presId="urn:microsoft.com/office/officeart/2005/8/layout/default"/>
-    <dgm:cxn modelId="{E17645F2-A9E6-4E17-9018-38C7768F9C5D}" srcId="{1B6BA574-DCD5-4EEB-AE01-8C44C1D6B1D1}" destId="{53EF71C3-934F-451E-932C-0448E2A67373}" srcOrd="1" destOrd="0" parTransId="{8A4B5ADB-F619-4EB5-ACD5-685D7ED92528}" sibTransId="{C0CAB454-D21E-4BE9-82E6-5C7C91B9DB11}"/>
-    <dgm:cxn modelId="{06638B47-583E-44A1-8A27-2F4DC75EB2C7}" type="presParOf" srcId="{68D7A75C-BA11-4DD8-95A2-5065A0A1E214}" destId="{DD9AF080-FD48-452F-8083-E39E6642554A}" srcOrd="0" destOrd="0" presId="urn:microsoft.com/office/officeart/2005/8/layout/default"/>
-    <dgm:cxn modelId="{D63FF504-5511-4288-B2E3-109E6ABFAA58}" type="presParOf" srcId="{68D7A75C-BA11-4DD8-95A2-5065A0A1E214}" destId="{7FC79617-E671-4A53-9500-FD48E76C6992}" srcOrd="1" destOrd="0" presId="urn:microsoft.com/office/officeart/2005/8/layout/default"/>
-    <dgm:cxn modelId="{5AEA6A2D-0AD8-46E5-9DD6-32401FE24556}" type="presParOf" srcId="{68D7A75C-BA11-4DD8-95A2-5065A0A1E214}" destId="{D1484BC2-0AB1-4D6C-BB54-CAE169C69951}" srcOrd="2" destOrd="0" presId="urn:microsoft.com/office/officeart/2005/8/layout/default"/>
-  </dgm:cxnLst>
-  <dgm:bg/>
-  <dgm:whole/>
-  <dgm:extLst>
-    <a:ext uri="http://schemas.microsoft.com/office/drawing/2008/diagram">
-      <dsp:dataModelExt xmlns:dsp="http://schemas.microsoft.com/office/drawing/2008/diagram" relId="rId6" minVer="http://schemas.openxmlformats.org/drawingml/2006/diagram"/>
-    </a:ext>
-  </dgm:extLst>
-</dgm:dataModel>
-</file>
-
-<file path=ppt/diagrams/data4.xml><?xml version="1.0" encoding="utf-8"?>
+<file path=ppt/diagrams/data5.xml><?xml version="1.0" encoding="utf-8"?>
 <dgm:dataModel xmlns:dgm="http://schemas.openxmlformats.org/drawingml/2006/diagram" xmlns:a="http://schemas.openxmlformats.org/drawingml/2006/main">
   <dgm:ptLst>
     <dgm:pt modelId="{FF0A92A7-3775-4C8E-B37A-DE1ECDA2D2F0}" type="doc">
@@ -5316,7 +6329,23 @@
         <a:p>
           <a:r>
             <a:rPr lang="es-ES" dirty="0" smtClean="0"/>
-            <a:t>“el elegido” </a:t>
+            <a:t>“</a:t>
+          </a:r>
+          <a:r>
+            <a:rPr lang="es-ES" dirty="0" err="1" smtClean="0"/>
+            <a:t>the</a:t>
+          </a:r>
+          <a:r>
+            <a:rPr lang="es-ES" dirty="0" smtClean="0"/>
+            <a:t> </a:t>
+          </a:r>
+          <a:r>
+            <a:rPr lang="es-ES" dirty="0" err="1" smtClean="0"/>
+            <a:t>one</a:t>
+          </a:r>
+          <a:r>
+            <a:rPr lang="es-ES" dirty="0" smtClean="0"/>
+            <a:t>” </a:t>
           </a:r>
           <a:endParaRPr lang="es-ES" dirty="0"/>
         </a:p>
@@ -5415,13 +6444,13 @@
     </dgm:pt>
   </dgm:ptLst>
   <dgm:cxnLst>
+    <dgm:cxn modelId="{B9159F09-2721-40A3-A883-E00F749A5131}" srcId="{FF0A92A7-3775-4C8E-B37A-DE1ECDA2D2F0}" destId="{789D7ED8-9D51-41B5-824C-1DF193C8EE58}" srcOrd="2" destOrd="0" parTransId="{B3C3E632-EE85-438C-8F13-3AB54840FBB9}" sibTransId="{EADFB4A7-4D5E-409D-B1D9-714332D36692}"/>
+    <dgm:cxn modelId="{E4684096-F671-4195-BD08-C2BDBA26B09E}" type="presOf" srcId="{7672F0F6-1E6F-41BC-B95B-4AD87B43D6DA}" destId="{1BA7B6C5-FBA4-4579-BB41-E2F3B56455CF}" srcOrd="0" destOrd="0" presId="urn:microsoft.com/office/officeart/2005/8/layout/default"/>
     <dgm:cxn modelId="{AB812F76-F6C2-42FE-BBEB-88A2AA9990C2}" type="presOf" srcId="{789D7ED8-9D51-41B5-824C-1DF193C8EE58}" destId="{0F2E23A2-D324-494A-9625-87B8A9B272E0}" srcOrd="0" destOrd="0" presId="urn:microsoft.com/office/officeart/2005/8/layout/default"/>
+    <dgm:cxn modelId="{A3394EEB-E014-41F9-8A18-8943A9D4669E}" srcId="{FF0A92A7-3775-4C8E-B37A-DE1ECDA2D2F0}" destId="{813B4033-7833-4633-ADBE-0E7CA5BF25BA}" srcOrd="0" destOrd="0" parTransId="{833593E8-3A37-49EF-96D5-33D3268755C7}" sibTransId="{89AFE489-4CAB-4EFA-9052-8A6942C200B8}"/>
+    <dgm:cxn modelId="{24CDB31E-FDC3-4B6F-AB99-B07FEDE848BF}" srcId="{FF0A92A7-3775-4C8E-B37A-DE1ECDA2D2F0}" destId="{7672F0F6-1E6F-41BC-B95B-4AD87B43D6DA}" srcOrd="1" destOrd="0" parTransId="{E54024D1-3AED-48BB-AC26-A3F0649E203D}" sibTransId="{C297A2D2-4DFE-42E3-8705-0DBACF4D5E7D}"/>
+    <dgm:cxn modelId="{0F73DB4A-0E5A-45B0-AAD0-6A4E2AB53117}" type="presOf" srcId="{813B4033-7833-4633-ADBE-0E7CA5BF25BA}" destId="{F8B43FBE-7827-4087-9B3F-204B17CD3130}" srcOrd="0" destOrd="0" presId="urn:microsoft.com/office/officeart/2005/8/layout/default"/>
     <dgm:cxn modelId="{6D23622E-FA57-49EE-93C4-93531A2168C7}" type="presOf" srcId="{FF0A92A7-3775-4C8E-B37A-DE1ECDA2D2F0}" destId="{13E5B74A-F630-48F2-8E9E-AFFAA62EDF36}" srcOrd="0" destOrd="0" presId="urn:microsoft.com/office/officeart/2005/8/layout/default"/>
-    <dgm:cxn modelId="{24CDB31E-FDC3-4B6F-AB99-B07FEDE848BF}" srcId="{FF0A92A7-3775-4C8E-B37A-DE1ECDA2D2F0}" destId="{7672F0F6-1E6F-41BC-B95B-4AD87B43D6DA}" srcOrd="1" destOrd="0" parTransId="{E54024D1-3AED-48BB-AC26-A3F0649E203D}" sibTransId="{C297A2D2-4DFE-42E3-8705-0DBACF4D5E7D}"/>
-    <dgm:cxn modelId="{E4684096-F671-4195-BD08-C2BDBA26B09E}" type="presOf" srcId="{7672F0F6-1E6F-41BC-B95B-4AD87B43D6DA}" destId="{1BA7B6C5-FBA4-4579-BB41-E2F3B56455CF}" srcOrd="0" destOrd="0" presId="urn:microsoft.com/office/officeart/2005/8/layout/default"/>
-    <dgm:cxn modelId="{B9159F09-2721-40A3-A883-E00F749A5131}" srcId="{FF0A92A7-3775-4C8E-B37A-DE1ECDA2D2F0}" destId="{789D7ED8-9D51-41B5-824C-1DF193C8EE58}" srcOrd="2" destOrd="0" parTransId="{B3C3E632-EE85-438C-8F13-3AB54840FBB9}" sibTransId="{EADFB4A7-4D5E-409D-B1D9-714332D36692}"/>
-    <dgm:cxn modelId="{A3394EEB-E014-41F9-8A18-8943A9D4669E}" srcId="{FF0A92A7-3775-4C8E-B37A-DE1ECDA2D2F0}" destId="{813B4033-7833-4633-ADBE-0E7CA5BF25BA}" srcOrd="0" destOrd="0" parTransId="{833593E8-3A37-49EF-96D5-33D3268755C7}" sibTransId="{89AFE489-4CAB-4EFA-9052-8A6942C200B8}"/>
-    <dgm:cxn modelId="{0F73DB4A-0E5A-45B0-AAD0-6A4E2AB53117}" type="presOf" srcId="{813B4033-7833-4633-ADBE-0E7CA5BF25BA}" destId="{F8B43FBE-7827-4087-9B3F-204B17CD3130}" srcOrd="0" destOrd="0" presId="urn:microsoft.com/office/officeart/2005/8/layout/default"/>
     <dgm:cxn modelId="{F3566A17-9469-4498-99EE-9B9224111C6B}" type="presParOf" srcId="{13E5B74A-F630-48F2-8E9E-AFFAA62EDF36}" destId="{F8B43FBE-7827-4087-9B3F-204B17CD3130}" srcOrd="0" destOrd="0" presId="urn:microsoft.com/office/officeart/2005/8/layout/default"/>
     <dgm:cxn modelId="{FC96FF68-1FC4-4C49-8573-7FFDB3A06565}" type="presParOf" srcId="{13E5B74A-F630-48F2-8E9E-AFFAA62EDF36}" destId="{B979EF1B-2915-4363-9B76-E4B9927CDDA8}" srcOrd="1" destOrd="0" presId="urn:microsoft.com/office/officeart/2005/8/layout/default"/>
     <dgm:cxn modelId="{518DFFE8-A3B8-4A0F-BA92-4E8270913C18}" type="presParOf" srcId="{13E5B74A-F630-48F2-8E9E-AFFAA62EDF36}" destId="{1BA7B6C5-FBA4-4579-BB41-E2F3B56455CF}" srcOrd="2" destOrd="0" presId="urn:microsoft.com/office/officeart/2005/8/layout/default"/>
@@ -5438,7 +6467,7 @@
 </dgm:dataModel>
 </file>
 
-<file path=ppt/diagrams/data5.xml><?xml version="1.0" encoding="utf-8"?>
+<file path=ppt/diagrams/data6.xml><?xml version="1.0" encoding="utf-8"?>
 <dgm:dataModel xmlns:dgm="http://schemas.openxmlformats.org/drawingml/2006/diagram" xmlns:a="http://schemas.openxmlformats.org/drawingml/2006/main">
   <dgm:ptLst>
     <dgm:pt modelId="{22B728D4-6DF3-4D75-B6E6-90E1D9FB21D1}" type="doc">
@@ -5621,7 +6650,7 @@
 </dgm:dataModel>
 </file>
 
-<file path=ppt/diagrams/data6.xml><?xml version="1.0" encoding="utf-8"?>
+<file path=ppt/diagrams/data7.xml><?xml version="1.0" encoding="utf-8"?>
 <dgm:dataModel xmlns:dgm="http://schemas.openxmlformats.org/drawingml/2006/diagram" xmlns:a="http://schemas.openxmlformats.org/drawingml/2006/main">
   <dgm:ptLst>
     <dgm:pt modelId="{608687BC-C3A7-4C31-97E6-479C6D56DDC5}" type="doc">
@@ -5843,7 +6872,7 @@
         </a:bodyPr>
         <a:lstStyle/>
         <a:p>
-          <a:pPr lvl="0" algn="ctr" defTabSz="1466850">
+          <a:pPr lvl="0" algn="ctr" defTabSz="1422400">
             <a:lnSpc>
               <a:spcPct val="90000"/>
             </a:lnSpc>
@@ -5855,13 +6884,13 @@
             </a:spcAft>
           </a:pPr>
           <a:r>
-            <a:rPr lang="es-ES" sz="3300" kern="1200" dirty="0" err="1" smtClean="0"/>
+            <a:rPr lang="es-ES" sz="3200" kern="1200" dirty="0" err="1" smtClean="0"/>
             <a:t>Motivació</a:t>
           </a:r>
-          <a:endParaRPr lang="es-ES" sz="3300" kern="1200" dirty="0" smtClean="0"/>
+          <a:endParaRPr lang="es-ES" sz="3200" kern="1200" dirty="0" smtClean="0"/>
         </a:p>
         <a:p>
-          <a:pPr lvl="0" algn="ctr" defTabSz="1466850">
+          <a:pPr lvl="0" algn="ctr" defTabSz="1422400">
             <a:lnSpc>
               <a:spcPct val="90000"/>
             </a:lnSpc>
@@ -5873,10 +6902,10 @@
             </a:spcAft>
           </a:pPr>
           <a:r>
-            <a:rPr lang="es-ES" sz="3300" kern="1200" dirty="0" smtClean="0"/>
+            <a:rPr lang="es-ES" sz="3200" kern="1200" dirty="0" smtClean="0"/>
             <a:t>RPG</a:t>
           </a:r>
-          <a:endParaRPr lang="es-ES" sz="3300" kern="1200" dirty="0"/>
+          <a:endParaRPr lang="es-ES" sz="3200" kern="1200" dirty="0"/>
         </a:p>
       </dsp:txBody>
       <dsp:txXfrm>
@@ -5939,7 +6968,7 @@
         </a:bodyPr>
         <a:lstStyle/>
         <a:p>
-          <a:pPr lvl="0" algn="ctr" defTabSz="1466850">
+          <a:pPr lvl="0" algn="ctr" defTabSz="1422400">
             <a:lnSpc>
               <a:spcPct val="90000"/>
             </a:lnSpc>
@@ -5951,13 +6980,13 @@
             </a:spcAft>
           </a:pPr>
           <a:r>
-            <a:rPr lang="es-ES" sz="3300" kern="1200" dirty="0" err="1" smtClean="0"/>
-            <a:t>Abastle</a:t>
+            <a:rPr lang="es-ES" sz="3200" kern="1200" dirty="0" err="1" smtClean="0"/>
+            <a:t>Abastable</a:t>
           </a:r>
-          <a:endParaRPr lang="es-ES" sz="3300" kern="1200" dirty="0" smtClean="0"/>
+          <a:endParaRPr lang="es-ES" sz="3200" kern="1200" dirty="0" smtClean="0"/>
         </a:p>
         <a:p>
-          <a:pPr lvl="0" algn="ctr" defTabSz="1466850">
+          <a:pPr lvl="0" algn="ctr" defTabSz="1422400">
             <a:lnSpc>
               <a:spcPct val="90000"/>
             </a:lnSpc>
@@ -5969,14 +6998,14 @@
             </a:spcAft>
           </a:pPr>
           <a:r>
-            <a:rPr lang="es-ES" sz="3300" kern="1200" dirty="0" smtClean="0"/>
+            <a:rPr lang="es-ES" sz="3200" kern="1200" dirty="0" smtClean="0"/>
             <a:t>3 </a:t>
           </a:r>
           <a:r>
-            <a:rPr lang="es-ES" sz="3300" kern="1200" dirty="0" err="1" smtClean="0"/>
+            <a:rPr lang="es-ES" sz="3200" kern="1200" dirty="0" err="1" smtClean="0"/>
             <a:t>mesos</a:t>
           </a:r>
-          <a:endParaRPr lang="es-ES" sz="3300" kern="1200" dirty="0"/>
+          <a:endParaRPr lang="es-ES" sz="3200" kern="1200" dirty="0"/>
         </a:p>
       </dsp:txBody>
       <dsp:txXfrm>
@@ -5989,6 +7018,545 @@
 </file>
 
 <file path=ppt/diagrams/drawing2.xml><?xml version="1.0" encoding="utf-8"?>
+<dsp:drawing xmlns:dgm="http://schemas.openxmlformats.org/drawingml/2006/diagram" xmlns:dsp="http://schemas.microsoft.com/office/drawing/2008/diagram" xmlns:a="http://schemas.openxmlformats.org/drawingml/2006/main">
+  <dsp:spTree>
+    <dsp:nvGrpSpPr>
+      <dsp:cNvPr id="0" name=""/>
+      <dsp:cNvGrpSpPr/>
+    </dsp:nvGrpSpPr>
+    <dsp:grpSpPr/>
+    <dsp:sp modelId="{DD9AF080-FD48-452F-8083-E39E6642554A}">
+      <dsp:nvSpPr>
+        <dsp:cNvPr id="0" name=""/>
+        <dsp:cNvSpPr/>
+      </dsp:nvSpPr>
+      <dsp:spPr>
+        <a:xfrm>
+          <a:off x="0" y="829072"/>
+          <a:ext cx="3298031" cy="1978818"/>
+        </a:xfrm>
+        <a:prstGeom prst="rect">
+          <a:avLst/>
+        </a:prstGeom>
+        <a:solidFill>
+          <a:schemeClr val="accent1">
+            <a:hueOff val="0"/>
+            <a:satOff val="0"/>
+            <a:lumOff val="0"/>
+            <a:alphaOff val="0"/>
+          </a:schemeClr>
+        </a:solidFill>
+        <a:ln w="15875" cap="rnd" cmpd="sng" algn="ctr">
+          <a:solidFill>
+            <a:schemeClr val="lt1">
+              <a:hueOff val="0"/>
+              <a:satOff val="0"/>
+              <a:lumOff val="0"/>
+              <a:alphaOff val="0"/>
+            </a:schemeClr>
+          </a:solidFill>
+          <a:prstDash val="solid"/>
+        </a:ln>
+        <a:effectLst/>
+      </dsp:spPr>
+      <dsp:style>
+        <a:lnRef idx="2">
+          <a:scrgbClr r="0" g="0" b="0"/>
+        </a:lnRef>
+        <a:fillRef idx="1">
+          <a:scrgbClr r="0" g="0" b="0"/>
+        </a:fillRef>
+        <a:effectRef idx="0">
+          <a:scrgbClr r="0" g="0" b="0"/>
+        </a:effectRef>
+        <a:fontRef idx="minor">
+          <a:schemeClr val="lt1"/>
+        </a:fontRef>
+      </dsp:style>
+      <dsp:txBody>
+        <a:bodyPr spcFirstLastPara="0" vert="horz" wrap="square" lIns="114300" tIns="114300" rIns="114300" bIns="114300" numCol="1" spcCol="1270" anchor="ctr" anchorCtr="0">
+          <a:noAutofit/>
+        </a:bodyPr>
+        <a:lstStyle/>
+        <a:p>
+          <a:pPr lvl="0" algn="ctr" defTabSz="1333500">
+            <a:lnSpc>
+              <a:spcPct val="90000"/>
+            </a:lnSpc>
+            <a:spcBef>
+              <a:spcPct val="0"/>
+            </a:spcBef>
+            <a:spcAft>
+              <a:spcPct val="35000"/>
+            </a:spcAft>
+          </a:pPr>
+          <a:r>
+            <a:rPr lang="es-ES" sz="3000" kern="1200" dirty="0" smtClean="0"/>
+            <a:t>Agile</a:t>
+          </a:r>
+        </a:p>
+        <a:p>
+          <a:pPr lvl="0" algn="ctr" defTabSz="1333500">
+            <a:lnSpc>
+              <a:spcPct val="90000"/>
+            </a:lnSpc>
+            <a:spcBef>
+              <a:spcPct val="0"/>
+            </a:spcBef>
+            <a:spcAft>
+              <a:spcPct val="35000"/>
+            </a:spcAft>
+          </a:pPr>
+          <a:r>
+            <a:rPr lang="es-ES" sz="3000" kern="1200" dirty="0" smtClean="0"/>
+            <a:t>TRELLO</a:t>
+          </a:r>
+          <a:endParaRPr lang="es-ES" sz="3000" kern="1200" dirty="0"/>
+        </a:p>
+      </dsp:txBody>
+      <dsp:txXfrm>
+        <a:off x="0" y="829072"/>
+        <a:ext cx="3298031" cy="1978818"/>
+      </dsp:txXfrm>
+    </dsp:sp>
+    <dsp:sp modelId="{D1484BC2-0AB1-4D6C-BB54-CAE169C69951}">
+      <dsp:nvSpPr>
+        <dsp:cNvPr id="0" name=""/>
+        <dsp:cNvSpPr/>
+      </dsp:nvSpPr>
+      <dsp:spPr>
+        <a:xfrm>
+          <a:off x="3627834" y="829072"/>
+          <a:ext cx="3298031" cy="1978818"/>
+        </a:xfrm>
+        <a:prstGeom prst="rect">
+          <a:avLst/>
+        </a:prstGeom>
+        <a:solidFill>
+          <a:schemeClr val="accent1">
+            <a:hueOff val="0"/>
+            <a:satOff val="0"/>
+            <a:lumOff val="0"/>
+            <a:alphaOff val="0"/>
+          </a:schemeClr>
+        </a:solidFill>
+        <a:ln w="15875" cap="rnd" cmpd="sng" algn="ctr">
+          <a:solidFill>
+            <a:schemeClr val="lt1">
+              <a:hueOff val="0"/>
+              <a:satOff val="0"/>
+              <a:lumOff val="0"/>
+              <a:alphaOff val="0"/>
+            </a:schemeClr>
+          </a:solidFill>
+          <a:prstDash val="solid"/>
+        </a:ln>
+        <a:effectLst/>
+      </dsp:spPr>
+      <dsp:style>
+        <a:lnRef idx="2">
+          <a:scrgbClr r="0" g="0" b="0"/>
+        </a:lnRef>
+        <a:fillRef idx="1">
+          <a:scrgbClr r="0" g="0" b="0"/>
+        </a:fillRef>
+        <a:effectRef idx="0">
+          <a:scrgbClr r="0" g="0" b="0"/>
+        </a:effectRef>
+        <a:fontRef idx="minor">
+          <a:schemeClr val="lt1"/>
+        </a:fontRef>
+      </dsp:style>
+      <dsp:txBody>
+        <a:bodyPr spcFirstLastPara="0" vert="horz" wrap="square" lIns="114300" tIns="114300" rIns="114300" bIns="114300" numCol="1" spcCol="1270" anchor="ctr" anchorCtr="0">
+          <a:noAutofit/>
+        </a:bodyPr>
+        <a:lstStyle/>
+        <a:p>
+          <a:pPr lvl="0" algn="ctr" defTabSz="1333500">
+            <a:lnSpc>
+              <a:spcPct val="90000"/>
+            </a:lnSpc>
+            <a:spcBef>
+              <a:spcPct val="0"/>
+            </a:spcBef>
+            <a:spcAft>
+              <a:spcPct val="35000"/>
+            </a:spcAft>
+          </a:pPr>
+          <a:r>
+            <a:rPr lang="es-ES" sz="3000" kern="1200" dirty="0" err="1" smtClean="0"/>
+            <a:t>Milestones</a:t>
+          </a:r>
+          <a:endParaRPr lang="es-ES" sz="3000" kern="1200" dirty="0" smtClean="0"/>
+        </a:p>
+        <a:p>
+          <a:pPr lvl="0" algn="ctr" defTabSz="1333500">
+            <a:lnSpc>
+              <a:spcPct val="90000"/>
+            </a:lnSpc>
+            <a:spcBef>
+              <a:spcPct val="0"/>
+            </a:spcBef>
+            <a:spcAft>
+              <a:spcPct val="35000"/>
+            </a:spcAft>
+          </a:pPr>
+          <a:r>
+            <a:rPr lang="es-ES" sz="3000" kern="1200" dirty="0" smtClean="0"/>
+            <a:t>PACS=VERSIONS </a:t>
+          </a:r>
+          <a:endParaRPr lang="es-ES" sz="3000" kern="1200" dirty="0"/>
+        </a:p>
+      </dsp:txBody>
+      <dsp:txXfrm>
+        <a:off x="3627834" y="829072"/>
+        <a:ext cx="3298031" cy="1978818"/>
+      </dsp:txXfrm>
+    </dsp:sp>
+    <dsp:sp modelId="{4846D52A-ABC5-4ADB-8B98-5245C2E7EEA3}">
+      <dsp:nvSpPr>
+        <dsp:cNvPr id="0" name=""/>
+        <dsp:cNvSpPr/>
+      </dsp:nvSpPr>
+      <dsp:spPr>
+        <a:xfrm>
+          <a:off x="7255668" y="829072"/>
+          <a:ext cx="3298031" cy="1978818"/>
+        </a:xfrm>
+        <a:prstGeom prst="rect">
+          <a:avLst/>
+        </a:prstGeom>
+        <a:solidFill>
+          <a:schemeClr val="accent1">
+            <a:hueOff val="0"/>
+            <a:satOff val="0"/>
+            <a:lumOff val="0"/>
+            <a:alphaOff val="0"/>
+          </a:schemeClr>
+        </a:solidFill>
+        <a:ln w="15875" cap="rnd" cmpd="sng" algn="ctr">
+          <a:solidFill>
+            <a:schemeClr val="lt1">
+              <a:hueOff val="0"/>
+              <a:satOff val="0"/>
+              <a:lumOff val="0"/>
+              <a:alphaOff val="0"/>
+            </a:schemeClr>
+          </a:solidFill>
+          <a:prstDash val="solid"/>
+        </a:ln>
+        <a:effectLst/>
+      </dsp:spPr>
+      <dsp:style>
+        <a:lnRef idx="2">
+          <a:scrgbClr r="0" g="0" b="0"/>
+        </a:lnRef>
+        <a:fillRef idx="1">
+          <a:scrgbClr r="0" g="0" b="0"/>
+        </a:fillRef>
+        <a:effectRef idx="0">
+          <a:scrgbClr r="0" g="0" b="0"/>
+        </a:effectRef>
+        <a:fontRef idx="minor">
+          <a:schemeClr val="lt1"/>
+        </a:fontRef>
+      </dsp:style>
+      <dsp:txBody>
+        <a:bodyPr spcFirstLastPara="0" vert="horz" wrap="square" lIns="114300" tIns="114300" rIns="114300" bIns="114300" numCol="1" spcCol="1270" anchor="ctr" anchorCtr="0">
+          <a:noAutofit/>
+        </a:bodyPr>
+        <a:lstStyle/>
+        <a:p>
+          <a:pPr lvl="0" algn="ctr" defTabSz="1333500">
+            <a:lnSpc>
+              <a:spcPct val="90000"/>
+            </a:lnSpc>
+            <a:spcBef>
+              <a:spcPct val="0"/>
+            </a:spcBef>
+            <a:spcAft>
+              <a:spcPct val="35000"/>
+            </a:spcAft>
+          </a:pPr>
+          <a:r>
+            <a:rPr lang="es-ES" sz="3000" kern="1200" dirty="0" err="1" smtClean="0"/>
+            <a:t>Git</a:t>
+          </a:r>
+          <a:endParaRPr lang="es-ES" sz="3000" kern="1200" dirty="0" smtClean="0"/>
+        </a:p>
+        <a:p>
+          <a:pPr lvl="0" algn="ctr" defTabSz="1333500">
+            <a:lnSpc>
+              <a:spcPct val="90000"/>
+            </a:lnSpc>
+            <a:spcBef>
+              <a:spcPct val="0"/>
+            </a:spcBef>
+            <a:spcAft>
+              <a:spcPct val="35000"/>
+            </a:spcAft>
+          </a:pPr>
+          <a:r>
+            <a:rPr lang="es-ES" sz="3000" kern="1200" dirty="0" err="1" smtClean="0"/>
+            <a:t>repository</a:t>
+          </a:r>
+          <a:endParaRPr lang="es-ES" sz="3000" kern="1200" dirty="0"/>
+        </a:p>
+      </dsp:txBody>
+      <dsp:txXfrm>
+        <a:off x="7255668" y="829072"/>
+        <a:ext cx="3298031" cy="1978818"/>
+      </dsp:txXfrm>
+    </dsp:sp>
+  </dsp:spTree>
+</dsp:drawing>
+</file>
+
+<file path=ppt/diagrams/drawing3.xml><?xml version="1.0" encoding="utf-8"?>
+<dsp:drawing xmlns:dgm="http://schemas.openxmlformats.org/drawingml/2006/diagram" xmlns:dsp="http://schemas.microsoft.com/office/drawing/2008/diagram" xmlns:a="http://schemas.openxmlformats.org/drawingml/2006/main">
+  <dsp:spTree>
+    <dsp:nvGrpSpPr>
+      <dsp:cNvPr id="0" name=""/>
+      <dsp:cNvGrpSpPr/>
+    </dsp:nvGrpSpPr>
+    <dsp:grpSpPr/>
+    <dsp:sp modelId="{7DD7DC2D-F989-4758-8F09-456FC2AB0EFB}">
+      <dsp:nvSpPr>
+        <dsp:cNvPr id="0" name=""/>
+        <dsp:cNvSpPr/>
+      </dsp:nvSpPr>
+      <dsp:spPr>
+        <a:xfrm>
+          <a:off x="0" y="829072"/>
+          <a:ext cx="3298031" cy="1978818"/>
+        </a:xfrm>
+        <a:prstGeom prst="rect">
+          <a:avLst/>
+        </a:prstGeom>
+        <a:solidFill>
+          <a:schemeClr val="accent1">
+            <a:hueOff val="0"/>
+            <a:satOff val="0"/>
+            <a:lumOff val="0"/>
+            <a:alphaOff val="0"/>
+          </a:schemeClr>
+        </a:solidFill>
+        <a:ln w="15875" cap="rnd" cmpd="sng" algn="ctr">
+          <a:solidFill>
+            <a:schemeClr val="lt1">
+              <a:hueOff val="0"/>
+              <a:satOff val="0"/>
+              <a:lumOff val="0"/>
+              <a:alphaOff val="0"/>
+            </a:schemeClr>
+          </a:solidFill>
+          <a:prstDash val="solid"/>
+        </a:ln>
+        <a:effectLst/>
+      </dsp:spPr>
+      <dsp:style>
+        <a:lnRef idx="2">
+          <a:scrgbClr r="0" g="0" b="0"/>
+        </a:lnRef>
+        <a:fillRef idx="1">
+          <a:scrgbClr r="0" g="0" b="0"/>
+        </a:fillRef>
+        <a:effectRef idx="0">
+          <a:scrgbClr r="0" g="0" b="0"/>
+        </a:effectRef>
+        <a:fontRef idx="minor">
+          <a:schemeClr val="lt1"/>
+        </a:fontRef>
+      </dsp:style>
+      <dsp:txBody>
+        <a:bodyPr spcFirstLastPara="0" vert="horz" wrap="square" lIns="175260" tIns="175260" rIns="175260" bIns="175260" numCol="1" spcCol="1270" anchor="ctr" anchorCtr="0">
+          <a:noAutofit/>
+        </a:bodyPr>
+        <a:lstStyle/>
+        <a:p>
+          <a:pPr lvl="0" algn="ctr" defTabSz="2044700">
+            <a:lnSpc>
+              <a:spcPct val="90000"/>
+            </a:lnSpc>
+            <a:spcBef>
+              <a:spcPct val="0"/>
+            </a:spcBef>
+            <a:spcAft>
+              <a:spcPct val="35000"/>
+            </a:spcAft>
+          </a:pPr>
+          <a:r>
+            <a:rPr lang="es-ES" sz="4600" kern="1200" dirty="0" err="1" smtClean="0"/>
+            <a:t>Exploració</a:t>
+          </a:r>
+          <a:endParaRPr lang="es-ES" sz="4600" kern="1200" dirty="0"/>
+        </a:p>
+      </dsp:txBody>
+      <dsp:txXfrm>
+        <a:off x="0" y="829072"/>
+        <a:ext cx="3298031" cy="1978818"/>
+      </dsp:txXfrm>
+    </dsp:sp>
+    <dsp:sp modelId="{3B99F596-93D0-4872-853E-252B060DA302}">
+      <dsp:nvSpPr>
+        <dsp:cNvPr id="0" name=""/>
+        <dsp:cNvSpPr/>
+      </dsp:nvSpPr>
+      <dsp:spPr>
+        <a:xfrm>
+          <a:off x="3627834" y="829072"/>
+          <a:ext cx="3298031" cy="1978818"/>
+        </a:xfrm>
+        <a:prstGeom prst="rect">
+          <a:avLst/>
+        </a:prstGeom>
+        <a:solidFill>
+          <a:schemeClr val="accent1">
+            <a:hueOff val="0"/>
+            <a:satOff val="0"/>
+            <a:lumOff val="0"/>
+            <a:alphaOff val="0"/>
+          </a:schemeClr>
+        </a:solidFill>
+        <a:ln w="15875" cap="rnd" cmpd="sng" algn="ctr">
+          <a:solidFill>
+            <a:schemeClr val="lt1">
+              <a:hueOff val="0"/>
+              <a:satOff val="0"/>
+              <a:lumOff val="0"/>
+              <a:alphaOff val="0"/>
+            </a:schemeClr>
+          </a:solidFill>
+          <a:prstDash val="solid"/>
+        </a:ln>
+        <a:effectLst/>
+      </dsp:spPr>
+      <dsp:style>
+        <a:lnRef idx="2">
+          <a:scrgbClr r="0" g="0" b="0"/>
+        </a:lnRef>
+        <a:fillRef idx="1">
+          <a:scrgbClr r="0" g="0" b="0"/>
+        </a:fillRef>
+        <a:effectRef idx="0">
+          <a:scrgbClr r="0" g="0" b="0"/>
+        </a:effectRef>
+        <a:fontRef idx="minor">
+          <a:schemeClr val="lt1"/>
+        </a:fontRef>
+      </dsp:style>
+      <dsp:txBody>
+        <a:bodyPr spcFirstLastPara="0" vert="horz" wrap="square" lIns="175260" tIns="175260" rIns="175260" bIns="175260" numCol="1" spcCol="1270" anchor="ctr" anchorCtr="0">
+          <a:noAutofit/>
+        </a:bodyPr>
+        <a:lstStyle/>
+        <a:p>
+          <a:pPr lvl="0" algn="ctr" defTabSz="2044700">
+            <a:lnSpc>
+              <a:spcPct val="90000"/>
+            </a:lnSpc>
+            <a:spcBef>
+              <a:spcPct val="0"/>
+            </a:spcBef>
+            <a:spcAft>
+              <a:spcPct val="35000"/>
+            </a:spcAft>
+          </a:pPr>
+          <a:r>
+            <a:rPr lang="es-ES" sz="4600" kern="1200" dirty="0" err="1" smtClean="0"/>
+            <a:t>Combat</a:t>
+          </a:r>
+          <a:endParaRPr lang="es-ES" sz="4600" kern="1200" dirty="0"/>
+        </a:p>
+      </dsp:txBody>
+      <dsp:txXfrm>
+        <a:off x="3627834" y="829072"/>
+        <a:ext cx="3298031" cy="1978818"/>
+      </dsp:txXfrm>
+    </dsp:sp>
+    <dsp:sp modelId="{CD8AA958-13BF-4273-A390-92682C347232}">
+      <dsp:nvSpPr>
+        <dsp:cNvPr id="0" name=""/>
+        <dsp:cNvSpPr/>
+      </dsp:nvSpPr>
+      <dsp:spPr>
+        <a:xfrm>
+          <a:off x="7255668" y="829072"/>
+          <a:ext cx="3298031" cy="1978818"/>
+        </a:xfrm>
+        <a:prstGeom prst="rect">
+          <a:avLst/>
+        </a:prstGeom>
+        <a:solidFill>
+          <a:schemeClr val="accent1">
+            <a:hueOff val="0"/>
+            <a:satOff val="0"/>
+            <a:lumOff val="0"/>
+            <a:alphaOff val="0"/>
+          </a:schemeClr>
+        </a:solidFill>
+        <a:ln w="15875" cap="rnd" cmpd="sng" algn="ctr">
+          <a:solidFill>
+            <a:schemeClr val="lt1">
+              <a:hueOff val="0"/>
+              <a:satOff val="0"/>
+              <a:lumOff val="0"/>
+              <a:alphaOff val="0"/>
+            </a:schemeClr>
+          </a:solidFill>
+          <a:prstDash val="solid"/>
+        </a:ln>
+        <a:effectLst/>
+      </dsp:spPr>
+      <dsp:style>
+        <a:lnRef idx="2">
+          <a:scrgbClr r="0" g="0" b="0"/>
+        </a:lnRef>
+        <a:fillRef idx="1">
+          <a:scrgbClr r="0" g="0" b="0"/>
+        </a:fillRef>
+        <a:effectRef idx="0">
+          <a:scrgbClr r="0" g="0" b="0"/>
+        </a:effectRef>
+        <a:fontRef idx="minor">
+          <a:schemeClr val="lt1"/>
+        </a:fontRef>
+      </dsp:style>
+      <dsp:txBody>
+        <a:bodyPr spcFirstLastPara="0" vert="horz" wrap="square" lIns="175260" tIns="175260" rIns="175260" bIns="175260" numCol="1" spcCol="1270" anchor="ctr" anchorCtr="0">
+          <a:noAutofit/>
+        </a:bodyPr>
+        <a:lstStyle/>
+        <a:p>
+          <a:pPr lvl="0" algn="ctr" defTabSz="2044700">
+            <a:lnSpc>
+              <a:spcPct val="90000"/>
+            </a:lnSpc>
+            <a:spcBef>
+              <a:spcPct val="0"/>
+            </a:spcBef>
+            <a:spcAft>
+              <a:spcPct val="35000"/>
+            </a:spcAft>
+          </a:pPr>
+          <a:r>
+            <a:rPr lang="es-ES" sz="4600" kern="1200" dirty="0" err="1" smtClean="0"/>
+            <a:t>Progressió</a:t>
+          </a:r>
+          <a:endParaRPr lang="es-ES" sz="4600" kern="1200" dirty="0"/>
+        </a:p>
+      </dsp:txBody>
+      <dsp:txXfrm>
+        <a:off x="7255668" y="829072"/>
+        <a:ext cx="3298031" cy="1978818"/>
+      </dsp:txXfrm>
+    </dsp:sp>
+  </dsp:spTree>
+</dsp:drawing>
+</file>
+
+<file path=ppt/diagrams/drawing4.xml><?xml version="1.0" encoding="utf-8"?>
 <dsp:drawing xmlns:dgm="http://schemas.openxmlformats.org/drawingml/2006/diagram" xmlns:dsp="http://schemas.microsoft.com/office/drawing/2008/diagram" xmlns:a="http://schemas.openxmlformats.org/drawingml/2006/main">
   <dsp:spTree>
     <dsp:nvGrpSpPr>
@@ -6257,208 +7825,7 @@
 </dsp:drawing>
 </file>
 
-<file path=ppt/diagrams/drawing3.xml><?xml version="1.0" encoding="utf-8"?>
-<dsp:drawing xmlns:dgm="http://schemas.openxmlformats.org/drawingml/2006/diagram" xmlns:dsp="http://schemas.microsoft.com/office/drawing/2008/diagram" xmlns:a="http://schemas.openxmlformats.org/drawingml/2006/main">
-  <dsp:spTree>
-    <dsp:nvGrpSpPr>
-      <dsp:cNvPr id="0" name=""/>
-      <dsp:cNvGrpSpPr/>
-    </dsp:nvGrpSpPr>
-    <dsp:grpSpPr/>
-    <dsp:sp modelId="{DD9AF080-FD48-452F-8083-E39E6642554A}">
-      <dsp:nvSpPr>
-        <dsp:cNvPr id="0" name=""/>
-        <dsp:cNvSpPr/>
-      </dsp:nvSpPr>
-      <dsp:spPr>
-        <a:xfrm>
-          <a:off x="1288" y="311178"/>
-          <a:ext cx="5024344" cy="3014606"/>
-        </a:xfrm>
-        <a:prstGeom prst="rect">
-          <a:avLst/>
-        </a:prstGeom>
-        <a:solidFill>
-          <a:schemeClr val="accent1">
-            <a:hueOff val="0"/>
-            <a:satOff val="0"/>
-            <a:lumOff val="0"/>
-            <a:alphaOff val="0"/>
-          </a:schemeClr>
-        </a:solidFill>
-        <a:ln w="15875" cap="rnd" cmpd="sng" algn="ctr">
-          <a:solidFill>
-            <a:schemeClr val="lt1">
-              <a:hueOff val="0"/>
-              <a:satOff val="0"/>
-              <a:lumOff val="0"/>
-              <a:alphaOff val="0"/>
-            </a:schemeClr>
-          </a:solidFill>
-          <a:prstDash val="solid"/>
-        </a:ln>
-        <a:effectLst/>
-      </dsp:spPr>
-      <dsp:style>
-        <a:lnRef idx="2">
-          <a:scrgbClr r="0" g="0" b="0"/>
-        </a:lnRef>
-        <a:fillRef idx="1">
-          <a:scrgbClr r="0" g="0" b="0"/>
-        </a:fillRef>
-        <a:effectRef idx="0">
-          <a:scrgbClr r="0" g="0" b="0"/>
-        </a:effectRef>
-        <a:fontRef idx="minor">
-          <a:schemeClr val="lt1"/>
-        </a:fontRef>
-      </dsp:style>
-      <dsp:txBody>
-        <a:bodyPr spcFirstLastPara="0" vert="horz" wrap="square" lIns="175260" tIns="175260" rIns="175260" bIns="175260" numCol="1" spcCol="1270" anchor="ctr" anchorCtr="0">
-          <a:noAutofit/>
-        </a:bodyPr>
-        <a:lstStyle/>
-        <a:p>
-          <a:pPr lvl="0" algn="ctr" defTabSz="2044700">
-            <a:lnSpc>
-              <a:spcPct val="90000"/>
-            </a:lnSpc>
-            <a:spcBef>
-              <a:spcPct val="0"/>
-            </a:spcBef>
-            <a:spcAft>
-              <a:spcPct val="35000"/>
-            </a:spcAft>
-          </a:pPr>
-          <a:r>
-            <a:rPr lang="es-ES" sz="4600" kern="1200" dirty="0" smtClean="0"/>
-            <a:t>Agile</a:t>
-          </a:r>
-        </a:p>
-        <a:p>
-          <a:pPr lvl="0" algn="ctr" defTabSz="2044700">
-            <a:lnSpc>
-              <a:spcPct val="90000"/>
-            </a:lnSpc>
-            <a:spcBef>
-              <a:spcPct val="0"/>
-            </a:spcBef>
-            <a:spcAft>
-              <a:spcPct val="35000"/>
-            </a:spcAft>
-          </a:pPr>
-          <a:r>
-            <a:rPr lang="es-ES" sz="4600" kern="1200" dirty="0" smtClean="0"/>
-            <a:t>TRELLO</a:t>
-          </a:r>
-          <a:endParaRPr lang="es-ES" sz="4600" kern="1200" dirty="0"/>
-        </a:p>
-      </dsp:txBody>
-      <dsp:txXfrm>
-        <a:off x="1288" y="311178"/>
-        <a:ext cx="5024344" cy="3014606"/>
-      </dsp:txXfrm>
-    </dsp:sp>
-    <dsp:sp modelId="{D1484BC2-0AB1-4D6C-BB54-CAE169C69951}">
-      <dsp:nvSpPr>
-        <dsp:cNvPr id="0" name=""/>
-        <dsp:cNvSpPr/>
-      </dsp:nvSpPr>
-      <dsp:spPr>
-        <a:xfrm>
-          <a:off x="5528067" y="311178"/>
-          <a:ext cx="5024344" cy="3014606"/>
-        </a:xfrm>
-        <a:prstGeom prst="rect">
-          <a:avLst/>
-        </a:prstGeom>
-        <a:solidFill>
-          <a:schemeClr val="accent1">
-            <a:hueOff val="0"/>
-            <a:satOff val="0"/>
-            <a:lumOff val="0"/>
-            <a:alphaOff val="0"/>
-          </a:schemeClr>
-        </a:solidFill>
-        <a:ln w="15875" cap="rnd" cmpd="sng" algn="ctr">
-          <a:solidFill>
-            <a:schemeClr val="lt1">
-              <a:hueOff val="0"/>
-              <a:satOff val="0"/>
-              <a:lumOff val="0"/>
-              <a:alphaOff val="0"/>
-            </a:schemeClr>
-          </a:solidFill>
-          <a:prstDash val="solid"/>
-        </a:ln>
-        <a:effectLst/>
-      </dsp:spPr>
-      <dsp:style>
-        <a:lnRef idx="2">
-          <a:scrgbClr r="0" g="0" b="0"/>
-        </a:lnRef>
-        <a:fillRef idx="1">
-          <a:scrgbClr r="0" g="0" b="0"/>
-        </a:fillRef>
-        <a:effectRef idx="0">
-          <a:scrgbClr r="0" g="0" b="0"/>
-        </a:effectRef>
-        <a:fontRef idx="minor">
-          <a:schemeClr val="lt1"/>
-        </a:fontRef>
-      </dsp:style>
-      <dsp:txBody>
-        <a:bodyPr spcFirstLastPara="0" vert="horz" wrap="square" lIns="175260" tIns="175260" rIns="175260" bIns="175260" numCol="1" spcCol="1270" anchor="ctr" anchorCtr="0">
-          <a:noAutofit/>
-        </a:bodyPr>
-        <a:lstStyle/>
-        <a:p>
-          <a:pPr lvl="0" algn="ctr" defTabSz="2044700">
-            <a:lnSpc>
-              <a:spcPct val="90000"/>
-            </a:lnSpc>
-            <a:spcBef>
-              <a:spcPct val="0"/>
-            </a:spcBef>
-            <a:spcAft>
-              <a:spcPct val="35000"/>
-            </a:spcAft>
-          </a:pPr>
-          <a:r>
-            <a:rPr lang="es-ES" sz="4600" kern="1200" dirty="0" err="1" smtClean="0"/>
-            <a:t>Milestones</a:t>
-          </a:r>
-          <a:endParaRPr lang="es-ES" sz="4600" kern="1200" dirty="0" smtClean="0"/>
-        </a:p>
-        <a:p>
-          <a:pPr lvl="0" algn="ctr" defTabSz="2044700">
-            <a:lnSpc>
-              <a:spcPct val="90000"/>
-            </a:lnSpc>
-            <a:spcBef>
-              <a:spcPct val="0"/>
-            </a:spcBef>
-            <a:spcAft>
-              <a:spcPct val="35000"/>
-            </a:spcAft>
-          </a:pPr>
-          <a:r>
-            <a:rPr lang="es-ES" sz="4600" kern="1200" dirty="0" smtClean="0"/>
-            <a:t>PACS=VERSIONS </a:t>
-          </a:r>
-          <a:endParaRPr lang="es-ES" sz="4600" kern="1200" dirty="0"/>
-        </a:p>
-      </dsp:txBody>
-      <dsp:txXfrm>
-        <a:off x="5528067" y="311178"/>
-        <a:ext cx="5024344" cy="3014606"/>
-      </dsp:txXfrm>
-    </dsp:sp>
-  </dsp:spTree>
-</dsp:drawing>
-</file>
-
-<file path=ppt/diagrams/drawing4.xml><?xml version="1.0" encoding="utf-8"?>
+<file path=ppt/diagrams/drawing5.xml><?xml version="1.0" encoding="utf-8"?>
 <dsp:drawing xmlns:dgm="http://schemas.openxmlformats.org/drawingml/2006/diagram" xmlns:dsp="http://schemas.microsoft.com/office/drawing/2008/diagram" xmlns:a="http://schemas.openxmlformats.org/drawingml/2006/main">
   <dsp:spTree>
     <dsp:nvGrpSpPr>
@@ -6721,7 +8088,23 @@
           </a:pPr>
           <a:r>
             <a:rPr lang="es-ES" sz="3500" kern="1200" dirty="0" smtClean="0"/>
-            <a:t>“el elegido” </a:t>
+            <a:t>“</a:t>
+          </a:r>
+          <a:r>
+            <a:rPr lang="es-ES" sz="3500" kern="1200" dirty="0" err="1" smtClean="0"/>
+            <a:t>the</a:t>
+          </a:r>
+          <a:r>
+            <a:rPr lang="es-ES" sz="3500" kern="1200" dirty="0" smtClean="0"/>
+            <a:t> </a:t>
+          </a:r>
+          <a:r>
+            <a:rPr lang="es-ES" sz="3500" kern="1200" dirty="0" err="1" smtClean="0"/>
+            <a:t>one</a:t>
+          </a:r>
+          <a:r>
+            <a:rPr lang="es-ES" sz="3500" kern="1200" dirty="0" smtClean="0"/>
+            <a:t>” </a:t>
           </a:r>
           <a:endParaRPr lang="es-ES" sz="3500" kern="1200" dirty="0"/>
         </a:p>
@@ -6735,7 +8118,7 @@
 </dsp:drawing>
 </file>
 
-<file path=ppt/diagrams/drawing5.xml><?xml version="1.0" encoding="utf-8"?>
+<file path=ppt/diagrams/drawing6.xml><?xml version="1.0" encoding="utf-8"?>
 <dsp:drawing xmlns:dgm="http://schemas.openxmlformats.org/drawingml/2006/diagram" xmlns:dsp="http://schemas.microsoft.com/office/drawing/2008/diagram" xmlns:a="http://schemas.openxmlformats.org/drawingml/2006/main">
   <dsp:spTree>
     <dsp:nvGrpSpPr>
@@ -6925,7 +8308,7 @@
 </dsp:drawing>
 </file>
 
-<file path=ppt/diagrams/drawing6.xml><?xml version="1.0" encoding="utf-8"?>
+<file path=ppt/diagrams/drawing7.xml><?xml version="1.0" encoding="utf-8"?>
 <dsp:drawing xmlns:dgm="http://schemas.openxmlformats.org/drawingml/2006/diagram" xmlns:dsp="http://schemas.microsoft.com/office/drawing/2008/diagram" xmlns:a="http://schemas.openxmlformats.org/drawingml/2006/main">
   <dsp:spTree>
     <dsp:nvGrpSpPr>
@@ -8701,6 +10084,153 @@
 </dgm:layoutDef>
 </file>
 
+<file path=ppt/diagrams/layout7.xml><?xml version="1.0" encoding="utf-8"?>
+<dgm:layoutDef xmlns:dgm="http://schemas.openxmlformats.org/drawingml/2006/diagram" xmlns:a="http://schemas.openxmlformats.org/drawingml/2006/main" uniqueId="urn:microsoft.com/office/officeart/2005/8/layout/default">
+  <dgm:title val=""/>
+  <dgm:desc val=""/>
+  <dgm:catLst>
+    <dgm:cat type="list" pri="400"/>
+  </dgm:catLst>
+  <dgm:sampData>
+    <dgm:dataModel>
+      <dgm:ptLst>
+        <dgm:pt modelId="0" type="doc"/>
+        <dgm:pt modelId="1">
+          <dgm:prSet phldr="1"/>
+        </dgm:pt>
+        <dgm:pt modelId="2">
+          <dgm:prSet phldr="1"/>
+        </dgm:pt>
+        <dgm:pt modelId="3">
+          <dgm:prSet phldr="1"/>
+        </dgm:pt>
+        <dgm:pt modelId="4">
+          <dgm:prSet phldr="1"/>
+        </dgm:pt>
+        <dgm:pt modelId="5">
+          <dgm:prSet phldr="1"/>
+        </dgm:pt>
+      </dgm:ptLst>
+      <dgm:cxnLst>
+        <dgm:cxn modelId="6" srcId="0" destId="1" srcOrd="0" destOrd="0"/>
+        <dgm:cxn modelId="7" srcId="0" destId="2" srcOrd="1" destOrd="0"/>
+        <dgm:cxn modelId="8" srcId="0" destId="3" srcOrd="2" destOrd="0"/>
+        <dgm:cxn modelId="9" srcId="0" destId="4" srcOrd="3" destOrd="0"/>
+        <dgm:cxn modelId="10" srcId="0" destId="5" srcOrd="4" destOrd="0"/>
+      </dgm:cxnLst>
+      <dgm:bg/>
+      <dgm:whole/>
+    </dgm:dataModel>
+  </dgm:sampData>
+  <dgm:styleData>
+    <dgm:dataModel>
+      <dgm:ptLst>
+        <dgm:pt modelId="0" type="doc"/>
+        <dgm:pt modelId="1"/>
+        <dgm:pt modelId="2"/>
+      </dgm:ptLst>
+      <dgm:cxnLst>
+        <dgm:cxn modelId="3" srcId="0" destId="1" srcOrd="0" destOrd="0"/>
+        <dgm:cxn modelId="4" srcId="0" destId="2" srcOrd="1" destOrd="0"/>
+      </dgm:cxnLst>
+      <dgm:bg/>
+      <dgm:whole/>
+    </dgm:dataModel>
+  </dgm:styleData>
+  <dgm:clrData>
+    <dgm:dataModel>
+      <dgm:ptLst>
+        <dgm:pt modelId="0" type="doc"/>
+        <dgm:pt modelId="1"/>
+        <dgm:pt modelId="2"/>
+        <dgm:pt modelId="3"/>
+        <dgm:pt modelId="4"/>
+        <dgm:pt modelId="5"/>
+        <dgm:pt modelId="6"/>
+      </dgm:ptLst>
+      <dgm:cxnLst>
+        <dgm:cxn modelId="7" srcId="0" destId="1" srcOrd="0" destOrd="0"/>
+        <dgm:cxn modelId="8" srcId="0" destId="2" srcOrd="1" destOrd="0"/>
+        <dgm:cxn modelId="9" srcId="0" destId="3" srcOrd="2" destOrd="0"/>
+        <dgm:cxn modelId="10" srcId="0" destId="4" srcOrd="3" destOrd="0"/>
+        <dgm:cxn modelId="11" srcId="0" destId="5" srcOrd="4" destOrd="0"/>
+        <dgm:cxn modelId="12" srcId="0" destId="6" srcOrd="5" destOrd="0"/>
+      </dgm:cxnLst>
+      <dgm:bg/>
+      <dgm:whole/>
+    </dgm:dataModel>
+  </dgm:clrData>
+  <dgm:layoutNode name="diagram">
+    <dgm:varLst>
+      <dgm:dir/>
+      <dgm:resizeHandles val="exact"/>
+    </dgm:varLst>
+    <dgm:choose name="Name0">
+      <dgm:if name="Name1" func="var" arg="dir" op="equ" val="norm">
+        <dgm:alg type="snake">
+          <dgm:param type="grDir" val="tL"/>
+          <dgm:param type="flowDir" val="row"/>
+          <dgm:param type="contDir" val="sameDir"/>
+          <dgm:param type="off" val="ctr"/>
+        </dgm:alg>
+      </dgm:if>
+      <dgm:else name="Name2">
+        <dgm:alg type="snake">
+          <dgm:param type="grDir" val="tR"/>
+          <dgm:param type="flowDir" val="row"/>
+          <dgm:param type="contDir" val="sameDir"/>
+          <dgm:param type="off" val="ctr"/>
+        </dgm:alg>
+      </dgm:else>
+    </dgm:choose>
+    <dgm:shape xmlns:r="http://schemas.openxmlformats.org/officeDocument/2006/relationships" r:blip="">
+      <dgm:adjLst/>
+    </dgm:shape>
+    <dgm:presOf/>
+    <dgm:constrLst>
+      <dgm:constr type="w" for="ch" forName="node" refType="w"/>
+      <dgm:constr type="h" for="ch" forName="node" refType="w" refFor="ch" refForName="node" fact="0.6"/>
+      <dgm:constr type="w" for="ch" forName="sibTrans" refType="w" refFor="ch" refForName="node" fact="0.1"/>
+      <dgm:constr type="sp" refType="w" refFor="ch" refForName="sibTrans"/>
+      <dgm:constr type="primFontSz" for="ch" forName="node" op="equ" val="65"/>
+    </dgm:constrLst>
+    <dgm:ruleLst/>
+    <dgm:forEach name="Name3" axis="ch" ptType="node">
+      <dgm:layoutNode name="node">
+        <dgm:varLst>
+          <dgm:bulletEnabled val="1"/>
+        </dgm:varLst>
+        <dgm:alg type="tx"/>
+        <dgm:shape xmlns:r="http://schemas.openxmlformats.org/officeDocument/2006/relationships" type="rect" r:blip="">
+          <dgm:adjLst/>
+        </dgm:shape>
+        <dgm:presOf axis="desOrSelf" ptType="node"/>
+        <dgm:constrLst>
+          <dgm:constr type="lMarg" refType="primFontSz" fact="0.3"/>
+          <dgm:constr type="rMarg" refType="primFontSz" fact="0.3"/>
+          <dgm:constr type="tMarg" refType="primFontSz" fact="0.3"/>
+          <dgm:constr type="bMarg" refType="primFontSz" fact="0.3"/>
+        </dgm:constrLst>
+        <dgm:ruleLst>
+          <dgm:rule type="primFontSz" val="5" fact="NaN" max="NaN"/>
+        </dgm:ruleLst>
+      </dgm:layoutNode>
+      <dgm:forEach name="Name4" axis="followSib" ptType="sibTrans" cnt="1">
+        <dgm:layoutNode name="sibTrans">
+          <dgm:alg type="sp"/>
+          <dgm:shape xmlns:r="http://schemas.openxmlformats.org/officeDocument/2006/relationships" r:blip="">
+            <dgm:adjLst/>
+          </dgm:shape>
+          <dgm:presOf/>
+          <dgm:constrLst/>
+          <dgm:ruleLst/>
+        </dgm:layoutNode>
+      </dgm:forEach>
+    </dgm:forEach>
+  </dgm:layoutNode>
+</dgm:layoutDef>
+</file>
+
 <file path=ppt/diagrams/quickStyle1.xml><?xml version="1.0" encoding="utf-8"?>
 <dgm:styleDef xmlns:dgm="http://schemas.openxmlformats.org/drawingml/2006/diagram" xmlns:a="http://schemas.openxmlformats.org/drawingml/2006/main" uniqueId="urn:microsoft.com/office/officeart/2005/8/quickstyle/simple1">
   <dgm:title val=""/>
@@ -13872,6 +15402,1040 @@
 </file>
 
 <file path=ppt/diagrams/quickStyle6.xml><?xml version="1.0" encoding="utf-8"?>
+<dgm:styleDef xmlns:dgm="http://schemas.openxmlformats.org/drawingml/2006/diagram" xmlns:a="http://schemas.openxmlformats.org/drawingml/2006/main" uniqueId="urn:microsoft.com/office/officeart/2005/8/quickstyle/simple1">
+  <dgm:title val=""/>
+  <dgm:desc val=""/>
+  <dgm:catLst>
+    <dgm:cat type="simple" pri="10100"/>
+  </dgm:catLst>
+  <dgm:scene3d>
+    <a:camera prst="orthographicFront"/>
+    <a:lightRig rig="threePt" dir="t"/>
+  </dgm:scene3d>
+  <dgm:styleLbl name="node0">
+    <dgm:scene3d>
+      <a:camera prst="orthographicFront"/>
+      <a:lightRig rig="threePt" dir="t"/>
+    </dgm:scene3d>
+    <dgm:sp3d/>
+    <dgm:txPr/>
+    <dgm:style>
+      <a:lnRef idx="2">
+        <a:scrgbClr r="0" g="0" b="0"/>
+      </a:lnRef>
+      <a:fillRef idx="1">
+        <a:scrgbClr r="0" g="0" b="0"/>
+      </a:fillRef>
+      <a:effectRef idx="0">
+        <a:scrgbClr r="0" g="0" b="0"/>
+      </a:effectRef>
+      <a:fontRef idx="minor">
+        <a:schemeClr val="lt1"/>
+      </a:fontRef>
+    </dgm:style>
+  </dgm:styleLbl>
+  <dgm:styleLbl name="lnNode1">
+    <dgm:scene3d>
+      <a:camera prst="orthographicFront"/>
+      <a:lightRig rig="threePt" dir="t"/>
+    </dgm:scene3d>
+    <dgm:sp3d/>
+    <dgm:txPr/>
+    <dgm:style>
+      <a:lnRef idx="2">
+        <a:scrgbClr r="0" g="0" b="0"/>
+      </a:lnRef>
+      <a:fillRef idx="1">
+        <a:scrgbClr r="0" g="0" b="0"/>
+      </a:fillRef>
+      <a:effectRef idx="0">
+        <a:scrgbClr r="0" g="0" b="0"/>
+      </a:effectRef>
+      <a:fontRef idx="minor">
+        <a:schemeClr val="lt1"/>
+      </a:fontRef>
+    </dgm:style>
+  </dgm:styleLbl>
+  <dgm:styleLbl name="vennNode1">
+    <dgm:scene3d>
+      <a:camera prst="orthographicFront"/>
+      <a:lightRig rig="threePt" dir="t"/>
+    </dgm:scene3d>
+    <dgm:sp3d/>
+    <dgm:txPr/>
+    <dgm:style>
+      <a:lnRef idx="2">
+        <a:scrgbClr r="0" g="0" b="0"/>
+      </a:lnRef>
+      <a:fillRef idx="1">
+        <a:scrgbClr r="0" g="0" b="0"/>
+      </a:fillRef>
+      <a:effectRef idx="0">
+        <a:scrgbClr r="0" g="0" b="0"/>
+      </a:effectRef>
+      <a:fontRef idx="minor">
+        <a:schemeClr val="tx1"/>
+      </a:fontRef>
+    </dgm:style>
+  </dgm:styleLbl>
+  <dgm:styleLbl name="alignNode1">
+    <dgm:scene3d>
+      <a:camera prst="orthographicFront"/>
+      <a:lightRig rig="threePt" dir="t"/>
+    </dgm:scene3d>
+    <dgm:sp3d/>
+    <dgm:txPr/>
+    <dgm:style>
+      <a:lnRef idx="2">
+        <a:scrgbClr r="0" g="0" b="0"/>
+      </a:lnRef>
+      <a:fillRef idx="1">
+        <a:scrgbClr r="0" g="0" b="0"/>
+      </a:fillRef>
+      <a:effectRef idx="0">
+        <a:scrgbClr r="0" g="0" b="0"/>
+      </a:effectRef>
+      <a:fontRef idx="minor">
+        <a:schemeClr val="lt1"/>
+      </a:fontRef>
+    </dgm:style>
+  </dgm:styleLbl>
+  <dgm:styleLbl name="node1">
+    <dgm:scene3d>
+      <a:camera prst="orthographicFront"/>
+      <a:lightRig rig="threePt" dir="t"/>
+    </dgm:scene3d>
+    <dgm:sp3d/>
+    <dgm:txPr/>
+    <dgm:style>
+      <a:lnRef idx="2">
+        <a:scrgbClr r="0" g="0" b="0"/>
+      </a:lnRef>
+      <a:fillRef idx="1">
+        <a:scrgbClr r="0" g="0" b="0"/>
+      </a:fillRef>
+      <a:effectRef idx="0">
+        <a:scrgbClr r="0" g="0" b="0"/>
+      </a:effectRef>
+      <a:fontRef idx="minor">
+        <a:schemeClr val="lt1"/>
+      </a:fontRef>
+    </dgm:style>
+  </dgm:styleLbl>
+  <dgm:styleLbl name="node2">
+    <dgm:scene3d>
+      <a:camera prst="orthographicFront"/>
+      <a:lightRig rig="threePt" dir="t"/>
+    </dgm:scene3d>
+    <dgm:sp3d/>
+    <dgm:txPr/>
+    <dgm:style>
+      <a:lnRef idx="2">
+        <a:scrgbClr r="0" g="0" b="0"/>
+      </a:lnRef>
+      <a:fillRef idx="1">
+        <a:scrgbClr r="0" g="0" b="0"/>
+      </a:fillRef>
+      <a:effectRef idx="0">
+        <a:scrgbClr r="0" g="0" b="0"/>
+      </a:effectRef>
+      <a:fontRef idx="minor">
+        <a:schemeClr val="lt1"/>
+      </a:fontRef>
+    </dgm:style>
+  </dgm:styleLbl>
+  <dgm:styleLbl name="node3">
+    <dgm:scene3d>
+      <a:camera prst="orthographicFront"/>
+      <a:lightRig rig="threePt" dir="t"/>
+    </dgm:scene3d>
+    <dgm:sp3d/>
+    <dgm:txPr/>
+    <dgm:style>
+      <a:lnRef idx="2">
+        <a:scrgbClr r="0" g="0" b="0"/>
+      </a:lnRef>
+      <a:fillRef idx="1">
+        <a:scrgbClr r="0" g="0" b="0"/>
+      </a:fillRef>
+      <a:effectRef idx="0">
+        <a:scrgbClr r="0" g="0" b="0"/>
+      </a:effectRef>
+      <a:fontRef idx="minor">
+        <a:schemeClr val="lt1"/>
+      </a:fontRef>
+    </dgm:style>
+  </dgm:styleLbl>
+  <dgm:styleLbl name="node4">
+    <dgm:scene3d>
+      <a:camera prst="orthographicFront"/>
+      <a:lightRig rig="threePt" dir="t"/>
+    </dgm:scene3d>
+    <dgm:sp3d/>
+    <dgm:txPr/>
+    <dgm:style>
+      <a:lnRef idx="2">
+        <a:scrgbClr r="0" g="0" b="0"/>
+      </a:lnRef>
+      <a:fillRef idx="1">
+        <a:scrgbClr r="0" g="0" b="0"/>
+      </a:fillRef>
+      <a:effectRef idx="0">
+        <a:scrgbClr r="0" g="0" b="0"/>
+      </a:effectRef>
+      <a:fontRef idx="minor">
+        <a:schemeClr val="lt1"/>
+      </a:fontRef>
+    </dgm:style>
+  </dgm:styleLbl>
+  <dgm:styleLbl name="fgImgPlace1">
+    <dgm:scene3d>
+      <a:camera prst="orthographicFront"/>
+      <a:lightRig rig="threePt" dir="t"/>
+    </dgm:scene3d>
+    <dgm:sp3d/>
+    <dgm:txPr/>
+    <dgm:style>
+      <a:lnRef idx="2">
+        <a:scrgbClr r="0" g="0" b="0"/>
+      </a:lnRef>
+      <a:fillRef idx="1">
+        <a:scrgbClr r="0" g="0" b="0"/>
+      </a:fillRef>
+      <a:effectRef idx="0">
+        <a:scrgbClr r="0" g="0" b="0"/>
+      </a:effectRef>
+      <a:fontRef idx="minor"/>
+    </dgm:style>
+  </dgm:styleLbl>
+  <dgm:styleLbl name="alignImgPlace1">
+    <dgm:scene3d>
+      <a:camera prst="orthographicFront"/>
+      <a:lightRig rig="threePt" dir="t"/>
+    </dgm:scene3d>
+    <dgm:sp3d/>
+    <dgm:txPr/>
+    <dgm:style>
+      <a:lnRef idx="2">
+        <a:scrgbClr r="0" g="0" b="0"/>
+      </a:lnRef>
+      <a:fillRef idx="1">
+        <a:scrgbClr r="0" g="0" b="0"/>
+      </a:fillRef>
+      <a:effectRef idx="0">
+        <a:scrgbClr r="0" g="0" b="0"/>
+      </a:effectRef>
+      <a:fontRef idx="minor"/>
+    </dgm:style>
+  </dgm:styleLbl>
+  <dgm:styleLbl name="bgImgPlace1">
+    <dgm:scene3d>
+      <a:camera prst="orthographicFront"/>
+      <a:lightRig rig="threePt" dir="t"/>
+    </dgm:scene3d>
+    <dgm:sp3d/>
+    <dgm:txPr/>
+    <dgm:style>
+      <a:lnRef idx="2">
+        <a:scrgbClr r="0" g="0" b="0"/>
+      </a:lnRef>
+      <a:fillRef idx="1">
+        <a:scrgbClr r="0" g="0" b="0"/>
+      </a:fillRef>
+      <a:effectRef idx="0">
+        <a:scrgbClr r="0" g="0" b="0"/>
+      </a:effectRef>
+      <a:fontRef idx="minor"/>
+    </dgm:style>
+  </dgm:styleLbl>
+  <dgm:styleLbl name="sibTrans2D1">
+    <dgm:scene3d>
+      <a:camera prst="orthographicFront"/>
+      <a:lightRig rig="threePt" dir="t"/>
+    </dgm:scene3d>
+    <dgm:sp3d/>
+    <dgm:txPr/>
+    <dgm:style>
+      <a:lnRef idx="0">
+        <a:scrgbClr r="0" g="0" b="0"/>
+      </a:lnRef>
+      <a:fillRef idx="1">
+        <a:scrgbClr r="0" g="0" b="0"/>
+      </a:fillRef>
+      <a:effectRef idx="0">
+        <a:scrgbClr r="0" g="0" b="0"/>
+      </a:effectRef>
+      <a:fontRef idx="minor">
+        <a:schemeClr val="lt1"/>
+      </a:fontRef>
+    </dgm:style>
+  </dgm:styleLbl>
+  <dgm:styleLbl name="fgSibTrans2D1">
+    <dgm:scene3d>
+      <a:camera prst="orthographicFront"/>
+      <a:lightRig rig="threePt" dir="t"/>
+    </dgm:scene3d>
+    <dgm:sp3d/>
+    <dgm:txPr/>
+    <dgm:style>
+      <a:lnRef idx="0">
+        <a:scrgbClr r="0" g="0" b="0"/>
+      </a:lnRef>
+      <a:fillRef idx="1">
+        <a:scrgbClr r="0" g="0" b="0"/>
+      </a:fillRef>
+      <a:effectRef idx="0">
+        <a:scrgbClr r="0" g="0" b="0"/>
+      </a:effectRef>
+      <a:fontRef idx="minor">
+        <a:schemeClr val="lt1"/>
+      </a:fontRef>
+    </dgm:style>
+  </dgm:styleLbl>
+  <dgm:styleLbl name="bgSibTrans2D1">
+    <dgm:scene3d>
+      <a:camera prst="orthographicFront"/>
+      <a:lightRig rig="threePt" dir="t"/>
+    </dgm:scene3d>
+    <dgm:sp3d/>
+    <dgm:txPr/>
+    <dgm:style>
+      <a:lnRef idx="0">
+        <a:scrgbClr r="0" g="0" b="0"/>
+      </a:lnRef>
+      <a:fillRef idx="1">
+        <a:scrgbClr r="0" g="0" b="0"/>
+      </a:fillRef>
+      <a:effectRef idx="0">
+        <a:scrgbClr r="0" g="0" b="0"/>
+      </a:effectRef>
+      <a:fontRef idx="minor">
+        <a:schemeClr val="lt1"/>
+      </a:fontRef>
+    </dgm:style>
+  </dgm:styleLbl>
+  <dgm:styleLbl name="sibTrans1D1">
+    <dgm:scene3d>
+      <a:camera prst="orthographicFront"/>
+      <a:lightRig rig="threePt" dir="t"/>
+    </dgm:scene3d>
+    <dgm:sp3d/>
+    <dgm:txPr/>
+    <dgm:style>
+      <a:lnRef idx="1">
+        <a:scrgbClr r="0" g="0" b="0"/>
+      </a:lnRef>
+      <a:fillRef idx="0">
+        <a:scrgbClr r="0" g="0" b="0"/>
+      </a:fillRef>
+      <a:effectRef idx="0">
+        <a:scrgbClr r="0" g="0" b="0"/>
+      </a:effectRef>
+      <a:fontRef idx="minor"/>
+    </dgm:style>
+  </dgm:styleLbl>
+  <dgm:styleLbl name="callout">
+    <dgm:scene3d>
+      <a:camera prst="orthographicFront"/>
+      <a:lightRig rig="threePt" dir="t"/>
+    </dgm:scene3d>
+    <dgm:sp3d/>
+    <dgm:txPr/>
+    <dgm:style>
+      <a:lnRef idx="2">
+        <a:scrgbClr r="0" g="0" b="0"/>
+      </a:lnRef>
+      <a:fillRef idx="1">
+        <a:scrgbClr r="0" g="0" b="0"/>
+      </a:fillRef>
+      <a:effectRef idx="0">
+        <a:scrgbClr r="0" g="0" b="0"/>
+      </a:effectRef>
+      <a:fontRef idx="minor"/>
+    </dgm:style>
+  </dgm:styleLbl>
+  <dgm:styleLbl name="asst0">
+    <dgm:scene3d>
+      <a:camera prst="orthographicFront"/>
+      <a:lightRig rig="threePt" dir="t"/>
+    </dgm:scene3d>
+    <dgm:sp3d/>
+    <dgm:txPr/>
+    <dgm:style>
+      <a:lnRef idx="2">
+        <a:scrgbClr r="0" g="0" b="0"/>
+      </a:lnRef>
+      <a:fillRef idx="1">
+        <a:scrgbClr r="0" g="0" b="0"/>
+      </a:fillRef>
+      <a:effectRef idx="0">
+        <a:scrgbClr r="0" g="0" b="0"/>
+      </a:effectRef>
+      <a:fontRef idx="minor">
+        <a:schemeClr val="lt1"/>
+      </a:fontRef>
+    </dgm:style>
+  </dgm:styleLbl>
+  <dgm:styleLbl name="asst1">
+    <dgm:scene3d>
+      <a:camera prst="orthographicFront"/>
+      <a:lightRig rig="threePt" dir="t"/>
+    </dgm:scene3d>
+    <dgm:sp3d/>
+    <dgm:txPr/>
+    <dgm:style>
+      <a:lnRef idx="2">
+        <a:scrgbClr r="0" g="0" b="0"/>
+      </a:lnRef>
+      <a:fillRef idx="1">
+        <a:scrgbClr r="0" g="0" b="0"/>
+      </a:fillRef>
+      <a:effectRef idx="0">
+        <a:scrgbClr r="0" g="0" b="0"/>
+      </a:effectRef>
+      <a:fontRef idx="minor">
+        <a:schemeClr val="lt1"/>
+      </a:fontRef>
+    </dgm:style>
+  </dgm:styleLbl>
+  <dgm:styleLbl name="asst2">
+    <dgm:scene3d>
+      <a:camera prst="orthographicFront"/>
+      <a:lightRig rig="threePt" dir="t"/>
+    </dgm:scene3d>
+    <dgm:sp3d/>
+    <dgm:txPr/>
+    <dgm:style>
+      <a:lnRef idx="2">
+        <a:scrgbClr r="0" g="0" b="0"/>
+      </a:lnRef>
+      <a:fillRef idx="1">
+        <a:scrgbClr r="0" g="0" b="0"/>
+      </a:fillRef>
+      <a:effectRef idx="0">
+        <a:scrgbClr r="0" g="0" b="0"/>
+      </a:effectRef>
+      <a:fontRef idx="minor">
+        <a:schemeClr val="lt1"/>
+      </a:fontRef>
+    </dgm:style>
+  </dgm:styleLbl>
+  <dgm:styleLbl name="asst3">
+    <dgm:scene3d>
+      <a:camera prst="orthographicFront"/>
+      <a:lightRig rig="threePt" dir="t"/>
+    </dgm:scene3d>
+    <dgm:sp3d/>
+    <dgm:txPr/>
+    <dgm:style>
+      <a:lnRef idx="2">
+        <a:scrgbClr r="0" g="0" b="0"/>
+      </a:lnRef>
+      <a:fillRef idx="1">
+        <a:scrgbClr r="0" g="0" b="0"/>
+      </a:fillRef>
+      <a:effectRef idx="0">
+        <a:scrgbClr r="0" g="0" b="0"/>
+      </a:effectRef>
+      <a:fontRef idx="minor">
+        <a:schemeClr val="lt1"/>
+      </a:fontRef>
+    </dgm:style>
+  </dgm:styleLbl>
+  <dgm:styleLbl name="asst4">
+    <dgm:scene3d>
+      <a:camera prst="orthographicFront"/>
+      <a:lightRig rig="threePt" dir="t"/>
+    </dgm:scene3d>
+    <dgm:sp3d/>
+    <dgm:txPr/>
+    <dgm:style>
+      <a:lnRef idx="2">
+        <a:scrgbClr r="0" g="0" b="0"/>
+      </a:lnRef>
+      <a:fillRef idx="1">
+        <a:scrgbClr r="0" g="0" b="0"/>
+      </a:fillRef>
+      <a:effectRef idx="0">
+        <a:scrgbClr r="0" g="0" b="0"/>
+      </a:effectRef>
+      <a:fontRef idx="minor">
+        <a:schemeClr val="lt1"/>
+      </a:fontRef>
+    </dgm:style>
+  </dgm:styleLbl>
+  <dgm:styleLbl name="parChTrans2D1">
+    <dgm:scene3d>
+      <a:camera prst="orthographicFront"/>
+      <a:lightRig rig="threePt" dir="t"/>
+    </dgm:scene3d>
+    <dgm:sp3d/>
+    <dgm:txPr/>
+    <dgm:style>
+      <a:lnRef idx="2">
+        <a:scrgbClr r="0" g="0" b="0"/>
+      </a:lnRef>
+      <a:fillRef idx="1">
+        <a:scrgbClr r="0" g="0" b="0"/>
+      </a:fillRef>
+      <a:effectRef idx="0">
+        <a:scrgbClr r="0" g="0" b="0"/>
+      </a:effectRef>
+      <a:fontRef idx="minor">
+        <a:schemeClr val="lt1"/>
+      </a:fontRef>
+    </dgm:style>
+  </dgm:styleLbl>
+  <dgm:styleLbl name="parChTrans2D2">
+    <dgm:scene3d>
+      <a:camera prst="orthographicFront"/>
+      <a:lightRig rig="threePt" dir="t"/>
+    </dgm:scene3d>
+    <dgm:sp3d/>
+    <dgm:txPr/>
+    <dgm:style>
+      <a:lnRef idx="2">
+        <a:scrgbClr r="0" g="0" b="0"/>
+      </a:lnRef>
+      <a:fillRef idx="1">
+        <a:scrgbClr r="0" g="0" b="0"/>
+      </a:fillRef>
+      <a:effectRef idx="0">
+        <a:scrgbClr r="0" g="0" b="0"/>
+      </a:effectRef>
+      <a:fontRef idx="minor">
+        <a:schemeClr val="lt1"/>
+      </a:fontRef>
+    </dgm:style>
+  </dgm:styleLbl>
+  <dgm:styleLbl name="parChTrans2D3">
+    <dgm:scene3d>
+      <a:camera prst="orthographicFront"/>
+      <a:lightRig rig="threePt" dir="t"/>
+    </dgm:scene3d>
+    <dgm:sp3d/>
+    <dgm:txPr/>
+    <dgm:style>
+      <a:lnRef idx="2">
+        <a:scrgbClr r="0" g="0" b="0"/>
+      </a:lnRef>
+      <a:fillRef idx="1">
+        <a:scrgbClr r="0" g="0" b="0"/>
+      </a:fillRef>
+      <a:effectRef idx="0">
+        <a:scrgbClr r="0" g="0" b="0"/>
+      </a:effectRef>
+      <a:fontRef idx="minor">
+        <a:schemeClr val="lt1"/>
+      </a:fontRef>
+    </dgm:style>
+  </dgm:styleLbl>
+  <dgm:styleLbl name="parChTrans2D4">
+    <dgm:scene3d>
+      <a:camera prst="orthographicFront"/>
+      <a:lightRig rig="threePt" dir="t"/>
+    </dgm:scene3d>
+    <dgm:sp3d/>
+    <dgm:txPr/>
+    <dgm:style>
+      <a:lnRef idx="2">
+        <a:scrgbClr r="0" g="0" b="0"/>
+      </a:lnRef>
+      <a:fillRef idx="1">
+        <a:scrgbClr r="0" g="0" b="0"/>
+      </a:fillRef>
+      <a:effectRef idx="0">
+        <a:scrgbClr r="0" g="0" b="0"/>
+      </a:effectRef>
+      <a:fontRef idx="minor">
+        <a:schemeClr val="lt1"/>
+      </a:fontRef>
+    </dgm:style>
+  </dgm:styleLbl>
+  <dgm:styleLbl name="parChTrans1D1">
+    <dgm:scene3d>
+      <a:camera prst="orthographicFront"/>
+      <a:lightRig rig="threePt" dir="t"/>
+    </dgm:scene3d>
+    <dgm:sp3d/>
+    <dgm:txPr/>
+    <dgm:style>
+      <a:lnRef idx="2">
+        <a:scrgbClr r="0" g="0" b="0"/>
+      </a:lnRef>
+      <a:fillRef idx="0">
+        <a:scrgbClr r="0" g="0" b="0"/>
+      </a:fillRef>
+      <a:effectRef idx="0">
+        <a:scrgbClr r="0" g="0" b="0"/>
+      </a:effectRef>
+      <a:fontRef idx="minor"/>
+    </dgm:style>
+  </dgm:styleLbl>
+  <dgm:styleLbl name="parChTrans1D2">
+    <dgm:scene3d>
+      <a:camera prst="orthographicFront"/>
+      <a:lightRig rig="threePt" dir="t"/>
+    </dgm:scene3d>
+    <dgm:sp3d/>
+    <dgm:txPr/>
+    <dgm:style>
+      <a:lnRef idx="2">
+        <a:scrgbClr r="0" g="0" b="0"/>
+      </a:lnRef>
+      <a:fillRef idx="0">
+        <a:scrgbClr r="0" g="0" b="0"/>
+      </a:fillRef>
+      <a:effectRef idx="0">
+        <a:scrgbClr r="0" g="0" b="0"/>
+      </a:effectRef>
+      <a:fontRef idx="minor"/>
+    </dgm:style>
+  </dgm:styleLbl>
+  <dgm:styleLbl name="parChTrans1D3">
+    <dgm:scene3d>
+      <a:camera prst="orthographicFront"/>
+      <a:lightRig rig="threePt" dir="t"/>
+    </dgm:scene3d>
+    <dgm:sp3d/>
+    <dgm:txPr/>
+    <dgm:style>
+      <a:lnRef idx="2">
+        <a:scrgbClr r="0" g="0" b="0"/>
+      </a:lnRef>
+      <a:fillRef idx="0">
+        <a:scrgbClr r="0" g="0" b="0"/>
+      </a:fillRef>
+      <a:effectRef idx="0">
+        <a:scrgbClr r="0" g="0" b="0"/>
+      </a:effectRef>
+      <a:fontRef idx="minor"/>
+    </dgm:style>
+  </dgm:styleLbl>
+  <dgm:styleLbl name="parChTrans1D4">
+    <dgm:scene3d>
+      <a:camera prst="orthographicFront"/>
+      <a:lightRig rig="threePt" dir="t"/>
+    </dgm:scene3d>
+    <dgm:sp3d/>
+    <dgm:txPr/>
+    <dgm:style>
+      <a:lnRef idx="2">
+        <a:scrgbClr r="0" g="0" b="0"/>
+      </a:lnRef>
+      <a:fillRef idx="0">
+        <a:scrgbClr r="0" g="0" b="0"/>
+      </a:fillRef>
+      <a:effectRef idx="0">
+        <a:scrgbClr r="0" g="0" b="0"/>
+      </a:effectRef>
+      <a:fontRef idx="minor"/>
+    </dgm:style>
+  </dgm:styleLbl>
+  <dgm:styleLbl name="fgAcc1">
+    <dgm:scene3d>
+      <a:camera prst="orthographicFront"/>
+      <a:lightRig rig="threePt" dir="t"/>
+    </dgm:scene3d>
+    <dgm:sp3d/>
+    <dgm:txPr/>
+    <dgm:style>
+      <a:lnRef idx="2">
+        <a:scrgbClr r="0" g="0" b="0"/>
+      </a:lnRef>
+      <a:fillRef idx="1">
+        <a:scrgbClr r="0" g="0" b="0"/>
+      </a:fillRef>
+      <a:effectRef idx="0">
+        <a:scrgbClr r="0" g="0" b="0"/>
+      </a:effectRef>
+      <a:fontRef idx="minor"/>
+    </dgm:style>
+  </dgm:styleLbl>
+  <dgm:styleLbl name="conFgAcc1">
+    <dgm:scene3d>
+      <a:camera prst="orthographicFront"/>
+      <a:lightRig rig="threePt" dir="t"/>
+    </dgm:scene3d>
+    <dgm:sp3d/>
+    <dgm:txPr/>
+    <dgm:style>
+      <a:lnRef idx="2">
+        <a:scrgbClr r="0" g="0" b="0"/>
+      </a:lnRef>
+      <a:fillRef idx="1">
+        <a:scrgbClr r="0" g="0" b="0"/>
+      </a:fillRef>
+      <a:effectRef idx="0">
+        <a:scrgbClr r="0" g="0" b="0"/>
+      </a:effectRef>
+      <a:fontRef idx="minor"/>
+    </dgm:style>
+  </dgm:styleLbl>
+  <dgm:styleLbl name="alignAcc1">
+    <dgm:scene3d>
+      <a:camera prst="orthographicFront"/>
+      <a:lightRig rig="threePt" dir="t"/>
+    </dgm:scene3d>
+    <dgm:sp3d/>
+    <dgm:txPr/>
+    <dgm:style>
+      <a:lnRef idx="2">
+        <a:scrgbClr r="0" g="0" b="0"/>
+      </a:lnRef>
+      <a:fillRef idx="1">
+        <a:scrgbClr r="0" g="0" b="0"/>
+      </a:fillRef>
+      <a:effectRef idx="0">
+        <a:scrgbClr r="0" g="0" b="0"/>
+      </a:effectRef>
+      <a:fontRef idx="minor"/>
+    </dgm:style>
+  </dgm:styleLbl>
+  <dgm:styleLbl name="trAlignAcc1">
+    <dgm:scene3d>
+      <a:camera prst="orthographicFront"/>
+      <a:lightRig rig="threePt" dir="t"/>
+    </dgm:scene3d>
+    <dgm:sp3d/>
+    <dgm:txPr/>
+    <dgm:style>
+      <a:lnRef idx="1">
+        <a:scrgbClr r="0" g="0" b="0"/>
+      </a:lnRef>
+      <a:fillRef idx="1">
+        <a:scrgbClr r="0" g="0" b="0"/>
+      </a:fillRef>
+      <a:effectRef idx="0">
+        <a:scrgbClr r="0" g="0" b="0"/>
+      </a:effectRef>
+      <a:fontRef idx="minor"/>
+    </dgm:style>
+  </dgm:styleLbl>
+  <dgm:styleLbl name="bgAcc1">
+    <dgm:scene3d>
+      <a:camera prst="orthographicFront"/>
+      <a:lightRig rig="threePt" dir="t"/>
+    </dgm:scene3d>
+    <dgm:sp3d/>
+    <dgm:txPr/>
+    <dgm:style>
+      <a:lnRef idx="2">
+        <a:scrgbClr r="0" g="0" b="0"/>
+      </a:lnRef>
+      <a:fillRef idx="1">
+        <a:scrgbClr r="0" g="0" b="0"/>
+      </a:fillRef>
+      <a:effectRef idx="0">
+        <a:scrgbClr r="0" g="0" b="0"/>
+      </a:effectRef>
+      <a:fontRef idx="minor"/>
+    </dgm:style>
+  </dgm:styleLbl>
+  <dgm:styleLbl name="solidFgAcc1">
+    <dgm:scene3d>
+      <a:camera prst="orthographicFront"/>
+      <a:lightRig rig="threePt" dir="t"/>
+    </dgm:scene3d>
+    <dgm:sp3d/>
+    <dgm:txPr/>
+    <dgm:style>
+      <a:lnRef idx="2">
+        <a:scrgbClr r="0" g="0" b="0"/>
+      </a:lnRef>
+      <a:fillRef idx="1">
+        <a:scrgbClr r="0" g="0" b="0"/>
+      </a:fillRef>
+      <a:effectRef idx="0">
+        <a:scrgbClr r="0" g="0" b="0"/>
+      </a:effectRef>
+      <a:fontRef idx="minor"/>
+    </dgm:style>
+  </dgm:styleLbl>
+  <dgm:styleLbl name="solidAlignAcc1">
+    <dgm:scene3d>
+      <a:camera prst="orthographicFront"/>
+      <a:lightRig rig="threePt" dir="t"/>
+    </dgm:scene3d>
+    <dgm:sp3d/>
+    <dgm:txPr/>
+    <dgm:style>
+      <a:lnRef idx="2">
+        <a:scrgbClr r="0" g="0" b="0"/>
+      </a:lnRef>
+      <a:fillRef idx="1">
+        <a:scrgbClr r="0" g="0" b="0"/>
+      </a:fillRef>
+      <a:effectRef idx="0">
+        <a:scrgbClr r="0" g="0" b="0"/>
+      </a:effectRef>
+      <a:fontRef idx="minor"/>
+    </dgm:style>
+  </dgm:styleLbl>
+  <dgm:styleLbl name="solidBgAcc1">
+    <dgm:scene3d>
+      <a:camera prst="orthographicFront"/>
+      <a:lightRig rig="threePt" dir="t"/>
+    </dgm:scene3d>
+    <dgm:sp3d/>
+    <dgm:txPr/>
+    <dgm:style>
+      <a:lnRef idx="2">
+        <a:scrgbClr r="0" g="0" b="0"/>
+      </a:lnRef>
+      <a:fillRef idx="1">
+        <a:scrgbClr r="0" g="0" b="0"/>
+      </a:fillRef>
+      <a:effectRef idx="0">
+        <a:scrgbClr r="0" g="0" b="0"/>
+      </a:effectRef>
+      <a:fontRef idx="minor"/>
+    </dgm:style>
+  </dgm:styleLbl>
+  <dgm:styleLbl name="fgAccFollowNode1">
+    <dgm:scene3d>
+      <a:camera prst="orthographicFront"/>
+      <a:lightRig rig="threePt" dir="t"/>
+    </dgm:scene3d>
+    <dgm:sp3d/>
+    <dgm:txPr/>
+    <dgm:style>
+      <a:lnRef idx="2">
+        <a:scrgbClr r="0" g="0" b="0"/>
+      </a:lnRef>
+      <a:fillRef idx="1">
+        <a:scrgbClr r="0" g="0" b="0"/>
+      </a:fillRef>
+      <a:effectRef idx="0">
+        <a:scrgbClr r="0" g="0" b="0"/>
+      </a:effectRef>
+      <a:fontRef idx="minor"/>
+    </dgm:style>
+  </dgm:styleLbl>
+  <dgm:styleLbl name="alignAccFollowNode1">
+    <dgm:scene3d>
+      <a:camera prst="orthographicFront"/>
+      <a:lightRig rig="threePt" dir="t"/>
+    </dgm:scene3d>
+    <dgm:sp3d/>
+    <dgm:txPr/>
+    <dgm:style>
+      <a:lnRef idx="2">
+        <a:scrgbClr r="0" g="0" b="0"/>
+      </a:lnRef>
+      <a:fillRef idx="1">
+        <a:scrgbClr r="0" g="0" b="0"/>
+      </a:fillRef>
+      <a:effectRef idx="0">
+        <a:scrgbClr r="0" g="0" b="0"/>
+      </a:effectRef>
+      <a:fontRef idx="minor"/>
+    </dgm:style>
+  </dgm:styleLbl>
+  <dgm:styleLbl name="bgAccFollowNode1">
+    <dgm:scene3d>
+      <a:camera prst="orthographicFront"/>
+      <a:lightRig rig="threePt" dir="t"/>
+    </dgm:scene3d>
+    <dgm:sp3d/>
+    <dgm:txPr/>
+    <dgm:style>
+      <a:lnRef idx="2">
+        <a:scrgbClr r="0" g="0" b="0"/>
+      </a:lnRef>
+      <a:fillRef idx="1">
+        <a:scrgbClr r="0" g="0" b="0"/>
+      </a:fillRef>
+      <a:effectRef idx="0">
+        <a:scrgbClr r="0" g="0" b="0"/>
+      </a:effectRef>
+      <a:fontRef idx="minor"/>
+    </dgm:style>
+  </dgm:styleLbl>
+  <dgm:styleLbl name="fgAcc0">
+    <dgm:scene3d>
+      <a:camera prst="orthographicFront"/>
+      <a:lightRig rig="threePt" dir="t"/>
+    </dgm:scene3d>
+    <dgm:sp3d/>
+    <dgm:txPr/>
+    <dgm:style>
+      <a:lnRef idx="2">
+        <a:scrgbClr r="0" g="0" b="0"/>
+      </a:lnRef>
+      <a:fillRef idx="1">
+        <a:scrgbClr r="0" g="0" b="0"/>
+      </a:fillRef>
+      <a:effectRef idx="0">
+        <a:scrgbClr r="0" g="0" b="0"/>
+      </a:effectRef>
+      <a:fontRef idx="minor"/>
+    </dgm:style>
+  </dgm:styleLbl>
+  <dgm:styleLbl name="fgAcc2">
+    <dgm:scene3d>
+      <a:camera prst="orthographicFront"/>
+      <a:lightRig rig="threePt" dir="t"/>
+    </dgm:scene3d>
+    <dgm:sp3d/>
+    <dgm:txPr/>
+    <dgm:style>
+      <a:lnRef idx="2">
+        <a:scrgbClr r="0" g="0" b="0"/>
+      </a:lnRef>
+      <a:fillRef idx="1">
+        <a:scrgbClr r="0" g="0" b="0"/>
+      </a:fillRef>
+      <a:effectRef idx="0">
+        <a:scrgbClr r="0" g="0" b="0"/>
+      </a:effectRef>
+      <a:fontRef idx="minor"/>
+    </dgm:style>
+  </dgm:styleLbl>
+  <dgm:styleLbl name="fgAcc3">
+    <dgm:scene3d>
+      <a:camera prst="orthographicFront"/>
+      <a:lightRig rig="threePt" dir="t"/>
+    </dgm:scene3d>
+    <dgm:sp3d/>
+    <dgm:txPr/>
+    <dgm:style>
+      <a:lnRef idx="2">
+        <a:scrgbClr r="0" g="0" b="0"/>
+      </a:lnRef>
+      <a:fillRef idx="1">
+        <a:scrgbClr r="0" g="0" b="0"/>
+      </a:fillRef>
+      <a:effectRef idx="0">
+        <a:scrgbClr r="0" g="0" b="0"/>
+      </a:effectRef>
+      <a:fontRef idx="minor"/>
+    </dgm:style>
+  </dgm:styleLbl>
+  <dgm:styleLbl name="fgAcc4">
+    <dgm:scene3d>
+      <a:camera prst="orthographicFront"/>
+      <a:lightRig rig="threePt" dir="t"/>
+    </dgm:scene3d>
+    <dgm:sp3d/>
+    <dgm:txPr/>
+    <dgm:style>
+      <a:lnRef idx="2">
+        <a:scrgbClr r="0" g="0" b="0"/>
+      </a:lnRef>
+      <a:fillRef idx="1">
+        <a:scrgbClr r="0" g="0" b="0"/>
+      </a:fillRef>
+      <a:effectRef idx="0">
+        <a:scrgbClr r="0" g="0" b="0"/>
+      </a:effectRef>
+      <a:fontRef idx="minor"/>
+    </dgm:style>
+  </dgm:styleLbl>
+  <dgm:styleLbl name="bgShp">
+    <dgm:scene3d>
+      <a:camera prst="orthographicFront"/>
+      <a:lightRig rig="threePt" dir="t"/>
+    </dgm:scene3d>
+    <dgm:sp3d/>
+    <dgm:txPr/>
+    <dgm:style>
+      <a:lnRef idx="0">
+        <a:scrgbClr r="0" g="0" b="0"/>
+      </a:lnRef>
+      <a:fillRef idx="1">
+        <a:scrgbClr r="0" g="0" b="0"/>
+      </a:fillRef>
+      <a:effectRef idx="0">
+        <a:scrgbClr r="0" g="0" b="0"/>
+      </a:effectRef>
+      <a:fontRef idx="minor"/>
+    </dgm:style>
+  </dgm:styleLbl>
+  <dgm:styleLbl name="dkBgShp">
+    <dgm:scene3d>
+      <a:camera prst="orthographicFront"/>
+      <a:lightRig rig="threePt" dir="t"/>
+    </dgm:scene3d>
+    <dgm:sp3d/>
+    <dgm:txPr/>
+    <dgm:style>
+      <a:lnRef idx="0">
+        <a:scrgbClr r="0" g="0" b="0"/>
+      </a:lnRef>
+      <a:fillRef idx="1">
+        <a:scrgbClr r="0" g="0" b="0"/>
+      </a:fillRef>
+      <a:effectRef idx="0">
+        <a:scrgbClr r="0" g="0" b="0"/>
+      </a:effectRef>
+      <a:fontRef idx="minor"/>
+    </dgm:style>
+  </dgm:styleLbl>
+  <dgm:styleLbl name="trBgShp">
+    <dgm:scene3d>
+      <a:camera prst="orthographicFront"/>
+      <a:lightRig rig="threePt" dir="t"/>
+    </dgm:scene3d>
+    <dgm:sp3d/>
+    <dgm:txPr/>
+    <dgm:style>
+      <a:lnRef idx="0">
+        <a:scrgbClr r="0" g="0" b="0"/>
+      </a:lnRef>
+      <a:fillRef idx="1">
+        <a:scrgbClr r="0" g="0" b="0"/>
+      </a:fillRef>
+      <a:effectRef idx="0">
+        <a:scrgbClr r="0" g="0" b="0"/>
+      </a:effectRef>
+      <a:fontRef idx="minor"/>
+    </dgm:style>
+  </dgm:styleLbl>
+  <dgm:styleLbl name="fgShp">
+    <dgm:scene3d>
+      <a:camera prst="orthographicFront"/>
+      <a:lightRig rig="threePt" dir="t"/>
+    </dgm:scene3d>
+    <dgm:sp3d/>
+    <dgm:txPr/>
+    <dgm:style>
+      <a:lnRef idx="2">
+        <a:scrgbClr r="0" g="0" b="0"/>
+      </a:lnRef>
+      <a:fillRef idx="1">
+        <a:scrgbClr r="0" g="0" b="0"/>
+      </a:fillRef>
+      <a:effectRef idx="0">
+        <a:scrgbClr r="0" g="0" b="0"/>
+      </a:effectRef>
+      <a:fontRef idx="minor"/>
+    </dgm:style>
+  </dgm:styleLbl>
+  <dgm:styleLbl name="revTx">
+    <dgm:scene3d>
+      <a:camera prst="orthographicFront"/>
+      <a:lightRig rig="threePt" dir="t"/>
+    </dgm:scene3d>
+    <dgm:sp3d/>
+    <dgm:txPr/>
+    <dgm:style>
+      <a:lnRef idx="0">
+        <a:scrgbClr r="0" g="0" b="0"/>
+      </a:lnRef>
+      <a:fillRef idx="0">
+        <a:scrgbClr r="0" g="0" b="0"/>
+      </a:fillRef>
+      <a:effectRef idx="0">
+        <a:scrgbClr r="0" g="0" b="0"/>
+      </a:effectRef>
+      <a:fontRef idx="minor"/>
+    </dgm:style>
+  </dgm:styleLbl>
+</dgm:styleDef>
+</file>
+
+<file path=ppt/diagrams/quickStyle7.xml><?xml version="1.0" encoding="utf-8"?>
 <dgm:styleDef xmlns:dgm="http://schemas.openxmlformats.org/drawingml/2006/diagram" xmlns:a="http://schemas.openxmlformats.org/drawingml/2006/main" uniqueId="urn:microsoft.com/office/officeart/2005/8/quickstyle/simple1">
   <dgm:title val=""/>
   <dgm:desc val=""/>
@@ -15193,7 +17757,7 @@
             <a:fld id="{08B9EBBA-996F-894A-B54A-D6246ED52CEA}" type="datetimeFigureOut">
               <a:rPr lang="en-US" dirty="0"/>
               <a:pPr/>
-              <a:t>1/8/2024</a:t>
+              <a:t>1/12/2024</a:t>
             </a:fld>
             <a:endParaRPr lang="en-US" dirty="0"/>
           </a:p>
@@ -15508,7 +18072,7 @@
             <a:fld id="{18C79C5D-2A6F-F04D-97DA-BEF2467B64E4}" type="datetimeFigureOut">
               <a:rPr lang="en-US" dirty="0"/>
               <a:pPr/>
-              <a:t>1/8/2024</a:t>
+              <a:t>1/12/2024</a:t>
             </a:fld>
             <a:endParaRPr lang="en-US" dirty="0"/>
           </a:p>
@@ -15993,7 +18557,7 @@
             <a:fld id="{8DFA1846-DA80-1C48-A609-854EA85C59AD}" type="datetimeFigureOut">
               <a:rPr lang="en-US" dirty="0"/>
               <a:pPr/>
-              <a:t>1/8/2024</a:t>
+              <a:t>1/12/2024</a:t>
             </a:fld>
             <a:endParaRPr lang="en-US" dirty="0"/>
           </a:p>
@@ -16359,7 +18923,7 @@
             <a:fld id="{FBF54567-0DE4-3F47-BF90-CB84690072F9}" type="datetimeFigureOut">
               <a:rPr lang="en-US" dirty="0"/>
               <a:pPr/>
-              <a:t>1/8/2024</a:t>
+              <a:t>1/12/2024</a:t>
             </a:fld>
             <a:endParaRPr lang="en-US" dirty="0"/>
           </a:p>
@@ -16629,7 +19193,7 @@
             <a:fld id="{C6C52C72-DE31-F449-A4ED-4C594FD91407}" type="datetimeFigureOut">
               <a:rPr lang="en-US" dirty="0"/>
               <a:pPr/>
-              <a:t>1/8/2024</a:t>
+              <a:t>1/12/2024</a:t>
             </a:fld>
             <a:endParaRPr lang="en-US" dirty="0"/>
           </a:p>
@@ -16911,7 +19475,7 @@
             <a:fld id="{ED62726E-379B-B349-9EED-81ED093FA806}" type="datetimeFigureOut">
               <a:rPr lang="en-US" dirty="0"/>
               <a:pPr/>
-              <a:t>1/8/2024</a:t>
+              <a:t>1/12/2024</a:t>
             </a:fld>
             <a:endParaRPr lang="en-US" dirty="0"/>
           </a:p>
@@ -17191,7 +19755,7 @@
             <a:fld id="{9B3A1323-8D79-1946-B0D7-40001CF92E9D}" type="datetimeFigureOut">
               <a:rPr lang="en-US" dirty="0"/>
               <a:pPr/>
-              <a:t>1/8/2024</a:t>
+              <a:t>1/12/2024</a:t>
             </a:fld>
             <a:endParaRPr lang="en-US" dirty="0"/>
           </a:p>
@@ -17531,7 +20095,7 @@
             <a:fld id="{8DFA1846-DA80-1C48-A609-854EA85C59AD}" type="datetimeFigureOut">
               <a:rPr lang="en-US" dirty="0"/>
               <a:pPr/>
-              <a:t>1/8/2024</a:t>
+              <a:t>1/12/2024</a:t>
             </a:fld>
             <a:endParaRPr lang="en-US" dirty="0"/>
           </a:p>
@@ -17867,7 +20431,7 @@
             <a:fld id="{57302355-E14B-8545-A8F8-0FE83CC9D524}" type="datetimeFigureOut">
               <a:rPr lang="en-US" dirty="0"/>
               <a:pPr/>
-              <a:t>1/8/2024</a:t>
+              <a:t>1/12/2024</a:t>
             </a:fld>
             <a:endParaRPr lang="en-US" dirty="0"/>
           </a:p>
@@ -18341,7 +20905,7 @@
             <a:fld id="{02640F58-564D-2B4F-AE67-E407BA4FCF45}" type="datetimeFigureOut">
               <a:rPr lang="en-US" dirty="0"/>
               <a:pPr/>
-              <a:t>1/8/2024</a:t>
+              <a:t>1/12/2024</a:t>
             </a:fld>
             <a:endParaRPr lang="en-US" dirty="0"/>
           </a:p>
@@ -18559,7 +21123,7 @@
             <a:fld id="{F13A34C8-038E-2045-AF43-DF7DBB8E0E9E}" type="datetimeFigureOut">
               <a:rPr lang="en-US" dirty="0"/>
               <a:pPr/>
-              <a:t>1/8/2024</a:t>
+              <a:t>1/12/2024</a:t>
             </a:fld>
             <a:endParaRPr lang="en-US" dirty="0"/>
           </a:p>
@@ -18651,7 +21215,7 @@
             <a:fld id="{8818C68F-D26B-8F47-958C-23B49CF8A634}" type="datetimeFigureOut">
               <a:rPr lang="en-US" dirty="0"/>
               <a:pPr/>
-              <a:t>1/8/2024</a:t>
+              <a:t>1/12/2024</a:t>
             </a:fld>
             <a:endParaRPr lang="en-US" dirty="0"/>
           </a:p>
@@ -19115,7 +21679,7 @@
             <a:fld id="{D0DF5E60-9974-AC48-9591-99C2BB44B7CF}" type="datetimeFigureOut">
               <a:rPr lang="en-US" dirty="0"/>
               <a:pPr/>
-              <a:t>1/8/2024</a:t>
+              <a:t>1/12/2024</a:t>
             </a:fld>
             <a:endParaRPr lang="en-US" dirty="0"/>
           </a:p>
@@ -19425,7 +21989,7 @@
             <a:fld id="{18C79C5D-2A6F-F04D-97DA-BEF2467B64E4}" type="datetimeFigureOut">
               <a:rPr lang="en-US" dirty="0"/>
               <a:pPr/>
-              <a:t>1/8/2024</a:t>
+              <a:t>1/12/2024</a:t>
             </a:fld>
             <a:endParaRPr lang="en-US" dirty="0"/>
           </a:p>
@@ -19692,7 +22256,7 @@
             <a:fld id="{09B482E8-6E0E-1B4F-B1FD-C69DB9E858D9}" type="datetimeFigureOut">
               <a:rPr lang="en-US" dirty="0"/>
               <a:pPr/>
-              <a:t>1/8/2024</a:t>
+              <a:t>1/12/2024</a:t>
             </a:fld>
             <a:endParaRPr lang="en-US" dirty="0"/>
           </a:p>
@@ -20296,7 +22860,7 @@
             <p:ph idx="1"/>
             <p:extLst>
               <p:ext uri="{D42A27DB-BD31-4B8C-83A1-F6EECF244321}">
-                <p14:modId xmlns:p14="http://schemas.microsoft.com/office/powerpoint/2010/main" val="3008219291"/>
+                <p14:modId xmlns:p14="http://schemas.microsoft.com/office/powerpoint/2010/main" val="1755229431"/>
               </p:ext>
             </p:extLst>
           </p:nvPr>
@@ -20626,382 +23190,42 @@
           <a:lstStyle/>
           <a:p>
             <a:r>
-              <a:rPr lang="es-ES" dirty="0" smtClean="0"/>
-              <a:t>RPG </a:t>
-            </a:r>
-            <a:r>
               <a:rPr lang="es-ES" dirty="0" err="1" smtClean="0"/>
-              <a:t>pilars</a:t>
+              <a:t>Metodologia</a:t>
             </a:r>
             <a:endParaRPr lang="ca-ES" dirty="0"/>
           </a:p>
         </p:txBody>
       </p:sp>
-      <p:sp>
-        <p:nvSpPr>
-          <p:cNvPr id="3" name="Marcador de contenido 2"/>
-          <p:cNvSpPr>
-            <a:spLocks noGrp="1"/>
-          </p:cNvSpPr>
+      <p:graphicFrame>
+        <p:nvGraphicFramePr>
+          <p:cNvPr id="5" name="Marcador de contenido 4"/>
+          <p:cNvGraphicFramePr>
+            <a:graphicFrameLocks noGrp="1"/>
+          </p:cNvGraphicFramePr>
           <p:nvPr>
             <p:ph idx="1"/>
+            <p:extLst>
+              <p:ext uri="{D42A27DB-BD31-4B8C-83A1-F6EECF244321}">
+                <p14:modId xmlns:p14="http://schemas.microsoft.com/office/powerpoint/2010/main" val="1684224300"/>
+              </p:ext>
+            </p:extLst>
           </p:nvPr>
-        </p:nvSpPr>
-        <p:spPr/>
-        <p:txBody>
-          <a:bodyPr/>
-          <a:lstStyle/>
-          <a:p>
-            <a:endParaRPr lang="ca-ES"/>
-          </a:p>
-        </p:txBody>
-      </p:sp>
-      <p:grpSp>
-        <p:nvGrpSpPr>
-          <p:cNvPr id="5" name="Grupo 4"/>
-          <p:cNvGrpSpPr/>
-          <p:nvPr/>
-        </p:nvGrpSpPr>
-        <p:grpSpPr>
-          <a:xfrm>
-            <a:off x="819150" y="2913418"/>
-            <a:ext cx="3298031" cy="1978818"/>
-            <a:chOff x="0" y="829072"/>
-            <a:chExt cx="3298031" cy="1978818"/>
-          </a:xfrm>
-        </p:grpSpPr>
-        <p:sp>
-          <p:nvSpPr>
-            <p:cNvPr id="13" name="Rectángulo 12"/>
-            <p:cNvSpPr/>
-            <p:nvPr/>
-          </p:nvSpPr>
-          <p:spPr>
-            <a:xfrm>
-              <a:off x="0" y="829072"/>
-              <a:ext cx="3298031" cy="1978818"/>
-            </a:xfrm>
-            <a:prstGeom prst="rect">
-              <a:avLst/>
-            </a:prstGeom>
-          </p:spPr>
-          <p:style>
-            <a:lnRef idx="2">
-              <a:schemeClr val="lt1">
-                <a:hueOff val="0"/>
-                <a:satOff val="0"/>
-                <a:lumOff val="0"/>
-                <a:alphaOff val="0"/>
-              </a:schemeClr>
-            </a:lnRef>
-            <a:fillRef idx="1">
-              <a:schemeClr val="accent1">
-                <a:hueOff val="0"/>
-                <a:satOff val="0"/>
-                <a:lumOff val="0"/>
-                <a:alphaOff val="0"/>
-              </a:schemeClr>
-            </a:fillRef>
-            <a:effectRef idx="0">
-              <a:schemeClr val="accent1">
-                <a:hueOff val="0"/>
-                <a:satOff val="0"/>
-                <a:lumOff val="0"/>
-                <a:alphaOff val="0"/>
-              </a:schemeClr>
-            </a:effectRef>
-            <a:fontRef idx="minor">
-              <a:schemeClr val="lt1"/>
-            </a:fontRef>
-          </p:style>
-        </p:sp>
-        <p:sp>
-          <p:nvSpPr>
-            <p:cNvPr id="14" name="CuadroTexto 13"/>
-            <p:cNvSpPr txBox="1"/>
-            <p:nvPr/>
-          </p:nvSpPr>
-          <p:spPr>
-            <a:xfrm>
-              <a:off x="0" y="829072"/>
-              <a:ext cx="3298031" cy="1978818"/>
-            </a:xfrm>
-            <a:prstGeom prst="rect">
-              <a:avLst/>
-            </a:prstGeom>
-          </p:spPr>
-          <p:style>
-            <a:lnRef idx="0">
-              <a:scrgbClr r="0" g="0" b="0"/>
-            </a:lnRef>
-            <a:fillRef idx="0">
-              <a:scrgbClr r="0" g="0" b="0"/>
-            </a:fillRef>
-            <a:effectRef idx="0">
-              <a:scrgbClr r="0" g="0" b="0"/>
-            </a:effectRef>
-            <a:fontRef idx="minor">
-              <a:schemeClr val="lt1"/>
-            </a:fontRef>
-          </p:style>
-          <p:txBody>
-            <a:bodyPr spcFirstLastPara="0" vert="horz" wrap="square" lIns="175260" tIns="175260" rIns="175260" bIns="175260" numCol="1" spcCol="1270" anchor="ctr" anchorCtr="0">
-              <a:noAutofit/>
-            </a:bodyPr>
-            <a:lstStyle/>
-            <a:p>
-              <a:pPr lvl="0" algn="ctr" defTabSz="2044700">
-                <a:lnSpc>
-                  <a:spcPct val="90000"/>
-                </a:lnSpc>
-                <a:spcBef>
-                  <a:spcPct val="0"/>
-                </a:spcBef>
-                <a:spcAft>
-                  <a:spcPct val="35000"/>
-                </a:spcAft>
-              </a:pPr>
-              <a:r>
-                <a:rPr lang="es-ES" sz="4600" kern="1200" dirty="0" err="1" smtClean="0"/>
-                <a:t>Exploració</a:t>
-              </a:r>
-              <a:endParaRPr lang="es-ES" sz="4600" kern="1200" dirty="0"/>
-            </a:p>
-          </p:txBody>
-        </p:sp>
-      </p:grpSp>
-      <p:grpSp>
-        <p:nvGrpSpPr>
-          <p:cNvPr id="6" name="Grupo 5"/>
-          <p:cNvGrpSpPr/>
-          <p:nvPr/>
-        </p:nvGrpSpPr>
-        <p:grpSpPr>
-          <a:xfrm>
-            <a:off x="4446984" y="2913418"/>
-            <a:ext cx="3298031" cy="1978818"/>
-            <a:chOff x="3627834" y="829072"/>
-            <a:chExt cx="3298031" cy="1978818"/>
-          </a:xfrm>
-        </p:grpSpPr>
-        <p:sp>
-          <p:nvSpPr>
-            <p:cNvPr id="11" name="Rectángulo 10"/>
-            <p:cNvSpPr/>
-            <p:nvPr/>
-          </p:nvSpPr>
-          <p:spPr>
-            <a:xfrm>
-              <a:off x="3627834" y="829072"/>
-              <a:ext cx="3298031" cy="1978818"/>
-            </a:xfrm>
-            <a:prstGeom prst="rect">
-              <a:avLst/>
-            </a:prstGeom>
-          </p:spPr>
-          <p:style>
-            <a:lnRef idx="2">
-              <a:schemeClr val="lt1">
-                <a:hueOff val="0"/>
-                <a:satOff val="0"/>
-                <a:lumOff val="0"/>
-                <a:alphaOff val="0"/>
-              </a:schemeClr>
-            </a:lnRef>
-            <a:fillRef idx="1">
-              <a:schemeClr val="accent1">
-                <a:hueOff val="0"/>
-                <a:satOff val="0"/>
-                <a:lumOff val="0"/>
-                <a:alphaOff val="0"/>
-              </a:schemeClr>
-            </a:fillRef>
-            <a:effectRef idx="0">
-              <a:schemeClr val="accent1">
-                <a:hueOff val="0"/>
-                <a:satOff val="0"/>
-                <a:lumOff val="0"/>
-                <a:alphaOff val="0"/>
-              </a:schemeClr>
-            </a:effectRef>
-            <a:fontRef idx="minor">
-              <a:schemeClr val="lt1"/>
-            </a:fontRef>
-          </p:style>
-        </p:sp>
-        <p:sp>
-          <p:nvSpPr>
-            <p:cNvPr id="12" name="CuadroTexto 11"/>
-            <p:cNvSpPr txBox="1"/>
-            <p:nvPr/>
-          </p:nvSpPr>
-          <p:spPr>
-            <a:xfrm>
-              <a:off x="3627834" y="829072"/>
-              <a:ext cx="3298031" cy="1978818"/>
-            </a:xfrm>
-            <a:prstGeom prst="rect">
-              <a:avLst/>
-            </a:prstGeom>
-          </p:spPr>
-          <p:style>
-            <a:lnRef idx="0">
-              <a:scrgbClr r="0" g="0" b="0"/>
-            </a:lnRef>
-            <a:fillRef idx="0">
-              <a:scrgbClr r="0" g="0" b="0"/>
-            </a:fillRef>
-            <a:effectRef idx="0">
-              <a:scrgbClr r="0" g="0" b="0"/>
-            </a:effectRef>
-            <a:fontRef idx="minor">
-              <a:schemeClr val="lt1"/>
-            </a:fontRef>
-          </p:style>
-          <p:txBody>
-            <a:bodyPr spcFirstLastPara="0" vert="horz" wrap="square" lIns="175260" tIns="175260" rIns="175260" bIns="175260" numCol="1" spcCol="1270" anchor="ctr" anchorCtr="0">
-              <a:noAutofit/>
-            </a:bodyPr>
-            <a:lstStyle/>
-            <a:p>
-              <a:pPr lvl="0" algn="ctr" defTabSz="2044700">
-                <a:lnSpc>
-                  <a:spcPct val="90000"/>
-                </a:lnSpc>
-                <a:spcBef>
-                  <a:spcPct val="0"/>
-                </a:spcBef>
-                <a:spcAft>
-                  <a:spcPct val="35000"/>
-                </a:spcAft>
-              </a:pPr>
-              <a:r>
-                <a:rPr lang="es-ES" sz="4600" kern="1200" dirty="0" err="1" smtClean="0"/>
-                <a:t>Combat</a:t>
-              </a:r>
-              <a:endParaRPr lang="es-ES" sz="4600" kern="1200" dirty="0"/>
-            </a:p>
-          </p:txBody>
-        </p:sp>
-      </p:grpSp>
-      <p:grpSp>
-        <p:nvGrpSpPr>
-          <p:cNvPr id="7" name="Grupo 6"/>
-          <p:cNvGrpSpPr/>
-          <p:nvPr/>
-        </p:nvGrpSpPr>
-        <p:grpSpPr>
-          <a:xfrm>
-            <a:off x="8074818" y="2913418"/>
-            <a:ext cx="3298031" cy="1978818"/>
-            <a:chOff x="7255668" y="829072"/>
-            <a:chExt cx="3298031" cy="1978818"/>
-          </a:xfrm>
-        </p:grpSpPr>
-        <p:sp>
-          <p:nvSpPr>
-            <p:cNvPr id="8" name="Rectángulo 7"/>
-            <p:cNvSpPr/>
-            <p:nvPr/>
-          </p:nvSpPr>
-          <p:spPr>
-            <a:xfrm>
-              <a:off x="7255668" y="829072"/>
-              <a:ext cx="3298031" cy="1978818"/>
-            </a:xfrm>
-            <a:prstGeom prst="rect">
-              <a:avLst/>
-            </a:prstGeom>
-          </p:spPr>
-          <p:style>
-            <a:lnRef idx="2">
-              <a:schemeClr val="lt1">
-                <a:hueOff val="0"/>
-                <a:satOff val="0"/>
-                <a:lumOff val="0"/>
-                <a:alphaOff val="0"/>
-              </a:schemeClr>
-            </a:lnRef>
-            <a:fillRef idx="1">
-              <a:schemeClr val="accent1">
-                <a:hueOff val="0"/>
-                <a:satOff val="0"/>
-                <a:lumOff val="0"/>
-                <a:alphaOff val="0"/>
-              </a:schemeClr>
-            </a:fillRef>
-            <a:effectRef idx="0">
-              <a:schemeClr val="accent1">
-                <a:hueOff val="0"/>
-                <a:satOff val="0"/>
-                <a:lumOff val="0"/>
-                <a:alphaOff val="0"/>
-              </a:schemeClr>
-            </a:effectRef>
-            <a:fontRef idx="minor">
-              <a:schemeClr val="lt1"/>
-            </a:fontRef>
-          </p:style>
-        </p:sp>
-        <p:sp>
-          <p:nvSpPr>
-            <p:cNvPr id="9" name="CuadroTexto 8"/>
-            <p:cNvSpPr txBox="1"/>
-            <p:nvPr/>
-          </p:nvSpPr>
-          <p:spPr>
-            <a:xfrm>
-              <a:off x="7255668" y="829072"/>
-              <a:ext cx="3298031" cy="1978818"/>
-            </a:xfrm>
-            <a:prstGeom prst="rect">
-              <a:avLst/>
-            </a:prstGeom>
-          </p:spPr>
-          <p:style>
-            <a:lnRef idx="0">
-              <a:scrgbClr r="0" g="0" b="0"/>
-            </a:lnRef>
-            <a:fillRef idx="0">
-              <a:scrgbClr r="0" g="0" b="0"/>
-            </a:fillRef>
-            <a:effectRef idx="0">
-              <a:scrgbClr r="0" g="0" b="0"/>
-            </a:effectRef>
-            <a:fontRef idx="minor">
-              <a:schemeClr val="lt1"/>
-            </a:fontRef>
-          </p:style>
-          <p:txBody>
-            <a:bodyPr spcFirstLastPara="0" vert="horz" wrap="square" lIns="175260" tIns="175260" rIns="175260" bIns="175260" numCol="1" spcCol="1270" anchor="ctr" anchorCtr="0">
-              <a:noAutofit/>
-            </a:bodyPr>
-            <a:lstStyle/>
-            <a:p>
-              <a:pPr lvl="0" algn="ctr" defTabSz="2044700">
-                <a:lnSpc>
-                  <a:spcPct val="90000"/>
-                </a:lnSpc>
-                <a:spcBef>
-                  <a:spcPct val="0"/>
-                </a:spcBef>
-                <a:spcAft>
-                  <a:spcPct val="35000"/>
-                </a:spcAft>
-              </a:pPr>
-              <a:r>
-                <a:rPr lang="es-ES" sz="4600" kern="1200" dirty="0" err="1" smtClean="0"/>
-                <a:t>Progressió</a:t>
-              </a:r>
-              <a:endParaRPr lang="es-ES" sz="4600" kern="1200" dirty="0"/>
-            </a:p>
-          </p:txBody>
-        </p:sp>
-      </p:grpSp>
+        </p:nvGraphicFramePr>
+        <p:xfrm>
+          <a:off x="819150" y="2222500"/>
+          <a:ext cx="10553700" cy="3636963"/>
+        </p:xfrm>
+        <a:graphic>
+          <a:graphicData uri="http://schemas.openxmlformats.org/drawingml/2006/diagram">
+            <dgm:relIds xmlns:dgm="http://schemas.openxmlformats.org/drawingml/2006/diagram" xmlns:r="http://schemas.openxmlformats.org/officeDocument/2006/relationships" r:dm="rId2" r:lo="rId3" r:qs="rId4" r:cs="rId5"/>
+          </a:graphicData>
+        </a:graphic>
+      </p:graphicFrame>
     </p:spTree>
     <p:extLst>
       <p:ext uri="{BB962C8B-B14F-4D97-AF65-F5344CB8AC3E}">
-        <p14:creationId xmlns:p14="http://schemas.microsoft.com/office/powerpoint/2010/main" val="700483081"/>
+        <p14:creationId xmlns:p14="http://schemas.microsoft.com/office/powerpoint/2010/main" val="3846753872"/>
       </p:ext>
     </p:extLst>
   </p:cSld>
@@ -21011,165 +23235,7 @@
   <p:timing>
     <p:tnLst>
       <p:par>
-        <p:cTn id="1" dur="indefinite" restart="never" nodeType="tmRoot">
-          <p:childTnLst>
-            <p:seq concurrent="1" nextAc="seek">
-              <p:cTn id="2" dur="indefinite" nodeType="mainSeq">
-                <p:childTnLst>
-                  <p:par>
-                    <p:cTn id="3" fill="hold">
-                      <p:stCondLst>
-                        <p:cond delay="indefinite"/>
-                      </p:stCondLst>
-                      <p:childTnLst>
-                        <p:par>
-                          <p:cTn id="4" fill="hold">
-                            <p:stCondLst>
-                              <p:cond delay="0"/>
-                            </p:stCondLst>
-                            <p:childTnLst>
-                              <p:par>
-                                <p:cTn id="5" presetID="1" presetClass="entr" presetSubtype="0" fill="hold" nodeType="clickEffect">
-                                  <p:stCondLst>
-                                    <p:cond delay="0"/>
-                                  </p:stCondLst>
-                                  <p:childTnLst>
-                                    <p:set>
-                                      <p:cBhvr>
-                                        <p:cTn id="6" dur="1" fill="hold">
-                                          <p:stCondLst>
-                                            <p:cond delay="0"/>
-                                          </p:stCondLst>
-                                        </p:cTn>
-                                        <p:tgtEl>
-                                          <p:spTgt spid="5"/>
-                                        </p:tgtEl>
-                                        <p:attrNameLst>
-                                          <p:attrName>style.visibility</p:attrName>
-                                        </p:attrNameLst>
-                                      </p:cBhvr>
-                                      <p:to>
-                                        <p:strVal val="visible"/>
-                                      </p:to>
-                                    </p:set>
-                                  </p:childTnLst>
-                                </p:cTn>
-                              </p:par>
-                            </p:childTnLst>
-                          </p:cTn>
-                        </p:par>
-                      </p:childTnLst>
-                    </p:cTn>
-                  </p:par>
-                  <p:par>
-                    <p:cTn id="7" fill="hold">
-                      <p:stCondLst>
-                        <p:cond delay="indefinite"/>
-                      </p:stCondLst>
-                      <p:childTnLst>
-                        <p:par>
-                          <p:cTn id="8" fill="hold">
-                            <p:stCondLst>
-                              <p:cond delay="0"/>
-                            </p:stCondLst>
-                            <p:childTnLst>
-                              <p:par>
-                                <p:cTn id="9" presetID="1" presetClass="entr" presetSubtype="0" fill="hold" nodeType="clickEffect">
-                                  <p:stCondLst>
-                                    <p:cond delay="0"/>
-                                  </p:stCondLst>
-                                  <p:childTnLst>
-                                    <p:set>
-                                      <p:cBhvr>
-                                        <p:cTn id="10" dur="1" fill="hold">
-                                          <p:stCondLst>
-                                            <p:cond delay="0"/>
-                                          </p:stCondLst>
-                                        </p:cTn>
-                                        <p:tgtEl>
-                                          <p:spTgt spid="6"/>
-                                        </p:tgtEl>
-                                        <p:attrNameLst>
-                                          <p:attrName>style.visibility</p:attrName>
-                                        </p:attrNameLst>
-                                      </p:cBhvr>
-                                      <p:to>
-                                        <p:strVal val="visible"/>
-                                      </p:to>
-                                    </p:set>
-                                  </p:childTnLst>
-                                </p:cTn>
-                              </p:par>
-                            </p:childTnLst>
-                          </p:cTn>
-                        </p:par>
-                      </p:childTnLst>
-                    </p:cTn>
-                  </p:par>
-                  <p:par>
-                    <p:cTn id="11" fill="hold">
-                      <p:stCondLst>
-                        <p:cond delay="indefinite"/>
-                      </p:stCondLst>
-                      <p:childTnLst>
-                        <p:par>
-                          <p:cTn id="12" fill="hold">
-                            <p:stCondLst>
-                              <p:cond delay="0"/>
-                            </p:stCondLst>
-                            <p:childTnLst>
-                              <p:par>
-                                <p:cTn id="13" presetID="1" presetClass="entr" presetSubtype="0" fill="hold" nodeType="clickEffect">
-                                  <p:stCondLst>
-                                    <p:cond delay="0"/>
-                                  </p:stCondLst>
-                                  <p:childTnLst>
-                                    <p:set>
-                                      <p:cBhvr>
-                                        <p:cTn id="14" dur="1" fill="hold">
-                                          <p:stCondLst>
-                                            <p:cond delay="0"/>
-                                          </p:stCondLst>
-                                        </p:cTn>
-                                        <p:tgtEl>
-                                          <p:spTgt spid="7"/>
-                                        </p:tgtEl>
-                                        <p:attrNameLst>
-                                          <p:attrName>style.visibility</p:attrName>
-                                        </p:attrNameLst>
-                                      </p:cBhvr>
-                                      <p:to>
-                                        <p:strVal val="visible"/>
-                                      </p:to>
-                                    </p:set>
-                                  </p:childTnLst>
-                                </p:cTn>
-                              </p:par>
-                            </p:childTnLst>
-                          </p:cTn>
-                        </p:par>
-                      </p:childTnLst>
-                    </p:cTn>
-                  </p:par>
-                </p:childTnLst>
-              </p:cTn>
-              <p:prevCondLst>
-                <p:cond evt="onPrev" delay="0">
-                  <p:tgtEl>
-                    <p:sldTgt/>
-                  </p:tgtEl>
-                </p:cond>
-              </p:prevCondLst>
-              <p:nextCondLst>
-                <p:cond evt="onNext" delay="0">
-                  <p:tgtEl>
-                    <p:sldTgt/>
-                  </p:tgtEl>
-                </p:cond>
-              </p:nextCondLst>
-            </p:seq>
-          </p:childTnLst>
-        </p:cTn>
+        <p:cTn id="1" dur="indefinite" restart="never" nodeType="tmRoot"/>
       </p:par>
     </p:tnLst>
   </p:timing>
@@ -21208,6 +23274,22 @@
           <a:bodyPr/>
           <a:lstStyle/>
           <a:p>
+            <a:r>
+              <a:rPr lang="es-ES" dirty="0" smtClean="0"/>
+              <a:t>RPG </a:t>
+            </a:r>
+            <a:r>
+              <a:rPr lang="es-ES" dirty="0" err="1" smtClean="0"/>
+              <a:t>pilars</a:t>
+            </a:r>
+            <a:r>
+              <a:rPr lang="es-ES" dirty="0" smtClean="0"/>
+              <a:t> </a:t>
+            </a:r>
+            <a:r>
+              <a:rPr lang="es-ES" dirty="0" err="1" smtClean="0"/>
+              <a:t>generals</a:t>
+            </a:r>
             <a:endParaRPr lang="ca-ES" dirty="0"/>
           </a:p>
         </p:txBody>
@@ -21222,7 +23304,7 @@
             <p:ph idx="1"/>
             <p:extLst>
               <p:ext uri="{D42A27DB-BD31-4B8C-83A1-F6EECF244321}">
-                <p14:modId xmlns:p14="http://schemas.microsoft.com/office/powerpoint/2010/main" val="3618064142"/>
+                <p14:modId xmlns:p14="http://schemas.microsoft.com/office/powerpoint/2010/main" val="2997721533"/>
               </p:ext>
             </p:extLst>
           </p:nvPr>
@@ -21240,7 +23322,7 @@
     </p:spTree>
     <p:extLst>
       <p:ext uri="{BB962C8B-B14F-4D97-AF65-F5344CB8AC3E}">
-        <p14:creationId xmlns:p14="http://schemas.microsoft.com/office/powerpoint/2010/main" val="1325904825"/>
+        <p14:creationId xmlns:p14="http://schemas.microsoft.com/office/powerpoint/2010/main" val="700483081"/>
       </p:ext>
     </p:extLst>
   </p:cSld>
@@ -21290,8 +23372,20 @@
           <a:lstStyle/>
           <a:p>
             <a:r>
+              <a:rPr lang="es-ES" dirty="0" smtClean="0"/>
+              <a:t>RPG </a:t>
+            </a:r>
+            <a:r>
               <a:rPr lang="es-ES" dirty="0" err="1" smtClean="0"/>
-              <a:t>Metodologia</a:t>
+              <a:t>característiques</a:t>
+            </a:r>
+            <a:r>
+              <a:rPr lang="es-ES" dirty="0" smtClean="0"/>
+              <a:t> </a:t>
+            </a:r>
+            <a:r>
+              <a:rPr lang="es-ES" dirty="0" err="1" smtClean="0"/>
+              <a:t>particulars</a:t>
             </a:r>
             <a:endParaRPr lang="ca-ES" dirty="0"/>
           </a:p>
@@ -21299,7 +23393,7 @@
       </p:sp>
       <p:graphicFrame>
         <p:nvGraphicFramePr>
-          <p:cNvPr id="5" name="Marcador de contenido 4"/>
+          <p:cNvPr id="4" name="Marcador de contenido 3"/>
           <p:cNvGraphicFramePr>
             <a:graphicFrameLocks noGrp="1"/>
           </p:cNvGraphicFramePr>
@@ -21307,7 +23401,7 @@
             <p:ph idx="1"/>
             <p:extLst>
               <p:ext uri="{D42A27DB-BD31-4B8C-83A1-F6EECF244321}">
-                <p14:modId xmlns:p14="http://schemas.microsoft.com/office/powerpoint/2010/main" val="3534700130"/>
+                <p14:modId xmlns:p14="http://schemas.microsoft.com/office/powerpoint/2010/main" val="3618064142"/>
               </p:ext>
             </p:extLst>
           </p:nvPr>
@@ -21325,7 +23419,7 @@
     </p:spTree>
     <p:extLst>
       <p:ext uri="{BB962C8B-B14F-4D97-AF65-F5344CB8AC3E}">
-        <p14:creationId xmlns:p14="http://schemas.microsoft.com/office/powerpoint/2010/main" val="3846753872"/>
+        <p14:creationId xmlns:p14="http://schemas.microsoft.com/office/powerpoint/2010/main" val="1325904825"/>
       </p:ext>
     </p:extLst>
   </p:cSld>
@@ -21392,7 +23486,7 @@
             <p:ph idx="1"/>
             <p:extLst>
               <p:ext uri="{D42A27DB-BD31-4B8C-83A1-F6EECF244321}">
-                <p14:modId xmlns:p14="http://schemas.microsoft.com/office/powerpoint/2010/main" val="4286871340"/>
+                <p14:modId xmlns:p14="http://schemas.microsoft.com/office/powerpoint/2010/main" val="4160163635"/>
               </p:ext>
             </p:extLst>
           </p:nvPr>
@@ -21407,6 +23501,64 @@
           </a:graphicData>
         </a:graphic>
       </p:graphicFrame>
+      <p:sp>
+        <p:nvSpPr>
+          <p:cNvPr id="7" name="CuadroTexto 6"/>
+          <p:cNvSpPr txBox="1"/>
+          <p:nvPr/>
+        </p:nvSpPr>
+        <p:spPr>
+          <a:xfrm>
+            <a:off x="8588978" y="5653801"/>
+            <a:ext cx="2793020" cy="580264"/>
+          </a:xfrm>
+          <a:prstGeom prst="rect">
+            <a:avLst/>
+          </a:prstGeom>
+        </p:spPr>
+        <p:style>
+          <a:lnRef idx="0">
+            <a:scrgbClr r="0" g="0" b="0"/>
+          </a:lnRef>
+          <a:fillRef idx="0">
+            <a:scrgbClr r="0" g="0" b="0"/>
+          </a:fillRef>
+          <a:effectRef idx="0">
+            <a:scrgbClr r="0" g="0" b="0"/>
+          </a:effectRef>
+          <a:fontRef idx="minor">
+            <a:schemeClr val="lt1"/>
+          </a:fontRef>
+        </p:style>
+        <p:txBody>
+          <a:bodyPr spcFirstLastPara="0" vert="horz" wrap="square" lIns="114300" tIns="114300" rIns="114300" bIns="114300" numCol="1" spcCol="1270" anchor="ctr" anchorCtr="0">
+            <a:noAutofit/>
+          </a:bodyPr>
+          <a:lstStyle/>
+          <a:p>
+            <a:pPr lvl="0" algn="r" defTabSz="1333500">
+              <a:lnSpc>
+                <a:spcPct val="90000"/>
+              </a:lnSpc>
+              <a:spcBef>
+                <a:spcPct val="0"/>
+              </a:spcBef>
+              <a:spcAft>
+                <a:spcPct val="35000"/>
+              </a:spcAft>
+            </a:pPr>
+            <a:r>
+              <a:rPr lang="es-ES" sz="2000" dirty="0" err="1" smtClean="0"/>
+              <a:t>Game</a:t>
+            </a:r>
+            <a:r>
+              <a:rPr lang="es-ES" sz="2000" dirty="0" smtClean="0"/>
+              <a:t>*</a:t>
+            </a:r>
+            <a:endParaRPr lang="es-ES" sz="2000" kern="1200" dirty="0"/>
+          </a:p>
+        </p:txBody>
+      </p:sp>
     </p:spTree>
     <p:extLst>
       <p:ext uri="{BB962C8B-B14F-4D97-AF65-F5344CB8AC3E}">
@@ -21428,6 +23580,105 @@
 </file>
 
 <file path=ppt/slides/slide7.xml><?xml version="1.0" encoding="utf-8"?>
+<p:sld xmlns:a="http://schemas.openxmlformats.org/drawingml/2006/main" xmlns:r="http://schemas.openxmlformats.org/officeDocument/2006/relationships" xmlns:p="http://schemas.openxmlformats.org/presentationml/2006/main">
+  <p:cSld>
+    <p:spTree>
+      <p:nvGrpSpPr>
+        <p:cNvPr id="1" name=""/>
+        <p:cNvGrpSpPr/>
+        <p:nvPr/>
+      </p:nvGrpSpPr>
+      <p:grpSpPr>
+        <a:xfrm>
+          <a:off x="0" y="0"/>
+          <a:ext cx="0" cy="0"/>
+          <a:chOff x="0" y="0"/>
+          <a:chExt cx="0" cy="0"/>
+        </a:xfrm>
+      </p:grpSpPr>
+      <p:sp>
+        <p:nvSpPr>
+          <p:cNvPr id="2" name="Título 1"/>
+          <p:cNvSpPr>
+            <a:spLocks noGrp="1"/>
+          </p:cNvSpPr>
+          <p:nvPr>
+            <p:ph type="title"/>
+          </p:nvPr>
+        </p:nvSpPr>
+        <p:spPr/>
+        <p:txBody>
+          <a:bodyPr/>
+          <a:lstStyle/>
+          <a:p>
+            <a:r>
+              <a:rPr lang="es-ES" dirty="0" smtClean="0"/>
+              <a:t>Demo in </a:t>
+            </a:r>
+            <a:r>
+              <a:rPr lang="es-ES" dirty="0" err="1" smtClean="0"/>
+              <a:t>game</a:t>
+            </a:r>
+            <a:endParaRPr lang="ca-ES" dirty="0"/>
+          </a:p>
+        </p:txBody>
+      </p:sp>
+      <p:sp>
+        <p:nvSpPr>
+          <p:cNvPr id="3" name="Marcador de contenido 2"/>
+          <p:cNvSpPr>
+            <a:spLocks noGrp="1"/>
+          </p:cNvSpPr>
+          <p:nvPr>
+            <p:ph idx="1"/>
+          </p:nvPr>
+        </p:nvSpPr>
+        <p:spPr/>
+        <p:txBody>
+          <a:bodyPr/>
+          <a:lstStyle/>
+          <a:p>
+            <a:r>
+              <a:rPr lang="es-ES" dirty="0" smtClean="0"/>
+              <a:t>Play </a:t>
+            </a:r>
+            <a:r>
+              <a:rPr lang="es-ES" dirty="0" err="1" smtClean="0"/>
+              <a:t>the</a:t>
+            </a:r>
+            <a:r>
+              <a:rPr lang="es-ES" dirty="0" smtClean="0"/>
+              <a:t> </a:t>
+            </a:r>
+            <a:r>
+              <a:rPr lang="es-ES" dirty="0" err="1" smtClean="0"/>
+              <a:t>game</a:t>
+            </a:r>
+            <a:endParaRPr lang="ca-ES" dirty="0"/>
+          </a:p>
+        </p:txBody>
+      </p:sp>
+    </p:spTree>
+    <p:extLst>
+      <p:ext uri="{BB962C8B-B14F-4D97-AF65-F5344CB8AC3E}">
+        <p14:creationId xmlns:p14="http://schemas.microsoft.com/office/powerpoint/2010/main" val="1632817410"/>
+      </p:ext>
+    </p:extLst>
+  </p:cSld>
+  <p:clrMapOvr>
+    <a:masterClrMapping/>
+  </p:clrMapOvr>
+  <p:timing>
+    <p:tnLst>
+      <p:par>
+        <p:cTn id="1" dur="indefinite" restart="never" nodeType="tmRoot"/>
+      </p:par>
+    </p:tnLst>
+  </p:timing>
+</p:sld>
+</file>
+
+<file path=ppt/slides/slide8.xml><?xml version="1.0" encoding="utf-8"?>
 <p:sld xmlns:a="http://schemas.openxmlformats.org/drawingml/2006/main" xmlns:r="http://schemas.openxmlformats.org/officeDocument/2006/relationships" xmlns:p="http://schemas.openxmlformats.org/presentationml/2006/main">
   <p:cSld>
     <p:spTree>
@@ -21512,7 +23763,7 @@
 </p:sld>
 </file>
 
-<file path=ppt/slides/slide8.xml><?xml version="1.0" encoding="utf-8"?>
+<file path=ppt/slides/slide9.xml><?xml version="1.0" encoding="utf-8"?>
 <p:sld xmlns:a="http://schemas.openxmlformats.org/drawingml/2006/main" xmlns:r="http://schemas.openxmlformats.org/officeDocument/2006/relationships" xmlns:p="http://schemas.openxmlformats.org/presentationml/2006/main">
   <p:cSld>
     <p:spTree>

--- a/Presentació/Darkest Valley.pptx
+++ b/Presentació/Darkest Valley.pptx
@@ -5910,6 +5910,13 @@
         </dgm:presLayoutVars>
       </dgm:prSet>
       <dgm:spPr/>
+      <dgm:t>
+        <a:bodyPr/>
+        <a:lstStyle/>
+        <a:p>
+          <a:endParaRPr lang="es-ES"/>
+        </a:p>
+      </dgm:t>
     </dgm:pt>
     <dgm:pt modelId="{7DD7DC2D-F989-4758-8F09-456FC2AB0EFB}" type="pres">
       <dgm:prSet presAssocID="{AFCFFD86-6D6C-4699-B349-8EAB1F2202B7}" presName="node" presStyleLbl="node1" presStyleIdx="0" presStyleCnt="3">
@@ -5918,6 +5925,13 @@
         </dgm:presLayoutVars>
       </dgm:prSet>
       <dgm:spPr/>
+      <dgm:t>
+        <a:bodyPr/>
+        <a:lstStyle/>
+        <a:p>
+          <a:endParaRPr lang="es-ES"/>
+        </a:p>
+      </dgm:t>
     </dgm:pt>
     <dgm:pt modelId="{31647C9B-F8C0-4FFA-8B53-FD4800CE6F41}" type="pres">
       <dgm:prSet presAssocID="{23720B7B-76FC-48EC-B95C-9E33B5580424}" presName="sibTrans" presStyleCnt="0"/>
@@ -5930,6 +5944,13 @@
         </dgm:presLayoutVars>
       </dgm:prSet>
       <dgm:spPr/>
+      <dgm:t>
+        <a:bodyPr/>
+        <a:lstStyle/>
+        <a:p>
+          <a:endParaRPr lang="es-ES"/>
+        </a:p>
+      </dgm:t>
     </dgm:pt>
     <dgm:pt modelId="{68F914D9-C8F9-4D15-AF4A-5BAD4D3EDF46}" type="pres">
       <dgm:prSet presAssocID="{D9B53DE2-62AE-49F4-B145-636E07A04D98}" presName="sibTrans" presStyleCnt="0"/>
@@ -5952,13 +5973,13 @@
     </dgm:pt>
   </dgm:ptLst>
   <dgm:cxnLst>
+    <dgm:cxn modelId="{AA81A643-BFBA-4B2D-B21A-AB9E94768BD6}" type="presOf" srcId="{AFCFFD86-6D6C-4699-B349-8EAB1F2202B7}" destId="{7DD7DC2D-F989-4758-8F09-456FC2AB0EFB}" srcOrd="0" destOrd="0" presId="urn:microsoft.com/office/officeart/2005/8/layout/default"/>
+    <dgm:cxn modelId="{616BD9D9-A116-4C12-8937-4E8CF2151FEB}" srcId="{140319FC-0832-482B-A9B1-504E0813EC52}" destId="{E4F33280-FFCC-4B0F-A534-5339730B31A6}" srcOrd="2" destOrd="0" parTransId="{3358BF7D-28FC-47C8-925D-AFF1FA94DBDC}" sibTransId="{64AA69AD-B90B-4DA7-9258-06071EB05F8A}"/>
     <dgm:cxn modelId="{0B0E94F4-88CC-4A82-934D-E922B6E5455F}" srcId="{140319FC-0832-482B-A9B1-504E0813EC52}" destId="{C67F00E1-7F1D-4D72-9E4D-57073047888C}" srcOrd="1" destOrd="0" parTransId="{783EE7F2-7E47-4E7F-8D7E-E218D6584943}" sibTransId="{D9B53DE2-62AE-49F4-B145-636E07A04D98}"/>
+    <dgm:cxn modelId="{D22B6164-04B0-4C56-AA3E-E631A7D75521}" type="presOf" srcId="{140319FC-0832-482B-A9B1-504E0813EC52}" destId="{E994D99D-1FCD-44DC-8297-CE6F5D0C094B}" srcOrd="0" destOrd="0" presId="urn:microsoft.com/office/officeart/2005/8/layout/default"/>
     <dgm:cxn modelId="{6B519F4B-4D8E-46E1-BE27-009018311DB5}" srcId="{140319FC-0832-482B-A9B1-504E0813EC52}" destId="{AFCFFD86-6D6C-4699-B349-8EAB1F2202B7}" srcOrd="0" destOrd="0" parTransId="{E125666E-A337-474F-9680-AE2020E56D70}" sibTransId="{23720B7B-76FC-48EC-B95C-9E33B5580424}"/>
-    <dgm:cxn modelId="{D22B6164-04B0-4C56-AA3E-E631A7D75521}" type="presOf" srcId="{140319FC-0832-482B-A9B1-504E0813EC52}" destId="{E994D99D-1FCD-44DC-8297-CE6F5D0C094B}" srcOrd="0" destOrd="0" presId="urn:microsoft.com/office/officeart/2005/8/layout/default"/>
+    <dgm:cxn modelId="{74FEDBC2-881D-4DB0-8536-AEE7D6920F6B}" type="presOf" srcId="{E4F33280-FFCC-4B0F-A534-5339730B31A6}" destId="{CD8AA958-13BF-4273-A390-92682C347232}" srcOrd="0" destOrd="0" presId="urn:microsoft.com/office/officeart/2005/8/layout/default"/>
     <dgm:cxn modelId="{6BA46286-960E-4478-BB31-F23A6918FCA6}" type="presOf" srcId="{C67F00E1-7F1D-4D72-9E4D-57073047888C}" destId="{3B99F596-93D0-4872-853E-252B060DA302}" srcOrd="0" destOrd="0" presId="urn:microsoft.com/office/officeart/2005/8/layout/default"/>
-    <dgm:cxn modelId="{616BD9D9-A116-4C12-8937-4E8CF2151FEB}" srcId="{140319FC-0832-482B-A9B1-504E0813EC52}" destId="{E4F33280-FFCC-4B0F-A534-5339730B31A6}" srcOrd="2" destOrd="0" parTransId="{3358BF7D-28FC-47C8-925D-AFF1FA94DBDC}" sibTransId="{64AA69AD-B90B-4DA7-9258-06071EB05F8A}"/>
-    <dgm:cxn modelId="{74FEDBC2-881D-4DB0-8536-AEE7D6920F6B}" type="presOf" srcId="{E4F33280-FFCC-4B0F-A534-5339730B31A6}" destId="{CD8AA958-13BF-4273-A390-92682C347232}" srcOrd="0" destOrd="0" presId="urn:microsoft.com/office/officeart/2005/8/layout/default"/>
-    <dgm:cxn modelId="{AA81A643-BFBA-4B2D-B21A-AB9E94768BD6}" type="presOf" srcId="{AFCFFD86-6D6C-4699-B349-8EAB1F2202B7}" destId="{7DD7DC2D-F989-4758-8F09-456FC2AB0EFB}" srcOrd="0" destOrd="0" presId="urn:microsoft.com/office/officeart/2005/8/layout/default"/>
     <dgm:cxn modelId="{BC426DE1-1398-4D12-A42F-E46B3EECC7E8}" type="presParOf" srcId="{E994D99D-1FCD-44DC-8297-CE6F5D0C094B}" destId="{7DD7DC2D-F989-4758-8F09-456FC2AB0EFB}" srcOrd="0" destOrd="0" presId="urn:microsoft.com/office/officeart/2005/8/layout/default"/>
     <dgm:cxn modelId="{31F34B9B-F8CF-4F42-913B-33155CA83B44}" type="presParOf" srcId="{E994D99D-1FCD-44DC-8297-CE6F5D0C094B}" destId="{31647C9B-F8C0-4FFA-8B53-FD4800CE6F41}" srcOrd="1" destOrd="0" presId="urn:microsoft.com/office/officeart/2005/8/layout/default"/>
     <dgm:cxn modelId="{418A5BF5-88F2-4318-ADB5-EC0C6C272015}" type="presParOf" srcId="{E994D99D-1FCD-44DC-8297-CE6F5D0C094B}" destId="{3B99F596-93D0-4872-853E-252B060DA302}" srcOrd="2" destOrd="0" presId="urn:microsoft.com/office/officeart/2005/8/layout/default"/>
@@ -6444,13 +6465,13 @@
     </dgm:pt>
   </dgm:ptLst>
   <dgm:cxnLst>
+    <dgm:cxn modelId="{AB812F76-F6C2-42FE-BBEB-88A2AA9990C2}" type="presOf" srcId="{789D7ED8-9D51-41B5-824C-1DF193C8EE58}" destId="{0F2E23A2-D324-494A-9625-87B8A9B272E0}" srcOrd="0" destOrd="0" presId="urn:microsoft.com/office/officeart/2005/8/layout/default"/>
+    <dgm:cxn modelId="{6D23622E-FA57-49EE-93C4-93531A2168C7}" type="presOf" srcId="{FF0A92A7-3775-4C8E-B37A-DE1ECDA2D2F0}" destId="{13E5B74A-F630-48F2-8E9E-AFFAA62EDF36}" srcOrd="0" destOrd="0" presId="urn:microsoft.com/office/officeart/2005/8/layout/default"/>
+    <dgm:cxn modelId="{E4684096-F671-4195-BD08-C2BDBA26B09E}" type="presOf" srcId="{7672F0F6-1E6F-41BC-B95B-4AD87B43D6DA}" destId="{1BA7B6C5-FBA4-4579-BB41-E2F3B56455CF}" srcOrd="0" destOrd="0" presId="urn:microsoft.com/office/officeart/2005/8/layout/default"/>
+    <dgm:cxn modelId="{24CDB31E-FDC3-4B6F-AB99-B07FEDE848BF}" srcId="{FF0A92A7-3775-4C8E-B37A-DE1ECDA2D2F0}" destId="{7672F0F6-1E6F-41BC-B95B-4AD87B43D6DA}" srcOrd="1" destOrd="0" parTransId="{E54024D1-3AED-48BB-AC26-A3F0649E203D}" sibTransId="{C297A2D2-4DFE-42E3-8705-0DBACF4D5E7D}"/>
     <dgm:cxn modelId="{B9159F09-2721-40A3-A883-E00F749A5131}" srcId="{FF0A92A7-3775-4C8E-B37A-DE1ECDA2D2F0}" destId="{789D7ED8-9D51-41B5-824C-1DF193C8EE58}" srcOrd="2" destOrd="0" parTransId="{B3C3E632-EE85-438C-8F13-3AB54840FBB9}" sibTransId="{EADFB4A7-4D5E-409D-B1D9-714332D36692}"/>
-    <dgm:cxn modelId="{E4684096-F671-4195-BD08-C2BDBA26B09E}" type="presOf" srcId="{7672F0F6-1E6F-41BC-B95B-4AD87B43D6DA}" destId="{1BA7B6C5-FBA4-4579-BB41-E2F3B56455CF}" srcOrd="0" destOrd="0" presId="urn:microsoft.com/office/officeart/2005/8/layout/default"/>
-    <dgm:cxn modelId="{AB812F76-F6C2-42FE-BBEB-88A2AA9990C2}" type="presOf" srcId="{789D7ED8-9D51-41B5-824C-1DF193C8EE58}" destId="{0F2E23A2-D324-494A-9625-87B8A9B272E0}" srcOrd="0" destOrd="0" presId="urn:microsoft.com/office/officeart/2005/8/layout/default"/>
     <dgm:cxn modelId="{A3394EEB-E014-41F9-8A18-8943A9D4669E}" srcId="{FF0A92A7-3775-4C8E-B37A-DE1ECDA2D2F0}" destId="{813B4033-7833-4633-ADBE-0E7CA5BF25BA}" srcOrd="0" destOrd="0" parTransId="{833593E8-3A37-49EF-96D5-33D3268755C7}" sibTransId="{89AFE489-4CAB-4EFA-9052-8A6942C200B8}"/>
-    <dgm:cxn modelId="{24CDB31E-FDC3-4B6F-AB99-B07FEDE848BF}" srcId="{FF0A92A7-3775-4C8E-B37A-DE1ECDA2D2F0}" destId="{7672F0F6-1E6F-41BC-B95B-4AD87B43D6DA}" srcOrd="1" destOrd="0" parTransId="{E54024D1-3AED-48BB-AC26-A3F0649E203D}" sibTransId="{C297A2D2-4DFE-42E3-8705-0DBACF4D5E7D}"/>
     <dgm:cxn modelId="{0F73DB4A-0E5A-45B0-AAD0-6A4E2AB53117}" type="presOf" srcId="{813B4033-7833-4633-ADBE-0E7CA5BF25BA}" destId="{F8B43FBE-7827-4087-9B3F-204B17CD3130}" srcOrd="0" destOrd="0" presId="urn:microsoft.com/office/officeart/2005/8/layout/default"/>
-    <dgm:cxn modelId="{6D23622E-FA57-49EE-93C4-93531A2168C7}" type="presOf" srcId="{FF0A92A7-3775-4C8E-B37A-DE1ECDA2D2F0}" destId="{13E5B74A-F630-48F2-8E9E-AFFAA62EDF36}" srcOrd="0" destOrd="0" presId="urn:microsoft.com/office/officeart/2005/8/layout/default"/>
     <dgm:cxn modelId="{F3566A17-9469-4498-99EE-9B9224111C6B}" type="presParOf" srcId="{13E5B74A-F630-48F2-8E9E-AFFAA62EDF36}" destId="{F8B43FBE-7827-4087-9B3F-204B17CD3130}" srcOrd="0" destOrd="0" presId="urn:microsoft.com/office/officeart/2005/8/layout/default"/>
     <dgm:cxn modelId="{FC96FF68-1FC4-4C49-8573-7FFDB3A06565}" type="presParOf" srcId="{13E5B74A-F630-48F2-8E9E-AFFAA62EDF36}" destId="{B979EF1B-2915-4363-9B76-E4B9927CDDA8}" srcOrd="1" destOrd="0" presId="urn:microsoft.com/office/officeart/2005/8/layout/default"/>
     <dgm:cxn modelId="{518DFFE8-A3B8-4A0F-BA92-4E8270913C18}" type="presParOf" srcId="{13E5B74A-F630-48F2-8E9E-AFFAA62EDF36}" destId="{1BA7B6C5-FBA4-4579-BB41-E2F3B56455CF}" srcOrd="2" destOrd="0" presId="urn:microsoft.com/office/officeart/2005/8/layout/default"/>
@@ -6791,8 +6812,8 @@
   </dgm:ptLst>
   <dgm:cxnLst>
     <dgm:cxn modelId="{DAFB8A64-03A2-401C-802E-1910D93957DE}" type="presOf" srcId="{0256FC9C-9F07-4702-A00E-85A1D4875633}" destId="{5F278A3B-C101-4EBC-B7C7-A417CEF104D3}" srcOrd="0" destOrd="0" presId="urn:microsoft.com/office/officeart/2005/8/layout/default"/>
+    <dgm:cxn modelId="{B25AE55B-2144-401A-960D-5C89F9D7D537}" type="presOf" srcId="{608687BC-C3A7-4C31-97E6-479C6D56DDC5}" destId="{A9EEC46C-EE6B-4324-8573-8284BC87BF6A}" srcOrd="0" destOrd="0" presId="urn:microsoft.com/office/officeart/2005/8/layout/default"/>
     <dgm:cxn modelId="{9B89E7AD-C990-4641-AB1F-24BE00CD4208}" type="presOf" srcId="{4C986054-C49A-484A-B800-ACFC1CF6EB0A}" destId="{8B8ADE34-790D-4CE3-8E8C-4BC7C14C11A3}" srcOrd="0" destOrd="0" presId="urn:microsoft.com/office/officeart/2005/8/layout/default"/>
-    <dgm:cxn modelId="{B25AE55B-2144-401A-960D-5C89F9D7D537}" type="presOf" srcId="{608687BC-C3A7-4C31-97E6-479C6D56DDC5}" destId="{A9EEC46C-EE6B-4324-8573-8284BC87BF6A}" srcOrd="0" destOrd="0" presId="urn:microsoft.com/office/officeart/2005/8/layout/default"/>
     <dgm:cxn modelId="{9F1423ED-7E19-41D9-A210-ABC8F881AF37}" srcId="{608687BC-C3A7-4C31-97E6-479C6D56DDC5}" destId="{0256FC9C-9F07-4702-A00E-85A1D4875633}" srcOrd="0" destOrd="0" parTransId="{12589421-5347-45F9-9216-5560A62EA731}" sibTransId="{E245293D-1B0F-4BA1-A00E-C3DAF37823A4}"/>
     <dgm:cxn modelId="{8ACD5B47-A20E-41B5-B0D0-385FA0D57CAF}" srcId="{608687BC-C3A7-4C31-97E6-479C6D56DDC5}" destId="{4C986054-C49A-484A-B800-ACFC1CF6EB0A}" srcOrd="1" destOrd="0" parTransId="{97EC03D4-463C-4DE1-98C4-892BF9057399}" sibTransId="{4F82B9F2-6A82-4D3E-B154-10FE3A80276F}"/>
     <dgm:cxn modelId="{F05FAAF6-7C8A-420E-AD2C-B6E1AD6E49EE}" type="presParOf" srcId="{A9EEC46C-EE6B-4324-8573-8284BC87BF6A}" destId="{5F278A3B-C101-4EBC-B7C7-A417CEF104D3}" srcOrd="0" destOrd="0" presId="urn:microsoft.com/office/officeart/2005/8/layout/default"/>
@@ -17564,7 +17585,7 @@
           <a:effectLst/>
           <a:extLst>
             <a:ext uri="{91240B29-F687-4f45-9708-019B960494DF}">
-              <a14:hiddenLine xmlns="" xmlns:a14="http://schemas.microsoft.com/office/drawing/2010/main" w="9525">
+              <a14:hiddenLine xmlns:a14="http://schemas.microsoft.com/office/drawing/2010/main" xmlns="" w="9525">
                 <a:solidFill>
                   <a:srgbClr val="000000"/>
                 </a:solidFill>
@@ -17757,7 +17778,7 @@
             <a:fld id="{08B9EBBA-996F-894A-B54A-D6246ED52CEA}" type="datetimeFigureOut">
               <a:rPr lang="en-US" dirty="0"/>
               <a:pPr/>
-              <a:t>1/12/2024</a:t>
+              <a:t>1/13/2024</a:t>
             </a:fld>
             <a:endParaRPr lang="en-US" dirty="0"/>
           </a:p>
@@ -18072,7 +18093,7 @@
             <a:fld id="{18C79C5D-2A6F-F04D-97DA-BEF2467B64E4}" type="datetimeFigureOut">
               <a:rPr lang="en-US" dirty="0"/>
               <a:pPr/>
-              <a:t>1/12/2024</a:t>
+              <a:t>1/13/2024</a:t>
             </a:fld>
             <a:endParaRPr lang="en-US" dirty="0"/>
           </a:p>
@@ -18557,7 +18578,7 @@
             <a:fld id="{8DFA1846-DA80-1C48-A609-854EA85C59AD}" type="datetimeFigureOut">
               <a:rPr lang="en-US" dirty="0"/>
               <a:pPr/>
-              <a:t>1/12/2024</a:t>
+              <a:t>1/13/2024</a:t>
             </a:fld>
             <a:endParaRPr lang="en-US" dirty="0"/>
           </a:p>
@@ -18923,7 +18944,7 @@
             <a:fld id="{FBF54567-0DE4-3F47-BF90-CB84690072F9}" type="datetimeFigureOut">
               <a:rPr lang="en-US" dirty="0"/>
               <a:pPr/>
-              <a:t>1/12/2024</a:t>
+              <a:t>1/13/2024</a:t>
             </a:fld>
             <a:endParaRPr lang="en-US" dirty="0"/>
           </a:p>
@@ -19074,7 +19095,7 @@
           <a:ln/>
           <a:extLst>
             <a:ext uri="{91240B29-F687-4f45-9708-019B960494DF}">
-              <a14:hiddenLine xmlns="" xmlns:a14="http://schemas.microsoft.com/office/drawing/2010/main" w="9525">
+              <a14:hiddenLine xmlns:a14="http://schemas.microsoft.com/office/drawing/2010/main" xmlns="" w="9525">
                 <a:solidFill>
                   <a:srgbClr val="000000"/>
                 </a:solidFill>
@@ -19193,7 +19214,7 @@
             <a:fld id="{C6C52C72-DE31-F449-A4ED-4C594FD91407}" type="datetimeFigureOut">
               <a:rPr lang="en-US" dirty="0"/>
               <a:pPr/>
-              <a:t>1/12/2024</a:t>
+              <a:t>1/13/2024</a:t>
             </a:fld>
             <a:endParaRPr lang="en-US" dirty="0"/>
           </a:p>
@@ -19346,7 +19367,7 @@
           <a:ln/>
           <a:extLst>
             <a:ext uri="{91240B29-F687-4f45-9708-019B960494DF}">
-              <a14:hiddenLine xmlns="" xmlns:a14="http://schemas.microsoft.com/office/drawing/2010/main" w="9525">
+              <a14:hiddenLine xmlns:a14="http://schemas.microsoft.com/office/drawing/2010/main" xmlns="" w="9525">
                 <a:solidFill>
                   <a:srgbClr val="000000"/>
                 </a:solidFill>
@@ -19475,7 +19496,7 @@
             <a:fld id="{ED62726E-379B-B349-9EED-81ED093FA806}" type="datetimeFigureOut">
               <a:rPr lang="en-US" dirty="0"/>
               <a:pPr/>
-              <a:t>1/12/2024</a:t>
+              <a:t>1/13/2024</a:t>
             </a:fld>
             <a:endParaRPr lang="en-US" dirty="0"/>
           </a:p>
@@ -19626,7 +19647,7 @@
           <a:ln/>
           <a:extLst>
             <a:ext uri="{91240B29-F687-4f45-9708-019B960494DF}">
-              <a14:hiddenLine xmlns="" xmlns:a14="http://schemas.microsoft.com/office/drawing/2010/main" w="9525">
+              <a14:hiddenLine xmlns:a14="http://schemas.microsoft.com/office/drawing/2010/main" xmlns="" w="9525">
                 <a:solidFill>
                   <a:srgbClr val="000000"/>
                 </a:solidFill>
@@ -19755,7 +19776,7 @@
             <a:fld id="{9B3A1323-8D79-1946-B0D7-40001CF92E9D}" type="datetimeFigureOut">
               <a:rPr lang="en-US" dirty="0"/>
               <a:pPr/>
-              <a:t>1/12/2024</a:t>
+              <a:t>1/13/2024</a:t>
             </a:fld>
             <a:endParaRPr lang="en-US" dirty="0"/>
           </a:p>
@@ -20095,7 +20116,7 @@
             <a:fld id="{8DFA1846-DA80-1C48-A609-854EA85C59AD}" type="datetimeFigureOut">
               <a:rPr lang="en-US" dirty="0"/>
               <a:pPr/>
-              <a:t>1/12/2024</a:t>
+              <a:t>1/13/2024</a:t>
             </a:fld>
             <a:endParaRPr lang="en-US" dirty="0"/>
           </a:p>
@@ -20246,7 +20267,7 @@
           <a:ln/>
           <a:extLst>
             <a:ext uri="{91240B29-F687-4f45-9708-019B960494DF}">
-              <a14:hiddenLine xmlns="" xmlns:a14="http://schemas.microsoft.com/office/drawing/2010/main" w="9525">
+              <a14:hiddenLine xmlns:a14="http://schemas.microsoft.com/office/drawing/2010/main" xmlns="" w="9525">
                 <a:solidFill>
                   <a:srgbClr val="000000"/>
                 </a:solidFill>
@@ -20431,7 +20452,7 @@
             <a:fld id="{57302355-E14B-8545-A8F8-0FE83CC9D524}" type="datetimeFigureOut">
               <a:rPr lang="en-US" dirty="0"/>
               <a:pPr/>
-              <a:t>1/12/2024</a:t>
+              <a:t>1/13/2024</a:t>
             </a:fld>
             <a:endParaRPr lang="en-US" dirty="0"/>
           </a:p>
@@ -20582,7 +20603,7 @@
           <a:ln/>
           <a:extLst>
             <a:ext uri="{91240B29-F687-4f45-9708-019B960494DF}">
-              <a14:hiddenLine xmlns="" xmlns:a14="http://schemas.microsoft.com/office/drawing/2010/main" w="9525">
+              <a14:hiddenLine xmlns:a14="http://schemas.microsoft.com/office/drawing/2010/main" xmlns="" w="9525">
                 <a:solidFill>
                   <a:srgbClr val="000000"/>
                 </a:solidFill>
@@ -20905,7 +20926,7 @@
             <a:fld id="{02640F58-564D-2B4F-AE67-E407BA4FCF45}" type="datetimeFigureOut">
               <a:rPr lang="en-US" dirty="0"/>
               <a:pPr/>
-              <a:t>1/12/2024</a:t>
+              <a:t>1/13/2024</a:t>
             </a:fld>
             <a:endParaRPr lang="en-US" dirty="0"/>
           </a:p>
@@ -21056,7 +21077,7 @@
           <a:ln/>
           <a:extLst>
             <a:ext uri="{91240B29-F687-4f45-9708-019B960494DF}">
-              <a14:hiddenLine xmlns="" xmlns:a14="http://schemas.microsoft.com/office/drawing/2010/main" w="9525">
+              <a14:hiddenLine xmlns:a14="http://schemas.microsoft.com/office/drawing/2010/main" xmlns="" w="9525">
                 <a:solidFill>
                   <a:srgbClr val="000000"/>
                 </a:solidFill>
@@ -21123,7 +21144,7 @@
             <a:fld id="{F13A34C8-038E-2045-AF43-DF7DBB8E0E9E}" type="datetimeFigureOut">
               <a:rPr lang="en-US" dirty="0"/>
               <a:pPr/>
-              <a:t>1/12/2024</a:t>
+              <a:t>1/13/2024</a:t>
             </a:fld>
             <a:endParaRPr lang="en-US" dirty="0"/>
           </a:p>
@@ -21215,7 +21236,7 @@
             <a:fld id="{8818C68F-D26B-8F47-958C-23B49CF8A634}" type="datetimeFigureOut">
               <a:rPr lang="en-US" dirty="0"/>
               <a:pPr/>
-              <a:t>1/12/2024</a:t>
+              <a:t>1/13/2024</a:t>
             </a:fld>
             <a:endParaRPr lang="en-US" dirty="0"/>
           </a:p>
@@ -21479,7 +21500,7 @@
           <a:ln/>
           <a:extLst>
             <a:ext uri="{91240B29-F687-4f45-9708-019B960494DF}">
-              <a14:hiddenLine xmlns="" xmlns:a14="http://schemas.microsoft.com/office/drawing/2010/main" w="9525">
+              <a14:hiddenLine xmlns:a14="http://schemas.microsoft.com/office/drawing/2010/main" xmlns="" w="9525">
                 <a:solidFill>
                   <a:srgbClr val="000000"/>
                 </a:solidFill>
@@ -21679,7 +21700,7 @@
             <a:fld id="{D0DF5E60-9974-AC48-9591-99C2BB44B7CF}" type="datetimeFigureOut">
               <a:rPr lang="en-US" dirty="0"/>
               <a:pPr/>
-              <a:t>1/12/2024</a:t>
+              <a:t>1/13/2024</a:t>
             </a:fld>
             <a:endParaRPr lang="en-US" dirty="0"/>
           </a:p>
@@ -21989,7 +22010,7 @@
             <a:fld id="{18C79C5D-2A6F-F04D-97DA-BEF2467B64E4}" type="datetimeFigureOut">
               <a:rPr lang="en-US" dirty="0"/>
               <a:pPr/>
-              <a:t>1/12/2024</a:t>
+              <a:t>1/13/2024</a:t>
             </a:fld>
             <a:endParaRPr lang="en-US" dirty="0"/>
           </a:p>
@@ -22256,7 +22277,7 @@
             <a:fld id="{09B482E8-6E0E-1B4F-B1FD-C69DB9E858D9}" type="datetimeFigureOut">
               <a:rPr lang="en-US" dirty="0"/>
               <a:pPr/>
-              <a:t>1/12/2024</a:t>
+              <a:t>1/13/2024</a:t>
             </a:fld>
             <a:endParaRPr lang="en-US" dirty="0"/>
           </a:p>
